--- a/documents/slides/Chuong-02-Lam-Quen-Voi-Moi-Truong-Tuong-Tac-Python.pptx
+++ b/documents/slides/Chuong-02-Lam-Quen-Voi-Moi-Truong-Tuong-Tac-Python.pptx
@@ -5,7 +5,7 @@
     <p:sldMasterId id="2147483660" r:id="rId1"/>
   </p:sldMasterIdLst>
   <p:notesMasterIdLst>
-    <p:notesMasterId r:id="rId34"/>
+    <p:notesMasterId r:id="rId48"/>
   </p:notesMasterIdLst>
   <p:sldIdLst>
     <p:sldId id="256" r:id="rId2"/>
@@ -40,6 +40,20 @@
     <p:sldId id="296" r:id="rId31"/>
     <p:sldId id="297" r:id="rId32"/>
     <p:sldId id="298" r:id="rId33"/>
+    <p:sldId id="304" r:id="rId34"/>
+    <p:sldId id="300" r:id="rId35"/>
+    <p:sldId id="301" r:id="rId36"/>
+    <p:sldId id="302" r:id="rId37"/>
+    <p:sldId id="305" r:id="rId38"/>
+    <p:sldId id="306" r:id="rId39"/>
+    <p:sldId id="307" r:id="rId40"/>
+    <p:sldId id="309" r:id="rId41"/>
+    <p:sldId id="310" r:id="rId42"/>
+    <p:sldId id="311" r:id="rId43"/>
+    <p:sldId id="314" r:id="rId44"/>
+    <p:sldId id="315" r:id="rId45"/>
+    <p:sldId id="316" r:id="rId46"/>
+    <p:sldId id="317" r:id="rId47"/>
   </p:sldIdLst>
   <p:sldSz cx="9144000" cy="6858000" type="screen4x3"/>
   <p:notesSz cx="6858000" cy="9144000"/>
@@ -239,7 +253,7 @@
           <a:p>
             <a:fld id="{E1BDF935-9821-4834-9D99-7DEFA719F44D}" type="datetimeFigureOut">
               <a:rPr lang="en-US" smtClean="0"/>
-              <a:t>5/9/2023</a:t>
+              <a:t>5/10/2023</a:t>
             </a:fld>
             <a:endParaRPr lang="en-US" dirty="0"/>
           </a:p>
@@ -2546,7 +2560,7 @@
         <p:spPr>
           <a:xfrm>
             <a:off x="1038225" y="3474626"/>
-            <a:ext cx="7067550" cy="707886"/>
+            <a:ext cx="7067550" cy="1323439"/>
           </a:xfrm>
           <a:prstGeom prst="rect">
             <a:avLst/>
@@ -2568,7 +2582,17 @@
                 <a:latin typeface="UTM Avo" panose="02040603050506020204" pitchFamily="18" charset="0"/>
                 <a:ea typeface="Roboto" pitchFamily="2" charset="0"/>
               </a:rPr>
-              <a:t>Chương 1: Bắt đầu với Python</a:t>
+              <a:t>Chương </a:t>
+            </a:r>
+            <a:r>
+              <a:rPr lang="en-US" sz="4000" b="1" dirty="0" smtClean="0">
+                <a:solidFill>
+                  <a:schemeClr val="bg1"/>
+                </a:solidFill>
+                <a:latin typeface="UTM Avo" panose="02040603050506020204" pitchFamily="18" charset="0"/>
+                <a:ea typeface="Roboto" pitchFamily="2" charset="0"/>
+              </a:rPr>
+              <a:t>2 Làm Quen Với Môi Trường Tương Tác Python</a:t>
             </a:r>
             <a:endParaRPr lang="en-US" sz="4000" b="1" dirty="0">
               <a:solidFill>
@@ -2728,13 +2752,6 @@
               </a:rPr>
               <a:t>1.9. Biên soạn chương trình đơn giản sau trên trình soạn thảo PyCharm</a:t>
             </a:r>
-            <a:endParaRPr lang="vi-VN" sz="2400" b="1" dirty="0">
-              <a:solidFill>
-                <a:srgbClr val="64C7E9"/>
-              </a:solidFill>
-              <a:latin typeface="UTM Helve" panose="02040603050506020204" pitchFamily="18" charset="0"/>
-              <a:ea typeface="Roboto" pitchFamily="2" charset="0"/>
-            </a:endParaRPr>
           </a:p>
         </p:txBody>
       </p:sp>
@@ -2790,11 +2807,11 @@
   <p:clrMapOvr>
     <a:masterClrMapping/>
   </p:clrMapOvr>
-  <mc:AlternateContent xmlns:mc="http://schemas.openxmlformats.org/markup-compatibility/2006">
-    <mc:Choice xmlns:p14="http://schemas.microsoft.com/office/powerpoint/2010/main" Requires="p14">
+  <mc:AlternateContent xmlns:mc="http://schemas.openxmlformats.org/markup-compatibility/2006" xmlns:p14="http://schemas.microsoft.com/office/powerpoint/2010/main">
+    <mc:Choice Requires="p14">
       <p:transition spd="slow" p14:dur="2000"/>
     </mc:Choice>
-    <mc:Fallback>
+    <mc:Fallback xmlns="">
       <p:transition spd="slow"/>
     </mc:Fallback>
   </mc:AlternateContent>
@@ -2936,13 +2953,6 @@
               </a:rPr>
               <a:t>1.10. Theo bạn có thể copy các lệnh từ tệp *.py vào cửa sổ Python Shell được hay không?</a:t>
             </a:r>
-            <a:endParaRPr lang="vi-VN" sz="2400" b="1" dirty="0">
-              <a:solidFill>
-                <a:srgbClr val="64C7E9"/>
-              </a:solidFill>
-              <a:latin typeface="UTM Helve" panose="02040603050506020204" pitchFamily="18" charset="0"/>
-              <a:ea typeface="Roboto" pitchFamily="2" charset="0"/>
-            </a:endParaRPr>
           </a:p>
         </p:txBody>
       </p:sp>
@@ -2956,11 +2966,11 @@
   <p:clrMapOvr>
     <a:masterClrMapping/>
   </p:clrMapOvr>
-  <mc:AlternateContent xmlns:mc="http://schemas.openxmlformats.org/markup-compatibility/2006">
-    <mc:Choice xmlns:p14="http://schemas.microsoft.com/office/powerpoint/2010/main" Requires="p14">
+  <mc:AlternateContent xmlns:mc="http://schemas.openxmlformats.org/markup-compatibility/2006" xmlns:p14="http://schemas.microsoft.com/office/powerpoint/2010/main">
+    <mc:Choice Requires="p14">
       <p:transition spd="slow" p14:dur="2000"/>
     </mc:Choice>
-    <mc:Fallback>
+    <mc:Fallback xmlns="">
       <p:transition spd="slow"/>
     </mc:Fallback>
   </mc:AlternateContent>
@@ -3102,13 +3112,6 @@
               </a:rPr>
               <a:t>1.10. Theo bạn có thể copy các lệnh từ tệp *.py vào cửa sổ Python Shell được hay không?</a:t>
             </a:r>
-            <a:endParaRPr lang="vi-VN" sz="2400" b="1" dirty="0">
-              <a:solidFill>
-                <a:srgbClr val="64C7E9"/>
-              </a:solidFill>
-              <a:latin typeface="UTM Helve" panose="02040603050506020204" pitchFamily="18" charset="0"/>
-              <a:ea typeface="Roboto" pitchFamily="2" charset="0"/>
-            </a:endParaRPr>
           </a:p>
         </p:txBody>
       </p:sp>
@@ -3167,11 +3170,11 @@
   <p:clrMapOvr>
     <a:masterClrMapping/>
   </p:clrMapOvr>
-  <mc:AlternateContent xmlns:mc="http://schemas.openxmlformats.org/markup-compatibility/2006">
-    <mc:Choice xmlns:p14="http://schemas.microsoft.com/office/powerpoint/2010/main" Requires="p14">
+  <mc:AlternateContent xmlns:mc="http://schemas.openxmlformats.org/markup-compatibility/2006" xmlns:p14="http://schemas.microsoft.com/office/powerpoint/2010/main">
+    <mc:Choice Requires="p14">
       <p:transition spd="slow" p14:dur="2000"/>
     </mc:Choice>
-    <mc:Fallback>
+    <mc:Fallback xmlns="">
       <p:transition spd="slow"/>
     </mc:Fallback>
   </mc:AlternateContent>
@@ -3313,13 +3316,6 @@
               </a:rPr>
               <a:t>1.11. Trong các lệnh sau, lệnh nào l lệnh Python đúng?</a:t>
             </a:r>
-            <a:endParaRPr lang="vi-VN" sz="2400" b="1" dirty="0">
-              <a:solidFill>
-                <a:srgbClr val="64C7E9"/>
-              </a:solidFill>
-              <a:latin typeface="UTM Helve" panose="02040603050506020204" pitchFamily="18" charset="0"/>
-              <a:ea typeface="Roboto" pitchFamily="2" charset="0"/>
-            </a:endParaRPr>
           </a:p>
         </p:txBody>
       </p:sp>
@@ -3759,11 +3755,11 @@
   <p:clrMapOvr>
     <a:masterClrMapping/>
   </p:clrMapOvr>
-  <mc:AlternateContent xmlns:mc="http://schemas.openxmlformats.org/markup-compatibility/2006">
-    <mc:Choice xmlns:p14="http://schemas.microsoft.com/office/powerpoint/2010/main" Requires="p14">
+  <mc:AlternateContent xmlns:mc="http://schemas.openxmlformats.org/markup-compatibility/2006" xmlns:p14="http://schemas.microsoft.com/office/powerpoint/2010/main">
+    <mc:Choice Requires="p14">
       <p:transition spd="slow" p14:dur="2000"/>
     </mc:Choice>
-    <mc:Fallback>
+    <mc:Fallback xmlns="">
       <p:transition spd="slow"/>
     </mc:Fallback>
   </mc:AlternateContent>
@@ -3905,13 +3901,6 @@
               </a:rPr>
               <a:t>1.11. Trong các lệnh sau, lệnh nào l lệnh Python đúng?</a:t>
             </a:r>
-            <a:endParaRPr lang="vi-VN" sz="2400" b="1" dirty="0">
-              <a:solidFill>
-                <a:srgbClr val="64C7E9"/>
-              </a:solidFill>
-              <a:latin typeface="UTM Helve" panose="02040603050506020204" pitchFamily="18" charset="0"/>
-              <a:ea typeface="Roboto" pitchFamily="2" charset="0"/>
-            </a:endParaRPr>
           </a:p>
         </p:txBody>
       </p:sp>
@@ -4291,15 +4280,7 @@
                   <a:schemeClr val="accent5"/>
                 </a:solidFill>
               </a:rPr>
-              <a:t>: </a:t>
-            </a:r>
-            <a:r>
-              <a:rPr lang="en-US" i="1" dirty="0" smtClean="0">
-                <a:solidFill>
-                  <a:schemeClr val="accent5"/>
-                </a:solidFill>
-              </a:rPr>
-              <a:t>	</a:t>
+              <a:t>: 	</a:t>
             </a:r>
             <a:r>
               <a:rPr lang="fi-FI" dirty="0"/>
@@ -4424,11 +4405,11 @@
   <p:clrMapOvr>
     <a:masterClrMapping/>
   </p:clrMapOvr>
-  <mc:AlternateContent xmlns:mc="http://schemas.openxmlformats.org/markup-compatibility/2006">
-    <mc:Choice xmlns:p14="http://schemas.microsoft.com/office/powerpoint/2010/main" Requires="p14">
+  <mc:AlternateContent xmlns:mc="http://schemas.openxmlformats.org/markup-compatibility/2006" xmlns:p14="http://schemas.microsoft.com/office/powerpoint/2010/main">
+    <mc:Choice Requires="p14">
       <p:transition spd="slow" p14:dur="2000"/>
     </mc:Choice>
-    <mc:Fallback>
+    <mc:Fallback xmlns="">
       <p:transition spd="slow"/>
     </mc:Fallback>
   </mc:AlternateContent>
@@ -4570,13 +4551,6 @@
               </a:rPr>
               <a:t>1.12. Để viết chú thích cho lệnh trong Python người ta dùng ký tự nào dưới đây:</a:t>
             </a:r>
-            <a:endParaRPr lang="vi-VN" sz="2400" b="1" dirty="0">
-              <a:solidFill>
-                <a:srgbClr val="64C7E9"/>
-              </a:solidFill>
-              <a:latin typeface="UTM Helve" panose="02040603050506020204" pitchFamily="18" charset="0"/>
-              <a:ea typeface="Roboto" pitchFamily="2" charset="0"/>
-            </a:endParaRPr>
           </a:p>
         </p:txBody>
       </p:sp>
@@ -4938,11 +4912,11 @@
   <p:clrMapOvr>
     <a:masterClrMapping/>
   </p:clrMapOvr>
-  <mc:AlternateContent xmlns:mc="http://schemas.openxmlformats.org/markup-compatibility/2006">
-    <mc:Choice xmlns:p14="http://schemas.microsoft.com/office/powerpoint/2010/main" Requires="p14">
+  <mc:AlternateContent xmlns:mc="http://schemas.openxmlformats.org/markup-compatibility/2006" xmlns:p14="http://schemas.microsoft.com/office/powerpoint/2010/main">
+    <mc:Choice Requires="p14">
       <p:transition spd="slow" p14:dur="2000"/>
     </mc:Choice>
-    <mc:Fallback>
+    <mc:Fallback xmlns="">
       <p:transition spd="slow"/>
     </mc:Fallback>
   </mc:AlternateContent>
@@ -5084,13 +5058,6 @@
               </a:rPr>
               <a:t>1.12. Để viết chú thích cho lệnh trong Python người ta dùng ký tự nào dưới đây:</a:t>
             </a:r>
-            <a:endParaRPr lang="vi-VN" sz="2400" b="1" dirty="0">
-              <a:solidFill>
-                <a:srgbClr val="64C7E9"/>
-              </a:solidFill>
-              <a:latin typeface="UTM Helve" panose="02040603050506020204" pitchFamily="18" charset="0"/>
-              <a:ea typeface="Roboto" pitchFamily="2" charset="0"/>
-            </a:endParaRPr>
           </a:p>
         </p:txBody>
       </p:sp>
@@ -5478,15 +5445,7 @@
                   <a:schemeClr val="accent5"/>
                 </a:solidFill>
               </a:rPr>
-              <a:t>: </a:t>
-            </a:r>
-            <a:r>
-              <a:rPr lang="en-US" i="1" dirty="0" smtClean="0">
-                <a:solidFill>
-                  <a:schemeClr val="accent5"/>
-                </a:solidFill>
-              </a:rPr>
-              <a:t>	</a:t>
+              <a:t>: 	</a:t>
             </a:r>
             <a:r>
               <a:rPr lang="fi-FI" dirty="0" smtClean="0"/>
@@ -5506,11 +5465,11 @@
   <p:clrMapOvr>
     <a:masterClrMapping/>
   </p:clrMapOvr>
-  <mc:AlternateContent xmlns:mc="http://schemas.openxmlformats.org/markup-compatibility/2006">
-    <mc:Choice xmlns:p14="http://schemas.microsoft.com/office/powerpoint/2010/main" Requires="p14">
+  <mc:AlternateContent xmlns:mc="http://schemas.openxmlformats.org/markup-compatibility/2006" xmlns:p14="http://schemas.microsoft.com/office/powerpoint/2010/main">
+    <mc:Choice Requires="p14">
       <p:transition spd="slow" p14:dur="2000"/>
     </mc:Choice>
-    <mc:Fallback>
+    <mc:Fallback xmlns="">
       <p:transition spd="slow"/>
     </mc:Fallback>
   </mc:AlternateContent>
@@ -5652,13 +5611,6 @@
               </a:rPr>
               <a:t>1.13. Có thể lập trình trực tiếp trong môi trường tương tác Python Shell được không?</a:t>
             </a:r>
-            <a:endParaRPr lang="vi-VN" sz="2400" b="1" dirty="0">
-              <a:solidFill>
-                <a:srgbClr val="64C7E9"/>
-              </a:solidFill>
-              <a:latin typeface="UTM Helve" panose="02040603050506020204" pitchFamily="18" charset="0"/>
-              <a:ea typeface="Roboto" pitchFamily="2" charset="0"/>
-            </a:endParaRPr>
           </a:p>
         </p:txBody>
       </p:sp>
@@ -5672,11 +5624,11 @@
   <p:clrMapOvr>
     <a:masterClrMapping/>
   </p:clrMapOvr>
-  <mc:AlternateContent xmlns:mc="http://schemas.openxmlformats.org/markup-compatibility/2006">
-    <mc:Choice xmlns:p14="http://schemas.microsoft.com/office/powerpoint/2010/main" Requires="p14">
+  <mc:AlternateContent xmlns:mc="http://schemas.openxmlformats.org/markup-compatibility/2006" xmlns:p14="http://schemas.microsoft.com/office/powerpoint/2010/main">
+    <mc:Choice Requires="p14">
       <p:transition spd="slow" p14:dur="2000"/>
     </mc:Choice>
-    <mc:Fallback>
+    <mc:Fallback xmlns="">
       <p:transition spd="slow"/>
     </mc:Fallback>
   </mc:AlternateContent>
@@ -5818,13 +5770,6 @@
               </a:rPr>
               <a:t>1.13. Có thể lập trình trực tiếp trong môi trường tương tác Python Shell được không?</a:t>
             </a:r>
-            <a:endParaRPr lang="vi-VN" sz="2400" b="1" dirty="0">
-              <a:solidFill>
-                <a:srgbClr val="64C7E9"/>
-              </a:solidFill>
-              <a:latin typeface="UTM Helve" panose="02040603050506020204" pitchFamily="18" charset="0"/>
-              <a:ea typeface="Roboto" pitchFamily="2" charset="0"/>
-            </a:endParaRPr>
           </a:p>
         </p:txBody>
       </p:sp>
@@ -5864,15 +5809,7 @@
                   <a:schemeClr val="accent5"/>
                 </a:solidFill>
               </a:rPr>
-              <a:t>: </a:t>
-            </a:r>
-            <a:r>
-              <a:rPr lang="en-US" i="1" dirty="0" smtClean="0">
-                <a:solidFill>
-                  <a:schemeClr val="accent5"/>
-                </a:solidFill>
-              </a:rPr>
-              <a:t>	</a:t>
+              <a:t>: 	</a:t>
             </a:r>
             <a:r>
               <a:rPr lang="vi-VN" dirty="0"/>
@@ -5891,11 +5828,11 @@
   <p:clrMapOvr>
     <a:masterClrMapping/>
   </p:clrMapOvr>
-  <mc:AlternateContent xmlns:mc="http://schemas.openxmlformats.org/markup-compatibility/2006">
-    <mc:Choice xmlns:p14="http://schemas.microsoft.com/office/powerpoint/2010/main" Requires="p14">
+  <mc:AlternateContent xmlns:mc="http://schemas.openxmlformats.org/markup-compatibility/2006" xmlns:p14="http://schemas.microsoft.com/office/powerpoint/2010/main">
+    <mc:Choice Requires="p14">
       <p:transition spd="slow" p14:dur="2000"/>
     </mc:Choice>
-    <mc:Fallback>
+    <mc:Fallback xmlns="">
       <p:transition spd="slow"/>
     </mc:Fallback>
   </mc:AlternateContent>
@@ -6037,13 +5974,6 @@
               </a:rPr>
               <a:t>1.14. Nếu copy nội dung một tệp chương trình *.py vào cửa sổ Python Shell thì có chạy được không?</a:t>
             </a:r>
-            <a:endParaRPr lang="vi-VN" sz="2400" b="1" dirty="0">
-              <a:solidFill>
-                <a:srgbClr val="64C7E9"/>
-              </a:solidFill>
-              <a:latin typeface="UTM Helve" panose="02040603050506020204" pitchFamily="18" charset="0"/>
-              <a:ea typeface="Roboto" pitchFamily="2" charset="0"/>
-            </a:endParaRPr>
           </a:p>
         </p:txBody>
       </p:sp>
@@ -6057,11 +5987,11 @@
   <p:clrMapOvr>
     <a:masterClrMapping/>
   </p:clrMapOvr>
-  <mc:AlternateContent xmlns:mc="http://schemas.openxmlformats.org/markup-compatibility/2006">
-    <mc:Choice xmlns:p14="http://schemas.microsoft.com/office/powerpoint/2010/main" Requires="p14">
+  <mc:AlternateContent xmlns:mc="http://schemas.openxmlformats.org/markup-compatibility/2006" xmlns:p14="http://schemas.microsoft.com/office/powerpoint/2010/main">
+    <mc:Choice Requires="p14">
       <p:transition spd="slow" p14:dur="2000"/>
     </mc:Choice>
-    <mc:Fallback>
+    <mc:Fallback xmlns="">
       <p:transition spd="slow"/>
     </mc:Fallback>
   </mc:AlternateContent>
@@ -6708,13 +6638,6 @@
               </a:rPr>
               <a:t>1.14. Nếu copy nội dung một tệp chương trình *.py vào cửa sổ Python Shell thì có chạy được không?</a:t>
             </a:r>
-            <a:endParaRPr lang="vi-VN" sz="2400" b="1" dirty="0">
-              <a:solidFill>
-                <a:srgbClr val="64C7E9"/>
-              </a:solidFill>
-              <a:latin typeface="UTM Helve" panose="02040603050506020204" pitchFamily="18" charset="0"/>
-              <a:ea typeface="Roboto" pitchFamily="2" charset="0"/>
-            </a:endParaRPr>
           </a:p>
         </p:txBody>
       </p:sp>
@@ -6754,15 +6677,7 @@
                   <a:schemeClr val="accent5"/>
                 </a:solidFill>
               </a:rPr>
-              <a:t>: </a:t>
-            </a:r>
-            <a:r>
-              <a:rPr lang="en-US" i="1" dirty="0" smtClean="0">
-                <a:solidFill>
-                  <a:schemeClr val="accent5"/>
-                </a:solidFill>
-              </a:rPr>
-              <a:t>	</a:t>
+              <a:t>: 	</a:t>
             </a:r>
             <a:r>
               <a:rPr lang="vi-VN" dirty="0"/>
@@ -6781,11 +6696,11 @@
   <p:clrMapOvr>
     <a:masterClrMapping/>
   </p:clrMapOvr>
-  <mc:AlternateContent xmlns:mc="http://schemas.openxmlformats.org/markup-compatibility/2006">
-    <mc:Choice xmlns:p14="http://schemas.microsoft.com/office/powerpoint/2010/main" Requires="p14">
+  <mc:AlternateContent xmlns:mc="http://schemas.openxmlformats.org/markup-compatibility/2006" xmlns:p14="http://schemas.microsoft.com/office/powerpoint/2010/main">
+    <mc:Choice Requires="p14">
       <p:transition spd="slow" p14:dur="2000"/>
     </mc:Choice>
-    <mc:Fallback>
+    <mc:Fallback xmlns="">
       <p:transition spd="slow"/>
     </mc:Fallback>
   </mc:AlternateContent>
@@ -6927,13 +6842,6 @@
               </a:rPr>
               <a:t>1.15. Có thể gõ dấu cách phía trước một lệnh Python được không?</a:t>
             </a:r>
-            <a:endParaRPr lang="vi-VN" sz="2400" b="1" dirty="0">
-              <a:solidFill>
-                <a:srgbClr val="64C7E9"/>
-              </a:solidFill>
-              <a:latin typeface="UTM Helve" panose="02040603050506020204" pitchFamily="18" charset="0"/>
-              <a:ea typeface="Roboto" pitchFamily="2" charset="0"/>
-            </a:endParaRPr>
           </a:p>
         </p:txBody>
       </p:sp>
@@ -6947,11 +6855,11 @@
   <p:clrMapOvr>
     <a:masterClrMapping/>
   </p:clrMapOvr>
-  <mc:AlternateContent xmlns:mc="http://schemas.openxmlformats.org/markup-compatibility/2006">
-    <mc:Choice xmlns:p14="http://schemas.microsoft.com/office/powerpoint/2010/main" Requires="p14">
+  <mc:AlternateContent xmlns:mc="http://schemas.openxmlformats.org/markup-compatibility/2006" xmlns:p14="http://schemas.microsoft.com/office/powerpoint/2010/main">
+    <mc:Choice Requires="p14">
       <p:transition spd="slow" p14:dur="2000"/>
     </mc:Choice>
-    <mc:Fallback>
+    <mc:Fallback xmlns="">
       <p:transition spd="slow"/>
     </mc:Fallback>
   </mc:AlternateContent>
@@ -7093,13 +7001,6 @@
               </a:rPr>
               <a:t>1.15. Có thể gõ dấu cách phía trước một lệnh Python được không?</a:t>
             </a:r>
-            <a:endParaRPr lang="vi-VN" sz="2400" b="1" dirty="0">
-              <a:solidFill>
-                <a:srgbClr val="64C7E9"/>
-              </a:solidFill>
-              <a:latin typeface="UTM Helve" panose="02040603050506020204" pitchFamily="18" charset="0"/>
-              <a:ea typeface="Roboto" pitchFamily="2" charset="0"/>
-            </a:endParaRPr>
           </a:p>
         </p:txBody>
       </p:sp>
@@ -7139,15 +7040,7 @@
                   <a:schemeClr val="accent5"/>
                 </a:solidFill>
               </a:rPr>
-              <a:t>: </a:t>
-            </a:r>
-            <a:r>
-              <a:rPr lang="en-US" i="1" dirty="0" smtClean="0">
-                <a:solidFill>
-                  <a:schemeClr val="accent5"/>
-                </a:solidFill>
-              </a:rPr>
-              <a:t>	</a:t>
+              <a:t>: 	</a:t>
             </a:r>
             <a:r>
               <a:rPr lang="vi-VN" dirty="0"/>
@@ -7170,11 +7063,11 @@
   <p:clrMapOvr>
     <a:masterClrMapping/>
   </p:clrMapOvr>
-  <mc:AlternateContent xmlns:mc="http://schemas.openxmlformats.org/markup-compatibility/2006">
-    <mc:Choice xmlns:p14="http://schemas.microsoft.com/office/powerpoint/2010/main" Requires="p14">
+  <mc:AlternateContent xmlns:mc="http://schemas.openxmlformats.org/markup-compatibility/2006" xmlns:p14="http://schemas.microsoft.com/office/powerpoint/2010/main">
+    <mc:Choice Requires="p14">
       <p:transition spd="slow" p14:dur="2000"/>
     </mc:Choice>
-    <mc:Fallback>
+    <mc:Fallback xmlns="">
       <p:transition spd="slow"/>
     </mc:Fallback>
   </mc:AlternateContent>
@@ -7372,15 +7265,6 @@
               </a:rPr>
               <a:t>Nhìn cây nhớ núi, nhìn sồn nhớ nguồn.</a:t>
             </a:r>
-            <a:endParaRPr lang="vi-VN" sz="2400" b="1" dirty="0">
-              <a:solidFill>
-                <a:schemeClr val="accent1">
-                  <a:lumMod val="75000"/>
-                </a:schemeClr>
-              </a:solidFill>
-              <a:latin typeface="UTM Helve" panose="02040603050506020204" pitchFamily="18" charset="0"/>
-              <a:ea typeface="Roboto" pitchFamily="2" charset="0"/>
-            </a:endParaRPr>
           </a:p>
         </p:txBody>
       </p:sp>
@@ -7394,11 +7278,11 @@
   <p:clrMapOvr>
     <a:masterClrMapping/>
   </p:clrMapOvr>
-  <mc:AlternateContent xmlns:mc="http://schemas.openxmlformats.org/markup-compatibility/2006">
-    <mc:Choice xmlns:p14="http://schemas.microsoft.com/office/powerpoint/2010/main" Requires="p14">
+  <mc:AlternateContent xmlns:mc="http://schemas.openxmlformats.org/markup-compatibility/2006" xmlns:p14="http://schemas.microsoft.com/office/powerpoint/2010/main">
+    <mc:Choice Requires="p14">
       <p:transition spd="slow" p14:dur="2000"/>
     </mc:Choice>
-    <mc:Fallback>
+    <mc:Fallback xmlns="">
       <p:transition spd="slow"/>
     </mc:Fallback>
   </mc:AlternateContent>
@@ -7596,15 +7480,6 @@
               </a:rPr>
               <a:t>Nhìn cây nhớ núi, nhìn sồn nhớ nguồn.</a:t>
             </a:r>
-            <a:endParaRPr lang="vi-VN" sz="2400" b="1" dirty="0">
-              <a:solidFill>
-                <a:schemeClr val="accent1">
-                  <a:lumMod val="75000"/>
-                </a:schemeClr>
-              </a:solidFill>
-              <a:latin typeface="UTM Helve" panose="02040603050506020204" pitchFamily="18" charset="0"/>
-              <a:ea typeface="Roboto" pitchFamily="2" charset="0"/>
-            </a:endParaRPr>
           </a:p>
         </p:txBody>
       </p:sp>
@@ -7648,11 +7523,11 @@
   <p:clrMapOvr>
     <a:masterClrMapping/>
   </p:clrMapOvr>
-  <mc:AlternateContent xmlns:mc="http://schemas.openxmlformats.org/markup-compatibility/2006">
-    <mc:Choice xmlns:p14="http://schemas.microsoft.com/office/powerpoint/2010/main" Requires="p14">
+  <mc:AlternateContent xmlns:mc="http://schemas.openxmlformats.org/markup-compatibility/2006" xmlns:p14="http://schemas.microsoft.com/office/powerpoint/2010/main">
+    <mc:Choice Requires="p14">
       <p:transition spd="slow" p14:dur="2000"/>
     </mc:Choice>
-    <mc:Fallback>
+    <mc:Fallback xmlns="">
       <p:transition spd="slow"/>
     </mc:Fallback>
   </mc:AlternateContent>
@@ -7856,11 +7731,11 @@
   <p:clrMapOvr>
     <a:masterClrMapping/>
   </p:clrMapOvr>
-  <mc:AlternateContent xmlns:mc="http://schemas.openxmlformats.org/markup-compatibility/2006">
-    <mc:Choice xmlns:p14="http://schemas.microsoft.com/office/powerpoint/2010/main" Requires="p14">
+  <mc:AlternateContent xmlns:mc="http://schemas.openxmlformats.org/markup-compatibility/2006" xmlns:p14="http://schemas.microsoft.com/office/powerpoint/2010/main">
+    <mc:Choice Requires="p14">
       <p:transition spd="slow" p14:dur="2000"/>
     </mc:Choice>
-    <mc:Fallback>
+    <mc:Fallback xmlns="">
       <p:transition spd="slow"/>
     </mc:Fallback>
   </mc:AlternateContent>
@@ -8124,11 +7999,11 @@
   <p:clrMapOvr>
     <a:masterClrMapping/>
   </p:clrMapOvr>
-  <mc:AlternateContent xmlns:mc="http://schemas.openxmlformats.org/markup-compatibility/2006">
-    <mc:Choice xmlns:p14="http://schemas.microsoft.com/office/powerpoint/2010/main" Requires="p14">
+  <mc:AlternateContent xmlns:mc="http://schemas.openxmlformats.org/markup-compatibility/2006" xmlns:p14="http://schemas.microsoft.com/office/powerpoint/2010/main">
+    <mc:Choice Requires="p14">
       <p:transition spd="slow" p14:dur="2000"/>
     </mc:Choice>
-    <mc:Fallback>
+    <mc:Fallback xmlns="">
       <p:transition spd="slow"/>
     </mc:Fallback>
   </mc:AlternateContent>
@@ -8371,11 +8246,11 @@
   <p:clrMapOvr>
     <a:masterClrMapping/>
   </p:clrMapOvr>
-  <mc:AlternateContent xmlns:mc="http://schemas.openxmlformats.org/markup-compatibility/2006">
-    <mc:Choice xmlns:p14="http://schemas.microsoft.com/office/powerpoint/2010/main" Requires="p14">
+  <mc:AlternateContent xmlns:mc="http://schemas.openxmlformats.org/markup-compatibility/2006" xmlns:p14="http://schemas.microsoft.com/office/powerpoint/2010/main">
+    <mc:Choice Requires="p14">
       <p:transition spd="slow" p14:dur="2000"/>
     </mc:Choice>
-    <mc:Fallback>
+    <mc:Fallback xmlns="">
       <p:transition spd="slow"/>
     </mc:Fallback>
   </mc:AlternateContent>
@@ -8678,11 +8553,11 @@
   <p:clrMapOvr>
     <a:masterClrMapping/>
   </p:clrMapOvr>
-  <mc:AlternateContent xmlns:mc="http://schemas.openxmlformats.org/markup-compatibility/2006">
-    <mc:Choice xmlns:p14="http://schemas.microsoft.com/office/powerpoint/2010/main" Requires="p14">
+  <mc:AlternateContent xmlns:mc="http://schemas.openxmlformats.org/markup-compatibility/2006" xmlns:p14="http://schemas.microsoft.com/office/powerpoint/2010/main">
+    <mc:Choice Requires="p14">
       <p:transition spd="slow" p14:dur="2000"/>
     </mc:Choice>
-    <mc:Fallback>
+    <mc:Fallback xmlns="">
       <p:transition spd="slow"/>
     </mc:Fallback>
   </mc:AlternateContent>
@@ -8846,11 +8721,11 @@
   <p:clrMapOvr>
     <a:masterClrMapping/>
   </p:clrMapOvr>
-  <mc:AlternateContent xmlns:mc="http://schemas.openxmlformats.org/markup-compatibility/2006">
-    <mc:Choice xmlns:p14="http://schemas.microsoft.com/office/powerpoint/2010/main" Requires="p14">
+  <mc:AlternateContent xmlns:mc="http://schemas.openxmlformats.org/markup-compatibility/2006" xmlns:p14="http://schemas.microsoft.com/office/powerpoint/2010/main">
+    <mc:Choice Requires="p14">
       <p:transition spd="slow" p14:dur="2000"/>
     </mc:Choice>
-    <mc:Fallback>
+    <mc:Fallback xmlns="">
       <p:transition spd="slow"/>
     </mc:Fallback>
   </mc:AlternateContent>
@@ -9465,11 +9340,11 @@
   <p:clrMapOvr>
     <a:masterClrMapping/>
   </p:clrMapOvr>
-  <mc:AlternateContent xmlns:mc="http://schemas.openxmlformats.org/markup-compatibility/2006">
-    <mc:Choice xmlns:p14="http://schemas.microsoft.com/office/powerpoint/2010/main" Requires="p14">
+  <mc:AlternateContent xmlns:mc="http://schemas.openxmlformats.org/markup-compatibility/2006" xmlns:p14="http://schemas.microsoft.com/office/powerpoint/2010/main">
+    <mc:Choice Requires="p14">
       <p:transition spd="slow" p14:dur="2000"/>
     </mc:Choice>
-    <mc:Fallback>
+    <mc:Fallback xmlns="">
       <p:transition spd="slow"/>
     </mc:Fallback>
   </mc:AlternateContent>
@@ -9693,11 +9568,11 @@
   <p:clrMapOvr>
     <a:masterClrMapping/>
   </p:clrMapOvr>
-  <mc:AlternateContent xmlns:mc="http://schemas.openxmlformats.org/markup-compatibility/2006">
-    <mc:Choice xmlns:p14="http://schemas.microsoft.com/office/powerpoint/2010/main" Requires="p14">
+  <mc:AlternateContent xmlns:mc="http://schemas.openxmlformats.org/markup-compatibility/2006" xmlns:p14="http://schemas.microsoft.com/office/powerpoint/2010/main">
+    <mc:Choice Requires="p14">
       <p:transition spd="slow" p14:dur="2000"/>
     </mc:Choice>
-    <mc:Fallback>
+    <mc:Fallback xmlns="">
       <p:transition spd="slow"/>
     </mc:Fallback>
   </mc:AlternateContent>
@@ -9839,13 +9714,6 @@
               </a:rPr>
               <a:t>1.20. Các lệnh đã nhập trong Python Shell có thể sao chép sang cửa sổ soạn thảo lập trình được không?</a:t>
             </a:r>
-            <a:endParaRPr lang="vi-VN" sz="2400" b="1" dirty="0">
-              <a:solidFill>
-                <a:srgbClr val="64C7E9"/>
-              </a:solidFill>
-              <a:latin typeface="UTM Helve" panose="02040603050506020204" pitchFamily="18" charset="0"/>
-              <a:ea typeface="Roboto" pitchFamily="2" charset="0"/>
-            </a:endParaRPr>
           </a:p>
         </p:txBody>
       </p:sp>
@@ -9859,11 +9727,11 @@
   <p:clrMapOvr>
     <a:masterClrMapping/>
   </p:clrMapOvr>
-  <mc:AlternateContent xmlns:mc="http://schemas.openxmlformats.org/markup-compatibility/2006">
-    <mc:Choice xmlns:p14="http://schemas.microsoft.com/office/powerpoint/2010/main" Requires="p14">
+  <mc:AlternateContent xmlns:mc="http://schemas.openxmlformats.org/markup-compatibility/2006" xmlns:p14="http://schemas.microsoft.com/office/powerpoint/2010/main">
+    <mc:Choice Requires="p14">
       <p:transition spd="slow" p14:dur="2000"/>
     </mc:Choice>
-    <mc:Fallback>
+    <mc:Fallback xmlns="">
       <p:transition spd="slow"/>
     </mc:Fallback>
   </mc:AlternateContent>
@@ -10005,13 +9873,6 @@
               </a:rPr>
               <a:t>1.20. Các lệnh đã nhập trong Python Shell có thể sao chép sang cửa sổ soạn thảo lập trình được không?</a:t>
             </a:r>
-            <a:endParaRPr lang="vi-VN" sz="2400" b="1" dirty="0">
-              <a:solidFill>
-                <a:srgbClr val="64C7E9"/>
-              </a:solidFill>
-              <a:latin typeface="UTM Helve" panose="02040603050506020204" pitchFamily="18" charset="0"/>
-              <a:ea typeface="Roboto" pitchFamily="2" charset="0"/>
-            </a:endParaRPr>
           </a:p>
         </p:txBody>
       </p:sp>
@@ -10051,15 +9912,7 @@
                   <a:schemeClr val="accent5"/>
                 </a:solidFill>
               </a:rPr>
-              <a:t>: </a:t>
-            </a:r>
-            <a:r>
-              <a:rPr lang="en-US" i="1" dirty="0" smtClean="0">
-                <a:solidFill>
-                  <a:schemeClr val="accent5"/>
-                </a:solidFill>
-              </a:rPr>
-              <a:t>	</a:t>
+              <a:t>: 	</a:t>
             </a:r>
             <a:r>
               <a:rPr lang="vi-VN" dirty="0"/>
@@ -10078,11 +9931,2718 @@
   <p:clrMapOvr>
     <a:masterClrMapping/>
   </p:clrMapOvr>
-  <mc:AlternateContent xmlns:mc="http://schemas.openxmlformats.org/markup-compatibility/2006">
-    <mc:Choice xmlns:p14="http://schemas.microsoft.com/office/powerpoint/2010/main" Requires="p14">
+  <mc:AlternateContent xmlns:mc="http://schemas.openxmlformats.org/markup-compatibility/2006" xmlns:p14="http://schemas.microsoft.com/office/powerpoint/2010/main">
+    <mc:Choice Requires="p14">
       <p:transition spd="slow" p14:dur="2000"/>
     </mc:Choice>
-    <mc:Fallback>
+    <mc:Fallback xmlns="">
+      <p:transition spd="slow"/>
+    </mc:Fallback>
+  </mc:AlternateContent>
+  <p:timing>
+    <p:tnLst>
+      <p:par>
+        <p:cTn id="1" dur="indefinite" restart="never" nodeType="tmRoot"/>
+      </p:par>
+    </p:tnLst>
+  </p:timing>
+</p:sld>
+</file>
+
+<file path=ppt/slides/slide33.xml><?xml version="1.0" encoding="utf-8"?>
+<p:sld xmlns:a="http://schemas.openxmlformats.org/drawingml/2006/main" xmlns:r="http://schemas.openxmlformats.org/officeDocument/2006/relationships" xmlns:p="http://schemas.openxmlformats.org/presentationml/2006/main">
+  <p:cSld>
+    <p:spTree>
+      <p:nvGrpSpPr>
+        <p:cNvPr id="1" name=""/>
+        <p:cNvGrpSpPr/>
+        <p:nvPr/>
+      </p:nvGrpSpPr>
+      <p:grpSpPr>
+        <a:xfrm>
+          <a:off x="0" y="0"/>
+          <a:ext cx="0" cy="0"/>
+          <a:chOff x="0" y="0"/>
+          <a:chExt cx="0" cy="0"/>
+        </a:xfrm>
+      </p:grpSpPr>
+      <p:sp>
+        <p:nvSpPr>
+          <p:cNvPr id="2" name="Slide Number Placeholder 1"/>
+          <p:cNvSpPr>
+            <a:spLocks noGrp="1"/>
+          </p:cNvSpPr>
+          <p:nvPr>
+            <p:ph type="sldNum" sz="quarter" idx="12"/>
+          </p:nvPr>
+        </p:nvSpPr>
+        <p:spPr/>
+        <p:txBody>
+          <a:bodyPr/>
+          <a:lstStyle/>
+          <a:p>
+            <a:fld id="{7D9EC917-02A2-4152-9EE3-DFE2775A77C7}" type="slidenum">
+              <a:rPr lang="en-US" smtClean="0"/>
+              <a:pPr/>
+              <a:t>33</a:t>
+            </a:fld>
+            <a:endParaRPr lang="en-US" dirty="0"/>
+          </a:p>
+        </p:txBody>
+      </p:sp>
+      <p:sp>
+        <p:nvSpPr>
+          <p:cNvPr id="3" name="Rectangle 2"/>
+          <p:cNvSpPr/>
+          <p:nvPr/>
+        </p:nvSpPr>
+        <p:spPr>
+          <a:xfrm>
+            <a:off x="301924" y="1932878"/>
+            <a:ext cx="8567755" cy="45719"/>
+          </a:xfrm>
+          <a:prstGeom prst="rect">
+            <a:avLst/>
+          </a:prstGeom>
+          <a:gradFill flip="none" rotWithShape="1">
+            <a:gsLst>
+              <a:gs pos="15000">
+                <a:srgbClr val="67C7DF"/>
+              </a:gs>
+              <a:gs pos="100000">
+                <a:srgbClr val="5EB130"/>
+              </a:gs>
+            </a:gsLst>
+            <a:lin ang="0" scaled="1"/>
+            <a:tileRect/>
+          </a:gradFill>
+          <a:ln>
+            <a:noFill/>
+          </a:ln>
+        </p:spPr>
+        <p:style>
+          <a:lnRef idx="2">
+            <a:schemeClr val="accent1">
+              <a:shade val="50000"/>
+            </a:schemeClr>
+          </a:lnRef>
+          <a:fillRef idx="1">
+            <a:schemeClr val="accent1"/>
+          </a:fillRef>
+          <a:effectRef idx="0">
+            <a:schemeClr val="accent1"/>
+          </a:effectRef>
+          <a:fontRef idx="minor">
+            <a:schemeClr val="lt1"/>
+          </a:fontRef>
+        </p:style>
+        <p:txBody>
+          <a:bodyPr rtlCol="0" anchor="ctr"/>
+          <a:lstStyle/>
+          <a:p>
+            <a:pPr algn="ctr"/>
+            <a:endParaRPr lang="en-US" dirty="0"/>
+          </a:p>
+        </p:txBody>
+      </p:sp>
+      <p:sp>
+        <p:nvSpPr>
+          <p:cNvPr id="4" name="TextBox 3"/>
+          <p:cNvSpPr txBox="1"/>
+          <p:nvPr/>
+        </p:nvSpPr>
+        <p:spPr>
+          <a:xfrm>
+            <a:off x="301925" y="631628"/>
+            <a:ext cx="8767947" cy="1200329"/>
+          </a:xfrm>
+          <a:prstGeom prst="rect">
+            <a:avLst/>
+          </a:prstGeom>
+          <a:noFill/>
+        </p:spPr>
+        <p:txBody>
+          <a:bodyPr wrap="square" rtlCol="0">
+            <a:spAutoFit/>
+          </a:bodyPr>
+          <a:lstStyle/>
+          <a:p>
+            <a:r>
+              <a:rPr lang="vi-VN" sz="2400" b="1" dirty="0">
+                <a:solidFill>
+                  <a:srgbClr val="64C7E9"/>
+                </a:solidFill>
+                <a:latin typeface="UTM Helve" panose="02040603050506020204" pitchFamily="18" charset="0"/>
+                <a:ea typeface="Roboto" pitchFamily="2" charset="0"/>
+              </a:rPr>
+              <a:t>2.1. Em hãy giải thích vì sao một biến nhớ trong </a:t>
+            </a:r>
+            <a:r>
+              <a:rPr lang="vi-VN" sz="2400" b="1" dirty="0" smtClean="0">
+                <a:solidFill>
+                  <a:srgbClr val="64C7E9"/>
+                </a:solidFill>
+                <a:latin typeface="UTM Helve" panose="02040603050506020204" pitchFamily="18" charset="0"/>
+                <a:ea typeface="Roboto" pitchFamily="2" charset="0"/>
+              </a:rPr>
+              <a:t>Python</a:t>
+            </a:r>
+            <a:r>
+              <a:rPr lang="en-US" sz="2400" b="1" dirty="0" smtClean="0">
+                <a:solidFill>
+                  <a:srgbClr val="64C7E9"/>
+                </a:solidFill>
+                <a:latin typeface="UTM Helve" panose="02040603050506020204" pitchFamily="18" charset="0"/>
+                <a:ea typeface="Roboto" pitchFamily="2" charset="0"/>
+              </a:rPr>
+              <a:t> </a:t>
+            </a:r>
+            <a:r>
+              <a:rPr lang="vi-VN" sz="2400" b="1" dirty="0" smtClean="0">
+                <a:solidFill>
+                  <a:srgbClr val="64C7E9"/>
+                </a:solidFill>
+                <a:latin typeface="UTM Helve" panose="02040603050506020204" pitchFamily="18" charset="0"/>
+                <a:ea typeface="Roboto" pitchFamily="2" charset="0"/>
+              </a:rPr>
+              <a:t>tại </a:t>
+            </a:r>
+            <a:r>
+              <a:rPr lang="vi-VN" sz="2400" b="1" dirty="0">
+                <a:solidFill>
+                  <a:srgbClr val="64C7E9"/>
+                </a:solidFill>
+                <a:latin typeface="UTM Helve" panose="02040603050506020204" pitchFamily="18" charset="0"/>
+                <a:ea typeface="Roboto" pitchFamily="2" charset="0"/>
+              </a:rPr>
+              <a:t>các thời điểm khác </a:t>
+            </a:r>
+            <a:r>
+              <a:rPr lang="vi-VN" sz="2400" b="1" dirty="0" smtClean="0">
+                <a:solidFill>
+                  <a:srgbClr val="64C7E9"/>
+                </a:solidFill>
+                <a:latin typeface="UTM Helve" panose="02040603050506020204" pitchFamily="18" charset="0"/>
+                <a:ea typeface="Roboto" pitchFamily="2" charset="0"/>
+              </a:rPr>
+              <a:t>nhau</a:t>
+            </a:r>
+            <a:r>
+              <a:rPr lang="en-US" sz="2400" b="1" dirty="0" smtClean="0">
+                <a:solidFill>
+                  <a:srgbClr val="64C7E9"/>
+                </a:solidFill>
+                <a:latin typeface="UTM Helve" panose="02040603050506020204" pitchFamily="18" charset="0"/>
+                <a:ea typeface="Roboto" pitchFamily="2" charset="0"/>
+              </a:rPr>
+              <a:t> </a:t>
+            </a:r>
+            <a:r>
+              <a:rPr lang="vi-VN" sz="2400" b="1" dirty="0">
+                <a:solidFill>
+                  <a:srgbClr val="64C7E9"/>
+                </a:solidFill>
+                <a:latin typeface="UTM Helve" panose="02040603050506020204" pitchFamily="18" charset="0"/>
+                <a:ea typeface="Roboto" pitchFamily="2" charset="0"/>
+              </a:rPr>
+              <a:t>có thể gán các giá trị dữ liệu có kiểu khác nhau.</a:t>
+            </a:r>
+          </a:p>
+          <a:p>
+            <a:endParaRPr lang="vi-VN" sz="2400" b="1" dirty="0">
+              <a:solidFill>
+                <a:srgbClr val="64C7E9"/>
+              </a:solidFill>
+              <a:latin typeface="UTM Helve" panose="02040603050506020204" pitchFamily="18" charset="0"/>
+              <a:ea typeface="Roboto" pitchFamily="2" charset="0"/>
+            </a:endParaRPr>
+          </a:p>
+        </p:txBody>
+      </p:sp>
+    </p:spTree>
+    <p:extLst>
+      <p:ext uri="{BB962C8B-B14F-4D97-AF65-F5344CB8AC3E}">
+        <p14:creationId xmlns:p14="http://schemas.microsoft.com/office/powerpoint/2010/main" val="87521655"/>
+      </p:ext>
+    </p:extLst>
+  </p:cSld>
+  <p:clrMapOvr>
+    <a:masterClrMapping/>
+  </p:clrMapOvr>
+  <mc:AlternateContent xmlns:mc="http://schemas.openxmlformats.org/markup-compatibility/2006" xmlns:p14="http://schemas.microsoft.com/office/powerpoint/2010/main">
+    <mc:Choice Requires="p14">
+      <p:transition spd="slow" p14:dur="2000"/>
+    </mc:Choice>
+    <mc:Fallback xmlns="">
+      <p:transition spd="slow"/>
+    </mc:Fallback>
+  </mc:AlternateContent>
+  <p:timing>
+    <p:tnLst>
+      <p:par>
+        <p:cTn id="1" dur="indefinite" restart="never" nodeType="tmRoot"/>
+      </p:par>
+    </p:tnLst>
+  </p:timing>
+</p:sld>
+</file>
+
+<file path=ppt/slides/slide34.xml><?xml version="1.0" encoding="utf-8"?>
+<p:sld xmlns:a="http://schemas.openxmlformats.org/drawingml/2006/main" xmlns:r="http://schemas.openxmlformats.org/officeDocument/2006/relationships" xmlns:p="http://schemas.openxmlformats.org/presentationml/2006/main">
+  <p:cSld>
+    <p:spTree>
+      <p:nvGrpSpPr>
+        <p:cNvPr id="1" name=""/>
+        <p:cNvGrpSpPr/>
+        <p:nvPr/>
+      </p:nvGrpSpPr>
+      <p:grpSpPr>
+        <a:xfrm>
+          <a:off x="0" y="0"/>
+          <a:ext cx="0" cy="0"/>
+          <a:chOff x="0" y="0"/>
+          <a:chExt cx="0" cy="0"/>
+        </a:xfrm>
+      </p:grpSpPr>
+      <p:sp>
+        <p:nvSpPr>
+          <p:cNvPr id="2" name="Slide Number Placeholder 1"/>
+          <p:cNvSpPr>
+            <a:spLocks noGrp="1"/>
+          </p:cNvSpPr>
+          <p:nvPr>
+            <p:ph type="sldNum" sz="quarter" idx="12"/>
+          </p:nvPr>
+        </p:nvSpPr>
+        <p:spPr/>
+        <p:txBody>
+          <a:bodyPr/>
+          <a:lstStyle/>
+          <a:p>
+            <a:fld id="{7D9EC917-02A2-4152-9EE3-DFE2775A77C7}" type="slidenum">
+              <a:rPr lang="en-US" smtClean="0"/>
+              <a:pPr/>
+              <a:t>34</a:t>
+            </a:fld>
+            <a:endParaRPr lang="en-US" dirty="0"/>
+          </a:p>
+        </p:txBody>
+      </p:sp>
+      <p:sp>
+        <p:nvSpPr>
+          <p:cNvPr id="3" name="Rectangle 2"/>
+          <p:cNvSpPr/>
+          <p:nvPr/>
+        </p:nvSpPr>
+        <p:spPr>
+          <a:xfrm>
+            <a:off x="301924" y="1932878"/>
+            <a:ext cx="8567755" cy="45719"/>
+          </a:xfrm>
+          <a:prstGeom prst="rect">
+            <a:avLst/>
+          </a:prstGeom>
+          <a:gradFill flip="none" rotWithShape="1">
+            <a:gsLst>
+              <a:gs pos="15000">
+                <a:srgbClr val="67C7DF"/>
+              </a:gs>
+              <a:gs pos="100000">
+                <a:srgbClr val="5EB130"/>
+              </a:gs>
+            </a:gsLst>
+            <a:lin ang="0" scaled="1"/>
+            <a:tileRect/>
+          </a:gradFill>
+          <a:ln>
+            <a:noFill/>
+          </a:ln>
+        </p:spPr>
+        <p:style>
+          <a:lnRef idx="2">
+            <a:schemeClr val="accent1">
+              <a:shade val="50000"/>
+            </a:schemeClr>
+          </a:lnRef>
+          <a:fillRef idx="1">
+            <a:schemeClr val="accent1"/>
+          </a:fillRef>
+          <a:effectRef idx="0">
+            <a:schemeClr val="accent1"/>
+          </a:effectRef>
+          <a:fontRef idx="minor">
+            <a:schemeClr val="lt1"/>
+          </a:fontRef>
+        </p:style>
+        <p:txBody>
+          <a:bodyPr rtlCol="0" anchor="ctr"/>
+          <a:lstStyle/>
+          <a:p>
+            <a:pPr algn="ctr"/>
+            <a:endParaRPr lang="en-US" dirty="0"/>
+          </a:p>
+        </p:txBody>
+      </p:sp>
+      <p:sp>
+        <p:nvSpPr>
+          <p:cNvPr id="4" name="TextBox 3"/>
+          <p:cNvSpPr txBox="1"/>
+          <p:nvPr/>
+        </p:nvSpPr>
+        <p:spPr>
+          <a:xfrm>
+            <a:off x="301925" y="631628"/>
+            <a:ext cx="8767947" cy="1200329"/>
+          </a:xfrm>
+          <a:prstGeom prst="rect">
+            <a:avLst/>
+          </a:prstGeom>
+          <a:noFill/>
+        </p:spPr>
+        <p:txBody>
+          <a:bodyPr wrap="square" rtlCol="0">
+            <a:spAutoFit/>
+          </a:bodyPr>
+          <a:lstStyle/>
+          <a:p>
+            <a:r>
+              <a:rPr lang="vi-VN" sz="2400" b="1" dirty="0">
+                <a:solidFill>
+                  <a:srgbClr val="64C7E9"/>
+                </a:solidFill>
+                <a:latin typeface="UTM Helve" panose="02040603050506020204" pitchFamily="18" charset="0"/>
+                <a:ea typeface="Roboto" pitchFamily="2" charset="0"/>
+              </a:rPr>
+              <a:t>2.1. Em hãy giải thích vì sao một biến nhớ trong </a:t>
+            </a:r>
+            <a:r>
+              <a:rPr lang="vi-VN" sz="2400" b="1" dirty="0" smtClean="0">
+                <a:solidFill>
+                  <a:srgbClr val="64C7E9"/>
+                </a:solidFill>
+                <a:latin typeface="UTM Helve" panose="02040603050506020204" pitchFamily="18" charset="0"/>
+                <a:ea typeface="Roboto" pitchFamily="2" charset="0"/>
+              </a:rPr>
+              <a:t>Python</a:t>
+            </a:r>
+            <a:r>
+              <a:rPr lang="en-US" sz="2400" b="1" dirty="0" smtClean="0">
+                <a:solidFill>
+                  <a:srgbClr val="64C7E9"/>
+                </a:solidFill>
+                <a:latin typeface="UTM Helve" panose="02040603050506020204" pitchFamily="18" charset="0"/>
+                <a:ea typeface="Roboto" pitchFamily="2" charset="0"/>
+              </a:rPr>
+              <a:t> </a:t>
+            </a:r>
+            <a:r>
+              <a:rPr lang="vi-VN" sz="2400" b="1" dirty="0" smtClean="0">
+                <a:solidFill>
+                  <a:srgbClr val="64C7E9"/>
+                </a:solidFill>
+                <a:latin typeface="UTM Helve" panose="02040603050506020204" pitchFamily="18" charset="0"/>
+                <a:ea typeface="Roboto" pitchFamily="2" charset="0"/>
+              </a:rPr>
+              <a:t>tại </a:t>
+            </a:r>
+            <a:r>
+              <a:rPr lang="vi-VN" sz="2400" b="1" dirty="0">
+                <a:solidFill>
+                  <a:srgbClr val="64C7E9"/>
+                </a:solidFill>
+                <a:latin typeface="UTM Helve" panose="02040603050506020204" pitchFamily="18" charset="0"/>
+                <a:ea typeface="Roboto" pitchFamily="2" charset="0"/>
+              </a:rPr>
+              <a:t>các thời điểm khác </a:t>
+            </a:r>
+            <a:r>
+              <a:rPr lang="vi-VN" sz="2400" b="1" dirty="0" smtClean="0">
+                <a:solidFill>
+                  <a:srgbClr val="64C7E9"/>
+                </a:solidFill>
+                <a:latin typeface="UTM Helve" panose="02040603050506020204" pitchFamily="18" charset="0"/>
+                <a:ea typeface="Roboto" pitchFamily="2" charset="0"/>
+              </a:rPr>
+              <a:t>nhau</a:t>
+            </a:r>
+            <a:r>
+              <a:rPr lang="en-US" sz="2400" b="1" dirty="0" smtClean="0">
+                <a:solidFill>
+                  <a:srgbClr val="64C7E9"/>
+                </a:solidFill>
+                <a:latin typeface="UTM Helve" panose="02040603050506020204" pitchFamily="18" charset="0"/>
+                <a:ea typeface="Roboto" pitchFamily="2" charset="0"/>
+              </a:rPr>
+              <a:t> </a:t>
+            </a:r>
+            <a:r>
+              <a:rPr lang="vi-VN" sz="2400" b="1" dirty="0">
+                <a:solidFill>
+                  <a:srgbClr val="64C7E9"/>
+                </a:solidFill>
+                <a:latin typeface="UTM Helve" panose="02040603050506020204" pitchFamily="18" charset="0"/>
+                <a:ea typeface="Roboto" pitchFamily="2" charset="0"/>
+              </a:rPr>
+              <a:t>có thể gán các giá trị dữ liệu có kiểu khác nhau.</a:t>
+            </a:r>
+          </a:p>
+          <a:p>
+            <a:endParaRPr lang="vi-VN" sz="2400" b="1" dirty="0">
+              <a:solidFill>
+                <a:srgbClr val="64C7E9"/>
+              </a:solidFill>
+              <a:latin typeface="UTM Helve" panose="02040603050506020204" pitchFamily="18" charset="0"/>
+              <a:ea typeface="Roboto" pitchFamily="2" charset="0"/>
+            </a:endParaRPr>
+          </a:p>
+        </p:txBody>
+      </p:sp>
+      <p:sp>
+        <p:nvSpPr>
+          <p:cNvPr id="29" name="TextBox 28"/>
+          <p:cNvSpPr txBox="1"/>
+          <p:nvPr/>
+        </p:nvSpPr>
+        <p:spPr>
+          <a:xfrm>
+            <a:off x="301924" y="2205876"/>
+            <a:ext cx="8523487" cy="4196020"/>
+          </a:xfrm>
+          <a:prstGeom prst="rect">
+            <a:avLst/>
+          </a:prstGeom>
+          <a:noFill/>
+        </p:spPr>
+        <p:txBody>
+          <a:bodyPr wrap="none" rtlCol="0">
+            <a:spAutoFit/>
+          </a:bodyPr>
+          <a:lstStyle/>
+          <a:p>
+            <a:pPr>
+              <a:lnSpc>
+                <a:spcPct val="150000"/>
+              </a:lnSpc>
+            </a:pPr>
+            <a:r>
+              <a:rPr lang="en-US" i="1" u="sng" dirty="0" smtClean="0">
+                <a:solidFill>
+                  <a:schemeClr val="accent5"/>
+                </a:solidFill>
+              </a:rPr>
+              <a:t>Giải thích</a:t>
+            </a:r>
+            <a:r>
+              <a:rPr lang="en-US" i="1" dirty="0" smtClean="0">
+                <a:solidFill>
+                  <a:schemeClr val="accent5"/>
+                </a:solidFill>
+              </a:rPr>
+              <a:t>: </a:t>
+            </a:r>
+          </a:p>
+          <a:p>
+            <a:pPr>
+              <a:lnSpc>
+                <a:spcPct val="150000"/>
+              </a:lnSpc>
+            </a:pPr>
+            <a:r>
+              <a:rPr lang="vi-VN" dirty="0" smtClean="0"/>
+              <a:t>Python </a:t>
+            </a:r>
+            <a:r>
+              <a:rPr lang="vi-VN" dirty="0"/>
+              <a:t>kiểm soát các tên biến nhớ và đối tượng dữ liệu độc lập.</a:t>
+            </a:r>
+            <a:br>
+              <a:rPr lang="vi-VN" dirty="0"/>
+            </a:br>
+            <a:r>
+              <a:rPr lang="vi-VN" dirty="0"/>
+              <a:t>Khi thực hiện lệnh gán, thực chất Python sẽ "gán" đối tượng dữ liệu lên biến nhớ.</a:t>
+            </a:r>
+            <a:br>
+              <a:rPr lang="vi-VN" dirty="0"/>
+            </a:br>
+            <a:r>
+              <a:rPr lang="vi-VN" dirty="0"/>
+              <a:t>Ví dụ khi thực hiện lệnh:</a:t>
+            </a:r>
+            <a:br>
+              <a:rPr lang="vi-VN" dirty="0"/>
+            </a:br>
+            <a:r>
+              <a:rPr lang="vi-VN" dirty="0"/>
+              <a:t>x = 2</a:t>
+            </a:r>
+            <a:br>
+              <a:rPr lang="vi-VN" dirty="0"/>
+            </a:br>
+            <a:r>
+              <a:rPr lang="vi-VN" dirty="0"/>
+              <a:t>Python sẽ thực hiện gắn tên x với đối tượng số nguyên 2. Nếu tại thời điểm khác,</a:t>
+            </a:r>
+            <a:br>
+              <a:rPr lang="vi-VN" dirty="0"/>
+            </a:br>
+            <a:r>
+              <a:rPr lang="vi-VN" dirty="0"/>
+              <a:t>chúng ta thực hiện lệnh:</a:t>
+            </a:r>
+            <a:br>
+              <a:rPr lang="vi-VN" dirty="0"/>
+            </a:br>
+            <a:r>
+              <a:rPr lang="vi-VN" dirty="0"/>
+              <a:t>x = "Hà Nội"</a:t>
+            </a:r>
+            <a:br>
+              <a:rPr lang="vi-VN" dirty="0"/>
+            </a:br>
+            <a:r>
+              <a:rPr lang="vi-VN" dirty="0"/>
+              <a:t>Python sẽ gán tên x với đối tượng xâu ký tự "Hà Nội"</a:t>
+            </a:r>
+          </a:p>
+          <a:p>
+            <a:pPr>
+              <a:lnSpc>
+                <a:spcPct val="150000"/>
+              </a:lnSpc>
+            </a:pPr>
+            <a:endParaRPr lang="vi-VN" dirty="0"/>
+          </a:p>
+        </p:txBody>
+      </p:sp>
+    </p:spTree>
+    <p:extLst>
+      <p:ext uri="{BB962C8B-B14F-4D97-AF65-F5344CB8AC3E}">
+        <p14:creationId xmlns:p14="http://schemas.microsoft.com/office/powerpoint/2010/main" val="1722652647"/>
+      </p:ext>
+    </p:extLst>
+  </p:cSld>
+  <p:clrMapOvr>
+    <a:masterClrMapping/>
+  </p:clrMapOvr>
+  <mc:AlternateContent xmlns:mc="http://schemas.openxmlformats.org/markup-compatibility/2006" xmlns:p14="http://schemas.microsoft.com/office/powerpoint/2010/main">
+    <mc:Choice Requires="p14">
+      <p:transition spd="slow" p14:dur="2000"/>
+    </mc:Choice>
+    <mc:Fallback xmlns="">
+      <p:transition spd="slow"/>
+    </mc:Fallback>
+  </mc:AlternateContent>
+  <p:timing>
+    <p:tnLst>
+      <p:par>
+        <p:cTn id="1" dur="indefinite" restart="never" nodeType="tmRoot"/>
+      </p:par>
+    </p:tnLst>
+  </p:timing>
+</p:sld>
+</file>
+
+<file path=ppt/slides/slide35.xml><?xml version="1.0" encoding="utf-8"?>
+<p:sld xmlns:a="http://schemas.openxmlformats.org/drawingml/2006/main" xmlns:r="http://schemas.openxmlformats.org/officeDocument/2006/relationships" xmlns:p="http://schemas.openxmlformats.org/presentationml/2006/main">
+  <p:cSld>
+    <p:spTree>
+      <p:nvGrpSpPr>
+        <p:cNvPr id="1" name=""/>
+        <p:cNvGrpSpPr/>
+        <p:nvPr/>
+      </p:nvGrpSpPr>
+      <p:grpSpPr>
+        <a:xfrm>
+          <a:off x="0" y="0"/>
+          <a:ext cx="0" cy="0"/>
+          <a:chOff x="0" y="0"/>
+          <a:chExt cx="0" cy="0"/>
+        </a:xfrm>
+      </p:grpSpPr>
+      <p:sp>
+        <p:nvSpPr>
+          <p:cNvPr id="2" name="Slide Number Placeholder 1"/>
+          <p:cNvSpPr>
+            <a:spLocks noGrp="1"/>
+          </p:cNvSpPr>
+          <p:nvPr>
+            <p:ph type="sldNum" sz="quarter" idx="12"/>
+          </p:nvPr>
+        </p:nvSpPr>
+        <p:spPr/>
+        <p:txBody>
+          <a:bodyPr/>
+          <a:lstStyle/>
+          <a:p>
+            <a:fld id="{7D9EC917-02A2-4152-9EE3-DFE2775A77C7}" type="slidenum">
+              <a:rPr lang="en-US" smtClean="0"/>
+              <a:pPr/>
+              <a:t>35</a:t>
+            </a:fld>
+            <a:endParaRPr lang="en-US" dirty="0"/>
+          </a:p>
+        </p:txBody>
+      </p:sp>
+      <p:sp>
+        <p:nvSpPr>
+          <p:cNvPr id="3" name="Rectangle 2"/>
+          <p:cNvSpPr/>
+          <p:nvPr/>
+        </p:nvSpPr>
+        <p:spPr>
+          <a:xfrm>
+            <a:off x="301925" y="1201358"/>
+            <a:ext cx="8567755" cy="45719"/>
+          </a:xfrm>
+          <a:prstGeom prst="rect">
+            <a:avLst/>
+          </a:prstGeom>
+          <a:gradFill flip="none" rotWithShape="1">
+            <a:gsLst>
+              <a:gs pos="15000">
+                <a:srgbClr val="67C7DF"/>
+              </a:gs>
+              <a:gs pos="100000">
+                <a:srgbClr val="5EB130"/>
+              </a:gs>
+            </a:gsLst>
+            <a:lin ang="0" scaled="1"/>
+            <a:tileRect/>
+          </a:gradFill>
+          <a:ln>
+            <a:noFill/>
+          </a:ln>
+        </p:spPr>
+        <p:style>
+          <a:lnRef idx="2">
+            <a:schemeClr val="accent1">
+              <a:shade val="50000"/>
+            </a:schemeClr>
+          </a:lnRef>
+          <a:fillRef idx="1">
+            <a:schemeClr val="accent1"/>
+          </a:fillRef>
+          <a:effectRef idx="0">
+            <a:schemeClr val="accent1"/>
+          </a:effectRef>
+          <a:fontRef idx="minor">
+            <a:schemeClr val="lt1"/>
+          </a:fontRef>
+        </p:style>
+        <p:txBody>
+          <a:bodyPr rtlCol="0" anchor="ctr"/>
+          <a:lstStyle/>
+          <a:p>
+            <a:pPr algn="ctr"/>
+            <a:endParaRPr lang="en-US" dirty="0"/>
+          </a:p>
+        </p:txBody>
+      </p:sp>
+      <p:sp>
+        <p:nvSpPr>
+          <p:cNvPr id="4" name="TextBox 3"/>
+          <p:cNvSpPr txBox="1"/>
+          <p:nvPr/>
+        </p:nvSpPr>
+        <p:spPr>
+          <a:xfrm>
+            <a:off x="301925" y="631628"/>
+            <a:ext cx="8767947" cy="461665"/>
+          </a:xfrm>
+          <a:prstGeom prst="rect">
+            <a:avLst/>
+          </a:prstGeom>
+          <a:noFill/>
+        </p:spPr>
+        <p:txBody>
+          <a:bodyPr wrap="square" rtlCol="0">
+            <a:spAutoFit/>
+          </a:bodyPr>
+          <a:lstStyle/>
+          <a:p>
+            <a:r>
+              <a:rPr lang="vi-VN" sz="2400" b="1" dirty="0">
+                <a:solidFill>
+                  <a:srgbClr val="64C7E9"/>
+                </a:solidFill>
+                <a:latin typeface="UTM Helve" panose="02040603050506020204" pitchFamily="18" charset="0"/>
+                <a:ea typeface="Roboto" pitchFamily="2" charset="0"/>
+              </a:rPr>
+              <a:t>2.2. Các lệnh sau đây có hợp lệ không?</a:t>
+            </a:r>
+          </a:p>
+        </p:txBody>
+      </p:sp>
+      <p:sp>
+        <p:nvSpPr>
+          <p:cNvPr id="5" name="Oval 4"/>
+          <p:cNvSpPr/>
+          <p:nvPr/>
+        </p:nvSpPr>
+        <p:spPr>
+          <a:xfrm>
+            <a:off x="3218903" y="2426665"/>
+            <a:ext cx="365760" cy="365760"/>
+          </a:xfrm>
+          <a:prstGeom prst="ellipse">
+            <a:avLst/>
+          </a:prstGeom>
+          <a:solidFill>
+            <a:srgbClr val="CD0065"/>
+          </a:solidFill>
+          <a:ln>
+            <a:noFill/>
+          </a:ln>
+        </p:spPr>
+        <p:style>
+          <a:lnRef idx="2">
+            <a:schemeClr val="accent1">
+              <a:shade val="50000"/>
+            </a:schemeClr>
+          </a:lnRef>
+          <a:fillRef idx="1">
+            <a:schemeClr val="accent1"/>
+          </a:fillRef>
+          <a:effectRef idx="0">
+            <a:schemeClr val="accent1"/>
+          </a:effectRef>
+          <a:fontRef idx="minor">
+            <a:schemeClr val="lt1"/>
+          </a:fontRef>
+        </p:style>
+        <p:txBody>
+          <a:bodyPr rtlCol="0" anchor="ctr"/>
+          <a:lstStyle/>
+          <a:p>
+            <a:pPr algn="ctr"/>
+            <a:r>
+              <a:rPr lang="en-US" b="1" dirty="0">
+                <a:latin typeface="Arial" panose="020B0604020202020204" pitchFamily="34" charset="0"/>
+                <a:cs typeface="Arial" panose="020B0604020202020204" pitchFamily="34" charset="0"/>
+              </a:rPr>
+              <a:t>A</a:t>
+            </a:r>
+          </a:p>
+        </p:txBody>
+      </p:sp>
+      <p:sp>
+        <p:nvSpPr>
+          <p:cNvPr id="6" name="TextBox 5"/>
+          <p:cNvSpPr txBox="1"/>
+          <p:nvPr/>
+        </p:nvSpPr>
+        <p:spPr>
+          <a:xfrm>
+            <a:off x="3685628" y="2401572"/>
+            <a:ext cx="2524330" cy="369332"/>
+          </a:xfrm>
+          <a:prstGeom prst="rect">
+            <a:avLst/>
+          </a:prstGeom>
+          <a:noFill/>
+        </p:spPr>
+        <p:txBody>
+          <a:bodyPr wrap="square" rtlCol="0">
+            <a:spAutoFit/>
+          </a:bodyPr>
+          <a:lstStyle/>
+          <a:p>
+            <a:r>
+              <a:rPr lang="en-US" i="1" dirty="0"/>
+              <a:t>x = y = z = 1</a:t>
+            </a:r>
+            <a:endParaRPr lang="en-US" dirty="0"/>
+          </a:p>
+        </p:txBody>
+      </p:sp>
+      <p:sp>
+        <p:nvSpPr>
+          <p:cNvPr id="7" name="Oval 6"/>
+          <p:cNvSpPr/>
+          <p:nvPr/>
+        </p:nvSpPr>
+        <p:spPr>
+          <a:xfrm>
+            <a:off x="3218903" y="3043885"/>
+            <a:ext cx="365760" cy="365760"/>
+          </a:xfrm>
+          <a:prstGeom prst="ellipse">
+            <a:avLst/>
+          </a:prstGeom>
+          <a:solidFill>
+            <a:srgbClr val="CD0065"/>
+          </a:solidFill>
+          <a:ln>
+            <a:noFill/>
+          </a:ln>
+        </p:spPr>
+        <p:style>
+          <a:lnRef idx="2">
+            <a:schemeClr val="accent1">
+              <a:shade val="50000"/>
+            </a:schemeClr>
+          </a:lnRef>
+          <a:fillRef idx="1">
+            <a:schemeClr val="accent1"/>
+          </a:fillRef>
+          <a:effectRef idx="0">
+            <a:schemeClr val="accent1"/>
+          </a:effectRef>
+          <a:fontRef idx="minor">
+            <a:schemeClr val="lt1"/>
+          </a:fontRef>
+        </p:style>
+        <p:txBody>
+          <a:bodyPr rtlCol="0" anchor="ctr"/>
+          <a:lstStyle/>
+          <a:p>
+            <a:pPr algn="ctr"/>
+            <a:r>
+              <a:rPr lang="en-US" b="1" dirty="0" smtClean="0">
+                <a:latin typeface="Arial" panose="020B0604020202020204" pitchFamily="34" charset="0"/>
+                <a:cs typeface="Arial" panose="020B0604020202020204" pitchFamily="34" charset="0"/>
+              </a:rPr>
+              <a:t>B</a:t>
+            </a:r>
+            <a:endParaRPr lang="en-US" b="1" dirty="0">
+              <a:latin typeface="Arial" panose="020B0604020202020204" pitchFamily="34" charset="0"/>
+              <a:cs typeface="Arial" panose="020B0604020202020204" pitchFamily="34" charset="0"/>
+            </a:endParaRPr>
+          </a:p>
+        </p:txBody>
+      </p:sp>
+      <p:sp>
+        <p:nvSpPr>
+          <p:cNvPr id="8" name="TextBox 7"/>
+          <p:cNvSpPr txBox="1"/>
+          <p:nvPr/>
+        </p:nvSpPr>
+        <p:spPr>
+          <a:xfrm>
+            <a:off x="3685628" y="3018792"/>
+            <a:ext cx="2524330" cy="369332"/>
+          </a:xfrm>
+          <a:prstGeom prst="rect">
+            <a:avLst/>
+          </a:prstGeom>
+          <a:noFill/>
+        </p:spPr>
+        <p:txBody>
+          <a:bodyPr wrap="square" rtlCol="0">
+            <a:spAutoFit/>
+          </a:bodyPr>
+          <a:lstStyle/>
+          <a:p>
+            <a:r>
+              <a:rPr lang="pl-PL" i="1" dirty="0"/>
+              <a:t>x = 1, y = 2, z = 3</a:t>
+            </a:r>
+            <a:endParaRPr lang="pl-PL" dirty="0"/>
+          </a:p>
+        </p:txBody>
+      </p:sp>
+      <p:sp>
+        <p:nvSpPr>
+          <p:cNvPr id="9" name="Oval 8"/>
+          <p:cNvSpPr/>
+          <p:nvPr/>
+        </p:nvSpPr>
+        <p:spPr>
+          <a:xfrm>
+            <a:off x="3218903" y="3714445"/>
+            <a:ext cx="365760" cy="365760"/>
+          </a:xfrm>
+          <a:prstGeom prst="ellipse">
+            <a:avLst/>
+          </a:prstGeom>
+          <a:solidFill>
+            <a:srgbClr val="CD0065"/>
+          </a:solidFill>
+          <a:ln>
+            <a:noFill/>
+          </a:ln>
+        </p:spPr>
+        <p:style>
+          <a:lnRef idx="2">
+            <a:schemeClr val="accent1">
+              <a:shade val="50000"/>
+            </a:schemeClr>
+          </a:lnRef>
+          <a:fillRef idx="1">
+            <a:schemeClr val="accent1"/>
+          </a:fillRef>
+          <a:effectRef idx="0">
+            <a:schemeClr val="accent1"/>
+          </a:effectRef>
+          <a:fontRef idx="minor">
+            <a:schemeClr val="lt1"/>
+          </a:fontRef>
+        </p:style>
+        <p:txBody>
+          <a:bodyPr rtlCol="0" anchor="ctr"/>
+          <a:lstStyle/>
+          <a:p>
+            <a:pPr algn="ctr"/>
+            <a:r>
+              <a:rPr lang="en-US" b="1" dirty="0" smtClean="0">
+                <a:latin typeface="Arial" panose="020B0604020202020204" pitchFamily="34" charset="0"/>
+                <a:cs typeface="Arial" panose="020B0604020202020204" pitchFamily="34" charset="0"/>
+              </a:rPr>
+              <a:t>C</a:t>
+            </a:r>
+            <a:endParaRPr lang="en-US" b="1" dirty="0">
+              <a:latin typeface="Arial" panose="020B0604020202020204" pitchFamily="34" charset="0"/>
+              <a:cs typeface="Arial" panose="020B0604020202020204" pitchFamily="34" charset="0"/>
+            </a:endParaRPr>
+          </a:p>
+        </p:txBody>
+      </p:sp>
+      <p:sp>
+        <p:nvSpPr>
+          <p:cNvPr id="10" name="TextBox 9"/>
+          <p:cNvSpPr txBox="1"/>
+          <p:nvPr/>
+        </p:nvSpPr>
+        <p:spPr>
+          <a:xfrm>
+            <a:off x="3685628" y="3689352"/>
+            <a:ext cx="2524330" cy="369332"/>
+          </a:xfrm>
+          <a:prstGeom prst="rect">
+            <a:avLst/>
+          </a:prstGeom>
+          <a:noFill/>
+        </p:spPr>
+        <p:txBody>
+          <a:bodyPr wrap="square" rtlCol="0">
+            <a:spAutoFit/>
+          </a:bodyPr>
+          <a:lstStyle/>
+          <a:p>
+            <a:r>
+              <a:rPr lang="en-US" i="1" dirty="0"/>
+              <a:t>x, y = 1</a:t>
+            </a:r>
+            <a:endParaRPr lang="en-US" dirty="0"/>
+          </a:p>
+        </p:txBody>
+      </p:sp>
+      <p:sp>
+        <p:nvSpPr>
+          <p:cNvPr id="11" name="Oval 10"/>
+          <p:cNvSpPr/>
+          <p:nvPr/>
+        </p:nvSpPr>
+        <p:spPr>
+          <a:xfrm>
+            <a:off x="3218903" y="4385005"/>
+            <a:ext cx="365760" cy="365760"/>
+          </a:xfrm>
+          <a:prstGeom prst="ellipse">
+            <a:avLst/>
+          </a:prstGeom>
+          <a:solidFill>
+            <a:srgbClr val="CD0065"/>
+          </a:solidFill>
+          <a:ln>
+            <a:noFill/>
+          </a:ln>
+        </p:spPr>
+        <p:style>
+          <a:lnRef idx="2">
+            <a:schemeClr val="accent1">
+              <a:shade val="50000"/>
+            </a:schemeClr>
+          </a:lnRef>
+          <a:fillRef idx="1">
+            <a:schemeClr val="accent1"/>
+          </a:fillRef>
+          <a:effectRef idx="0">
+            <a:schemeClr val="accent1"/>
+          </a:effectRef>
+          <a:fontRef idx="minor">
+            <a:schemeClr val="lt1"/>
+          </a:fontRef>
+        </p:style>
+        <p:txBody>
+          <a:bodyPr rtlCol="0" anchor="ctr"/>
+          <a:lstStyle/>
+          <a:p>
+            <a:pPr algn="ctr"/>
+            <a:r>
+              <a:rPr lang="en-US" b="1" dirty="0" smtClean="0">
+                <a:latin typeface="Arial" panose="020B0604020202020204" pitchFamily="34" charset="0"/>
+                <a:cs typeface="Arial" panose="020B0604020202020204" pitchFamily="34" charset="0"/>
+              </a:rPr>
+              <a:t>D</a:t>
+            </a:r>
+            <a:endParaRPr lang="en-US" b="1" dirty="0">
+              <a:latin typeface="Arial" panose="020B0604020202020204" pitchFamily="34" charset="0"/>
+              <a:cs typeface="Arial" panose="020B0604020202020204" pitchFamily="34" charset="0"/>
+            </a:endParaRPr>
+          </a:p>
+        </p:txBody>
+      </p:sp>
+      <p:sp>
+        <p:nvSpPr>
+          <p:cNvPr id="12" name="TextBox 11"/>
+          <p:cNvSpPr txBox="1"/>
+          <p:nvPr/>
+        </p:nvSpPr>
+        <p:spPr>
+          <a:xfrm>
+            <a:off x="3685628" y="4359912"/>
+            <a:ext cx="2524330" cy="369332"/>
+          </a:xfrm>
+          <a:prstGeom prst="rect">
+            <a:avLst/>
+          </a:prstGeom>
+          <a:noFill/>
+        </p:spPr>
+        <p:txBody>
+          <a:bodyPr wrap="square" rtlCol="0">
+            <a:spAutoFit/>
+          </a:bodyPr>
+          <a:lstStyle/>
+          <a:p>
+            <a:r>
+              <a:rPr lang="pl-PL" i="1" dirty="0"/>
+              <a:t>x, y, z = 1, 2, 3</a:t>
+            </a:r>
+            <a:endParaRPr lang="pl-PL" dirty="0"/>
+          </a:p>
+        </p:txBody>
+      </p:sp>
+    </p:spTree>
+    <p:extLst>
+      <p:ext uri="{BB962C8B-B14F-4D97-AF65-F5344CB8AC3E}">
+        <p14:creationId xmlns:p14="http://schemas.microsoft.com/office/powerpoint/2010/main" val="3250001674"/>
+      </p:ext>
+    </p:extLst>
+  </p:cSld>
+  <p:clrMapOvr>
+    <a:masterClrMapping/>
+  </p:clrMapOvr>
+  <mc:AlternateContent xmlns:mc="http://schemas.openxmlformats.org/markup-compatibility/2006" xmlns:p14="http://schemas.microsoft.com/office/powerpoint/2010/main">
+    <mc:Choice Requires="p14">
+      <p:transition spd="slow" p14:dur="2000"/>
+    </mc:Choice>
+    <mc:Fallback xmlns="">
+      <p:transition spd="slow"/>
+    </mc:Fallback>
+  </mc:AlternateContent>
+  <p:timing>
+    <p:tnLst>
+      <p:par>
+        <p:cTn id="1" dur="indefinite" restart="never" nodeType="tmRoot"/>
+      </p:par>
+    </p:tnLst>
+  </p:timing>
+</p:sld>
+</file>
+
+<file path=ppt/slides/slide36.xml><?xml version="1.0" encoding="utf-8"?>
+<p:sld xmlns:a="http://schemas.openxmlformats.org/drawingml/2006/main" xmlns:r="http://schemas.openxmlformats.org/officeDocument/2006/relationships" xmlns:p="http://schemas.openxmlformats.org/presentationml/2006/main">
+  <p:cSld>
+    <p:spTree>
+      <p:nvGrpSpPr>
+        <p:cNvPr id="1" name=""/>
+        <p:cNvGrpSpPr/>
+        <p:nvPr/>
+      </p:nvGrpSpPr>
+      <p:grpSpPr>
+        <a:xfrm>
+          <a:off x="0" y="0"/>
+          <a:ext cx="0" cy="0"/>
+          <a:chOff x="0" y="0"/>
+          <a:chExt cx="0" cy="0"/>
+        </a:xfrm>
+      </p:grpSpPr>
+      <p:sp>
+        <p:nvSpPr>
+          <p:cNvPr id="2" name="Slide Number Placeholder 1"/>
+          <p:cNvSpPr>
+            <a:spLocks noGrp="1"/>
+          </p:cNvSpPr>
+          <p:nvPr>
+            <p:ph type="sldNum" sz="quarter" idx="12"/>
+          </p:nvPr>
+        </p:nvSpPr>
+        <p:spPr/>
+        <p:txBody>
+          <a:bodyPr/>
+          <a:lstStyle/>
+          <a:p>
+            <a:fld id="{7D9EC917-02A2-4152-9EE3-DFE2775A77C7}" type="slidenum">
+              <a:rPr lang="en-US" smtClean="0"/>
+              <a:pPr/>
+              <a:t>36</a:t>
+            </a:fld>
+            <a:endParaRPr lang="en-US" dirty="0"/>
+          </a:p>
+        </p:txBody>
+      </p:sp>
+      <p:sp>
+        <p:nvSpPr>
+          <p:cNvPr id="3" name="Rectangle 2"/>
+          <p:cNvSpPr/>
+          <p:nvPr/>
+        </p:nvSpPr>
+        <p:spPr>
+          <a:xfrm>
+            <a:off x="301925" y="1201358"/>
+            <a:ext cx="8567755" cy="45719"/>
+          </a:xfrm>
+          <a:prstGeom prst="rect">
+            <a:avLst/>
+          </a:prstGeom>
+          <a:gradFill flip="none" rotWithShape="1">
+            <a:gsLst>
+              <a:gs pos="15000">
+                <a:srgbClr val="67C7DF"/>
+              </a:gs>
+              <a:gs pos="100000">
+                <a:srgbClr val="5EB130"/>
+              </a:gs>
+            </a:gsLst>
+            <a:lin ang="0" scaled="1"/>
+            <a:tileRect/>
+          </a:gradFill>
+          <a:ln>
+            <a:noFill/>
+          </a:ln>
+        </p:spPr>
+        <p:style>
+          <a:lnRef idx="2">
+            <a:schemeClr val="accent1">
+              <a:shade val="50000"/>
+            </a:schemeClr>
+          </a:lnRef>
+          <a:fillRef idx="1">
+            <a:schemeClr val="accent1"/>
+          </a:fillRef>
+          <a:effectRef idx="0">
+            <a:schemeClr val="accent1"/>
+          </a:effectRef>
+          <a:fontRef idx="minor">
+            <a:schemeClr val="lt1"/>
+          </a:fontRef>
+        </p:style>
+        <p:txBody>
+          <a:bodyPr rtlCol="0" anchor="ctr"/>
+          <a:lstStyle/>
+          <a:p>
+            <a:pPr algn="ctr"/>
+            <a:endParaRPr lang="en-US" dirty="0"/>
+          </a:p>
+        </p:txBody>
+      </p:sp>
+      <p:sp>
+        <p:nvSpPr>
+          <p:cNvPr id="4" name="TextBox 3"/>
+          <p:cNvSpPr txBox="1"/>
+          <p:nvPr/>
+        </p:nvSpPr>
+        <p:spPr>
+          <a:xfrm>
+            <a:off x="301925" y="631628"/>
+            <a:ext cx="8767947" cy="461665"/>
+          </a:xfrm>
+          <a:prstGeom prst="rect">
+            <a:avLst/>
+          </a:prstGeom>
+          <a:noFill/>
+        </p:spPr>
+        <p:txBody>
+          <a:bodyPr wrap="square" rtlCol="0">
+            <a:spAutoFit/>
+          </a:bodyPr>
+          <a:lstStyle/>
+          <a:p>
+            <a:r>
+              <a:rPr lang="vi-VN" sz="2400" b="1" dirty="0">
+                <a:solidFill>
+                  <a:srgbClr val="64C7E9"/>
+                </a:solidFill>
+                <a:latin typeface="UTM Helve" panose="02040603050506020204" pitchFamily="18" charset="0"/>
+                <a:ea typeface="Roboto" pitchFamily="2" charset="0"/>
+              </a:rPr>
+              <a:t>2.2. Các lệnh sau đây có hợp lệ không?</a:t>
+            </a:r>
+          </a:p>
+        </p:txBody>
+      </p:sp>
+      <p:sp>
+        <p:nvSpPr>
+          <p:cNvPr id="5" name="Oval 4"/>
+          <p:cNvSpPr/>
+          <p:nvPr/>
+        </p:nvSpPr>
+        <p:spPr>
+          <a:xfrm>
+            <a:off x="1257099" y="2275143"/>
+            <a:ext cx="365760" cy="365760"/>
+          </a:xfrm>
+          <a:prstGeom prst="ellipse">
+            <a:avLst/>
+          </a:prstGeom>
+          <a:solidFill>
+            <a:srgbClr val="CD0065"/>
+          </a:solidFill>
+          <a:ln>
+            <a:noFill/>
+          </a:ln>
+        </p:spPr>
+        <p:style>
+          <a:lnRef idx="2">
+            <a:schemeClr val="accent1">
+              <a:shade val="50000"/>
+            </a:schemeClr>
+          </a:lnRef>
+          <a:fillRef idx="1">
+            <a:schemeClr val="accent1"/>
+          </a:fillRef>
+          <a:effectRef idx="0">
+            <a:schemeClr val="accent1"/>
+          </a:effectRef>
+          <a:fontRef idx="minor">
+            <a:schemeClr val="lt1"/>
+          </a:fontRef>
+        </p:style>
+        <p:txBody>
+          <a:bodyPr rtlCol="0" anchor="ctr"/>
+          <a:lstStyle/>
+          <a:p>
+            <a:pPr algn="ctr"/>
+            <a:r>
+              <a:rPr lang="en-US" b="1" dirty="0">
+                <a:latin typeface="Arial" panose="020B0604020202020204" pitchFamily="34" charset="0"/>
+                <a:cs typeface="Arial" panose="020B0604020202020204" pitchFamily="34" charset="0"/>
+              </a:rPr>
+              <a:t>A</a:t>
+            </a:r>
+          </a:p>
+        </p:txBody>
+      </p:sp>
+      <p:sp>
+        <p:nvSpPr>
+          <p:cNvPr id="6" name="TextBox 5"/>
+          <p:cNvSpPr txBox="1"/>
+          <p:nvPr/>
+        </p:nvSpPr>
+        <p:spPr>
+          <a:xfrm>
+            <a:off x="1723824" y="2250050"/>
+            <a:ext cx="2524330" cy="369332"/>
+          </a:xfrm>
+          <a:prstGeom prst="rect">
+            <a:avLst/>
+          </a:prstGeom>
+          <a:noFill/>
+        </p:spPr>
+        <p:txBody>
+          <a:bodyPr wrap="square" rtlCol="0">
+            <a:spAutoFit/>
+          </a:bodyPr>
+          <a:lstStyle/>
+          <a:p>
+            <a:r>
+              <a:rPr lang="en-US" i="1" dirty="0"/>
+              <a:t>x = y = z = 1</a:t>
+            </a:r>
+            <a:endParaRPr lang="en-US" dirty="0"/>
+          </a:p>
+        </p:txBody>
+      </p:sp>
+      <p:sp>
+        <p:nvSpPr>
+          <p:cNvPr id="7" name="Oval 6"/>
+          <p:cNvSpPr/>
+          <p:nvPr/>
+        </p:nvSpPr>
+        <p:spPr>
+          <a:xfrm>
+            <a:off x="1257099" y="2892363"/>
+            <a:ext cx="365760" cy="365760"/>
+          </a:xfrm>
+          <a:prstGeom prst="ellipse">
+            <a:avLst/>
+          </a:prstGeom>
+          <a:solidFill>
+            <a:srgbClr val="CD0065"/>
+          </a:solidFill>
+          <a:ln>
+            <a:noFill/>
+          </a:ln>
+        </p:spPr>
+        <p:style>
+          <a:lnRef idx="2">
+            <a:schemeClr val="accent1">
+              <a:shade val="50000"/>
+            </a:schemeClr>
+          </a:lnRef>
+          <a:fillRef idx="1">
+            <a:schemeClr val="accent1"/>
+          </a:fillRef>
+          <a:effectRef idx="0">
+            <a:schemeClr val="accent1"/>
+          </a:effectRef>
+          <a:fontRef idx="minor">
+            <a:schemeClr val="lt1"/>
+          </a:fontRef>
+        </p:style>
+        <p:txBody>
+          <a:bodyPr rtlCol="0" anchor="ctr"/>
+          <a:lstStyle/>
+          <a:p>
+            <a:pPr algn="ctr"/>
+            <a:r>
+              <a:rPr lang="en-US" b="1" dirty="0" smtClean="0">
+                <a:latin typeface="Arial" panose="020B0604020202020204" pitchFamily="34" charset="0"/>
+                <a:cs typeface="Arial" panose="020B0604020202020204" pitchFamily="34" charset="0"/>
+              </a:rPr>
+              <a:t>B</a:t>
+            </a:r>
+            <a:endParaRPr lang="en-US" b="1" dirty="0">
+              <a:latin typeface="Arial" panose="020B0604020202020204" pitchFamily="34" charset="0"/>
+              <a:cs typeface="Arial" panose="020B0604020202020204" pitchFamily="34" charset="0"/>
+            </a:endParaRPr>
+          </a:p>
+        </p:txBody>
+      </p:sp>
+      <p:sp>
+        <p:nvSpPr>
+          <p:cNvPr id="8" name="TextBox 7"/>
+          <p:cNvSpPr txBox="1"/>
+          <p:nvPr/>
+        </p:nvSpPr>
+        <p:spPr>
+          <a:xfrm>
+            <a:off x="1723824" y="2867270"/>
+            <a:ext cx="2524330" cy="369332"/>
+          </a:xfrm>
+          <a:prstGeom prst="rect">
+            <a:avLst/>
+          </a:prstGeom>
+          <a:noFill/>
+        </p:spPr>
+        <p:txBody>
+          <a:bodyPr wrap="square" rtlCol="0">
+            <a:spAutoFit/>
+          </a:bodyPr>
+          <a:lstStyle/>
+          <a:p>
+            <a:r>
+              <a:rPr lang="pl-PL" i="1" dirty="0"/>
+              <a:t>x = 1, y = 2, z = 3</a:t>
+            </a:r>
+            <a:endParaRPr lang="pl-PL" dirty="0"/>
+          </a:p>
+        </p:txBody>
+      </p:sp>
+      <p:sp>
+        <p:nvSpPr>
+          <p:cNvPr id="9" name="Oval 8"/>
+          <p:cNvSpPr/>
+          <p:nvPr/>
+        </p:nvSpPr>
+        <p:spPr>
+          <a:xfrm>
+            <a:off x="1257099" y="3562923"/>
+            <a:ext cx="365760" cy="365760"/>
+          </a:xfrm>
+          <a:prstGeom prst="ellipse">
+            <a:avLst/>
+          </a:prstGeom>
+          <a:solidFill>
+            <a:srgbClr val="CD0065"/>
+          </a:solidFill>
+          <a:ln>
+            <a:noFill/>
+          </a:ln>
+        </p:spPr>
+        <p:style>
+          <a:lnRef idx="2">
+            <a:schemeClr val="accent1">
+              <a:shade val="50000"/>
+            </a:schemeClr>
+          </a:lnRef>
+          <a:fillRef idx="1">
+            <a:schemeClr val="accent1"/>
+          </a:fillRef>
+          <a:effectRef idx="0">
+            <a:schemeClr val="accent1"/>
+          </a:effectRef>
+          <a:fontRef idx="minor">
+            <a:schemeClr val="lt1"/>
+          </a:fontRef>
+        </p:style>
+        <p:txBody>
+          <a:bodyPr rtlCol="0" anchor="ctr"/>
+          <a:lstStyle/>
+          <a:p>
+            <a:pPr algn="ctr"/>
+            <a:r>
+              <a:rPr lang="en-US" b="1" dirty="0" smtClean="0">
+                <a:latin typeface="Arial" panose="020B0604020202020204" pitchFamily="34" charset="0"/>
+                <a:cs typeface="Arial" panose="020B0604020202020204" pitchFamily="34" charset="0"/>
+              </a:rPr>
+              <a:t>C</a:t>
+            </a:r>
+            <a:endParaRPr lang="en-US" b="1" dirty="0">
+              <a:latin typeface="Arial" panose="020B0604020202020204" pitchFamily="34" charset="0"/>
+              <a:cs typeface="Arial" panose="020B0604020202020204" pitchFamily="34" charset="0"/>
+            </a:endParaRPr>
+          </a:p>
+        </p:txBody>
+      </p:sp>
+      <p:sp>
+        <p:nvSpPr>
+          <p:cNvPr id="10" name="TextBox 9"/>
+          <p:cNvSpPr txBox="1"/>
+          <p:nvPr/>
+        </p:nvSpPr>
+        <p:spPr>
+          <a:xfrm>
+            <a:off x="1723824" y="3537830"/>
+            <a:ext cx="2524330" cy="369332"/>
+          </a:xfrm>
+          <a:prstGeom prst="rect">
+            <a:avLst/>
+          </a:prstGeom>
+          <a:noFill/>
+        </p:spPr>
+        <p:txBody>
+          <a:bodyPr wrap="square" rtlCol="0">
+            <a:spAutoFit/>
+          </a:bodyPr>
+          <a:lstStyle/>
+          <a:p>
+            <a:r>
+              <a:rPr lang="en-US" i="1" dirty="0"/>
+              <a:t>x, y = 1</a:t>
+            </a:r>
+            <a:endParaRPr lang="en-US" dirty="0"/>
+          </a:p>
+        </p:txBody>
+      </p:sp>
+      <p:sp>
+        <p:nvSpPr>
+          <p:cNvPr id="11" name="Oval 10"/>
+          <p:cNvSpPr/>
+          <p:nvPr/>
+        </p:nvSpPr>
+        <p:spPr>
+          <a:xfrm>
+            <a:off x="1257099" y="4233483"/>
+            <a:ext cx="365760" cy="365760"/>
+          </a:xfrm>
+          <a:prstGeom prst="ellipse">
+            <a:avLst/>
+          </a:prstGeom>
+          <a:solidFill>
+            <a:srgbClr val="CD0065"/>
+          </a:solidFill>
+          <a:ln>
+            <a:noFill/>
+          </a:ln>
+        </p:spPr>
+        <p:style>
+          <a:lnRef idx="2">
+            <a:schemeClr val="accent1">
+              <a:shade val="50000"/>
+            </a:schemeClr>
+          </a:lnRef>
+          <a:fillRef idx="1">
+            <a:schemeClr val="accent1"/>
+          </a:fillRef>
+          <a:effectRef idx="0">
+            <a:schemeClr val="accent1"/>
+          </a:effectRef>
+          <a:fontRef idx="minor">
+            <a:schemeClr val="lt1"/>
+          </a:fontRef>
+        </p:style>
+        <p:txBody>
+          <a:bodyPr rtlCol="0" anchor="ctr"/>
+          <a:lstStyle/>
+          <a:p>
+            <a:pPr algn="ctr"/>
+            <a:r>
+              <a:rPr lang="en-US" b="1" dirty="0" smtClean="0">
+                <a:latin typeface="Arial" panose="020B0604020202020204" pitchFamily="34" charset="0"/>
+                <a:cs typeface="Arial" panose="020B0604020202020204" pitchFamily="34" charset="0"/>
+              </a:rPr>
+              <a:t>D</a:t>
+            </a:r>
+            <a:endParaRPr lang="en-US" b="1" dirty="0">
+              <a:latin typeface="Arial" panose="020B0604020202020204" pitchFamily="34" charset="0"/>
+              <a:cs typeface="Arial" panose="020B0604020202020204" pitchFamily="34" charset="0"/>
+            </a:endParaRPr>
+          </a:p>
+        </p:txBody>
+      </p:sp>
+      <p:sp>
+        <p:nvSpPr>
+          <p:cNvPr id="12" name="TextBox 11"/>
+          <p:cNvSpPr txBox="1"/>
+          <p:nvPr/>
+        </p:nvSpPr>
+        <p:spPr>
+          <a:xfrm>
+            <a:off x="1723824" y="4208390"/>
+            <a:ext cx="2524330" cy="369332"/>
+          </a:xfrm>
+          <a:prstGeom prst="rect">
+            <a:avLst/>
+          </a:prstGeom>
+          <a:noFill/>
+        </p:spPr>
+        <p:txBody>
+          <a:bodyPr wrap="square" rtlCol="0">
+            <a:spAutoFit/>
+          </a:bodyPr>
+          <a:lstStyle/>
+          <a:p>
+            <a:r>
+              <a:rPr lang="pl-PL" i="1" dirty="0"/>
+              <a:t>x, y, z = 1, 2, 3</a:t>
+            </a:r>
+            <a:endParaRPr lang="pl-PL" dirty="0"/>
+          </a:p>
+        </p:txBody>
+      </p:sp>
+      <p:sp>
+        <p:nvSpPr>
+          <p:cNvPr id="13" name="TextBox 12"/>
+          <p:cNvSpPr txBox="1"/>
+          <p:nvPr/>
+        </p:nvSpPr>
+        <p:spPr>
+          <a:xfrm>
+            <a:off x="5636030" y="1690526"/>
+            <a:ext cx="914400" cy="646331"/>
+          </a:xfrm>
+          <a:prstGeom prst="rect">
+            <a:avLst/>
+          </a:prstGeom>
+          <a:noFill/>
+        </p:spPr>
+        <p:txBody>
+          <a:bodyPr wrap="square" rtlCol="0">
+            <a:spAutoFit/>
+          </a:bodyPr>
+          <a:lstStyle/>
+          <a:p>
+            <a:r>
+              <a:rPr lang="en-US" i="1" u="sng" dirty="0" smtClean="0">
+                <a:solidFill>
+                  <a:schemeClr val="accent5"/>
+                </a:solidFill>
+              </a:rPr>
+              <a:t>Đáp án</a:t>
+            </a:r>
+            <a:r>
+              <a:rPr lang="en-US" i="1" dirty="0" smtClean="0">
+                <a:solidFill>
+                  <a:schemeClr val="accent5"/>
+                </a:solidFill>
+              </a:rPr>
+              <a:t>: </a:t>
+            </a:r>
+            <a:endParaRPr lang="en-US" i="1" dirty="0">
+              <a:solidFill>
+                <a:schemeClr val="accent5"/>
+              </a:solidFill>
+            </a:endParaRPr>
+          </a:p>
+          <a:p>
+            <a:endParaRPr lang="en-US" dirty="0"/>
+          </a:p>
+        </p:txBody>
+      </p:sp>
+      <p:sp>
+        <p:nvSpPr>
+          <p:cNvPr id="14" name="Oval 13"/>
+          <p:cNvSpPr/>
+          <p:nvPr/>
+        </p:nvSpPr>
+        <p:spPr>
+          <a:xfrm>
+            <a:off x="5665615" y="2275143"/>
+            <a:ext cx="365760" cy="365760"/>
+          </a:xfrm>
+          <a:prstGeom prst="ellipse">
+            <a:avLst/>
+          </a:prstGeom>
+          <a:solidFill>
+            <a:srgbClr val="CD0065"/>
+          </a:solidFill>
+          <a:ln>
+            <a:noFill/>
+          </a:ln>
+        </p:spPr>
+        <p:style>
+          <a:lnRef idx="2">
+            <a:schemeClr val="accent1">
+              <a:shade val="50000"/>
+            </a:schemeClr>
+          </a:lnRef>
+          <a:fillRef idx="1">
+            <a:schemeClr val="accent1"/>
+          </a:fillRef>
+          <a:effectRef idx="0">
+            <a:schemeClr val="accent1"/>
+          </a:effectRef>
+          <a:fontRef idx="minor">
+            <a:schemeClr val="lt1"/>
+          </a:fontRef>
+        </p:style>
+        <p:txBody>
+          <a:bodyPr rtlCol="0" anchor="ctr"/>
+          <a:lstStyle/>
+          <a:p>
+            <a:pPr algn="ctr"/>
+            <a:r>
+              <a:rPr lang="en-US" b="1" dirty="0">
+                <a:latin typeface="Arial" panose="020B0604020202020204" pitchFamily="34" charset="0"/>
+                <a:cs typeface="Arial" panose="020B0604020202020204" pitchFamily="34" charset="0"/>
+              </a:rPr>
+              <a:t>A</a:t>
+            </a:r>
+          </a:p>
+        </p:txBody>
+      </p:sp>
+      <p:sp>
+        <p:nvSpPr>
+          <p:cNvPr id="15" name="TextBox 14"/>
+          <p:cNvSpPr txBox="1"/>
+          <p:nvPr/>
+        </p:nvSpPr>
+        <p:spPr>
+          <a:xfrm>
+            <a:off x="6132340" y="2250050"/>
+            <a:ext cx="2524330" cy="369332"/>
+          </a:xfrm>
+          <a:prstGeom prst="rect">
+            <a:avLst/>
+          </a:prstGeom>
+          <a:noFill/>
+        </p:spPr>
+        <p:txBody>
+          <a:bodyPr wrap="square" rtlCol="0">
+            <a:spAutoFit/>
+          </a:bodyPr>
+          <a:lstStyle/>
+          <a:p>
+            <a:r>
+              <a:rPr lang="en-US" dirty="0"/>
+              <a:t>Hợp lệ</a:t>
+            </a:r>
+          </a:p>
+        </p:txBody>
+      </p:sp>
+      <p:sp>
+        <p:nvSpPr>
+          <p:cNvPr id="16" name="Oval 15"/>
+          <p:cNvSpPr/>
+          <p:nvPr/>
+        </p:nvSpPr>
+        <p:spPr>
+          <a:xfrm>
+            <a:off x="5665615" y="2892363"/>
+            <a:ext cx="365760" cy="365760"/>
+          </a:xfrm>
+          <a:prstGeom prst="ellipse">
+            <a:avLst/>
+          </a:prstGeom>
+          <a:solidFill>
+            <a:srgbClr val="CD0065"/>
+          </a:solidFill>
+          <a:ln>
+            <a:noFill/>
+          </a:ln>
+        </p:spPr>
+        <p:style>
+          <a:lnRef idx="2">
+            <a:schemeClr val="accent1">
+              <a:shade val="50000"/>
+            </a:schemeClr>
+          </a:lnRef>
+          <a:fillRef idx="1">
+            <a:schemeClr val="accent1"/>
+          </a:fillRef>
+          <a:effectRef idx="0">
+            <a:schemeClr val="accent1"/>
+          </a:effectRef>
+          <a:fontRef idx="minor">
+            <a:schemeClr val="lt1"/>
+          </a:fontRef>
+        </p:style>
+        <p:txBody>
+          <a:bodyPr rtlCol="0" anchor="ctr"/>
+          <a:lstStyle/>
+          <a:p>
+            <a:pPr algn="ctr"/>
+            <a:r>
+              <a:rPr lang="en-US" b="1" dirty="0" smtClean="0">
+                <a:latin typeface="Arial" panose="020B0604020202020204" pitchFamily="34" charset="0"/>
+                <a:cs typeface="Arial" panose="020B0604020202020204" pitchFamily="34" charset="0"/>
+              </a:rPr>
+              <a:t>B</a:t>
+            </a:r>
+            <a:endParaRPr lang="en-US" b="1" dirty="0">
+              <a:latin typeface="Arial" panose="020B0604020202020204" pitchFamily="34" charset="0"/>
+              <a:cs typeface="Arial" panose="020B0604020202020204" pitchFamily="34" charset="0"/>
+            </a:endParaRPr>
+          </a:p>
+        </p:txBody>
+      </p:sp>
+      <p:sp>
+        <p:nvSpPr>
+          <p:cNvPr id="17" name="TextBox 16"/>
+          <p:cNvSpPr txBox="1"/>
+          <p:nvPr/>
+        </p:nvSpPr>
+        <p:spPr>
+          <a:xfrm>
+            <a:off x="6132340" y="2867270"/>
+            <a:ext cx="2524330" cy="369332"/>
+          </a:xfrm>
+          <a:prstGeom prst="rect">
+            <a:avLst/>
+          </a:prstGeom>
+          <a:noFill/>
+        </p:spPr>
+        <p:txBody>
+          <a:bodyPr wrap="square" rtlCol="0">
+            <a:spAutoFit/>
+          </a:bodyPr>
+          <a:lstStyle/>
+          <a:p>
+            <a:r>
+              <a:rPr lang="en-US" dirty="0"/>
+              <a:t>Không hợp lệ</a:t>
+            </a:r>
+          </a:p>
+        </p:txBody>
+      </p:sp>
+      <p:sp>
+        <p:nvSpPr>
+          <p:cNvPr id="18" name="Oval 17"/>
+          <p:cNvSpPr/>
+          <p:nvPr/>
+        </p:nvSpPr>
+        <p:spPr>
+          <a:xfrm>
+            <a:off x="5665615" y="3562923"/>
+            <a:ext cx="365760" cy="365760"/>
+          </a:xfrm>
+          <a:prstGeom prst="ellipse">
+            <a:avLst/>
+          </a:prstGeom>
+          <a:solidFill>
+            <a:srgbClr val="CD0065"/>
+          </a:solidFill>
+          <a:ln>
+            <a:noFill/>
+          </a:ln>
+        </p:spPr>
+        <p:style>
+          <a:lnRef idx="2">
+            <a:schemeClr val="accent1">
+              <a:shade val="50000"/>
+            </a:schemeClr>
+          </a:lnRef>
+          <a:fillRef idx="1">
+            <a:schemeClr val="accent1"/>
+          </a:fillRef>
+          <a:effectRef idx="0">
+            <a:schemeClr val="accent1"/>
+          </a:effectRef>
+          <a:fontRef idx="minor">
+            <a:schemeClr val="lt1"/>
+          </a:fontRef>
+        </p:style>
+        <p:txBody>
+          <a:bodyPr rtlCol="0" anchor="ctr"/>
+          <a:lstStyle/>
+          <a:p>
+            <a:pPr algn="ctr"/>
+            <a:r>
+              <a:rPr lang="en-US" b="1" dirty="0" smtClean="0">
+                <a:latin typeface="Arial" panose="020B0604020202020204" pitchFamily="34" charset="0"/>
+                <a:cs typeface="Arial" panose="020B0604020202020204" pitchFamily="34" charset="0"/>
+              </a:rPr>
+              <a:t>C</a:t>
+            </a:r>
+            <a:endParaRPr lang="en-US" b="1" dirty="0">
+              <a:latin typeface="Arial" panose="020B0604020202020204" pitchFamily="34" charset="0"/>
+              <a:cs typeface="Arial" panose="020B0604020202020204" pitchFamily="34" charset="0"/>
+            </a:endParaRPr>
+          </a:p>
+        </p:txBody>
+      </p:sp>
+      <p:sp>
+        <p:nvSpPr>
+          <p:cNvPr id="19" name="TextBox 18"/>
+          <p:cNvSpPr txBox="1"/>
+          <p:nvPr/>
+        </p:nvSpPr>
+        <p:spPr>
+          <a:xfrm>
+            <a:off x="6132340" y="3537830"/>
+            <a:ext cx="2524330" cy="369332"/>
+          </a:xfrm>
+          <a:prstGeom prst="rect">
+            <a:avLst/>
+          </a:prstGeom>
+          <a:noFill/>
+        </p:spPr>
+        <p:txBody>
+          <a:bodyPr wrap="square" rtlCol="0">
+            <a:spAutoFit/>
+          </a:bodyPr>
+          <a:lstStyle/>
+          <a:p>
+            <a:r>
+              <a:rPr lang="en-US" dirty="0"/>
+              <a:t>Không hợp lệ</a:t>
+            </a:r>
+          </a:p>
+        </p:txBody>
+      </p:sp>
+      <p:sp>
+        <p:nvSpPr>
+          <p:cNvPr id="20" name="Oval 19"/>
+          <p:cNvSpPr/>
+          <p:nvPr/>
+        </p:nvSpPr>
+        <p:spPr>
+          <a:xfrm>
+            <a:off x="5665615" y="4233483"/>
+            <a:ext cx="365760" cy="365760"/>
+          </a:xfrm>
+          <a:prstGeom prst="ellipse">
+            <a:avLst/>
+          </a:prstGeom>
+          <a:solidFill>
+            <a:srgbClr val="CD0065"/>
+          </a:solidFill>
+          <a:ln>
+            <a:noFill/>
+          </a:ln>
+        </p:spPr>
+        <p:style>
+          <a:lnRef idx="2">
+            <a:schemeClr val="accent1">
+              <a:shade val="50000"/>
+            </a:schemeClr>
+          </a:lnRef>
+          <a:fillRef idx="1">
+            <a:schemeClr val="accent1"/>
+          </a:fillRef>
+          <a:effectRef idx="0">
+            <a:schemeClr val="accent1"/>
+          </a:effectRef>
+          <a:fontRef idx="minor">
+            <a:schemeClr val="lt1"/>
+          </a:fontRef>
+        </p:style>
+        <p:txBody>
+          <a:bodyPr rtlCol="0" anchor="ctr"/>
+          <a:lstStyle/>
+          <a:p>
+            <a:pPr algn="ctr"/>
+            <a:r>
+              <a:rPr lang="en-US" b="1" dirty="0" smtClean="0">
+                <a:latin typeface="Arial" panose="020B0604020202020204" pitchFamily="34" charset="0"/>
+                <a:cs typeface="Arial" panose="020B0604020202020204" pitchFamily="34" charset="0"/>
+              </a:rPr>
+              <a:t>D</a:t>
+            </a:r>
+            <a:endParaRPr lang="en-US" b="1" dirty="0">
+              <a:latin typeface="Arial" panose="020B0604020202020204" pitchFamily="34" charset="0"/>
+              <a:cs typeface="Arial" panose="020B0604020202020204" pitchFamily="34" charset="0"/>
+            </a:endParaRPr>
+          </a:p>
+        </p:txBody>
+      </p:sp>
+      <p:sp>
+        <p:nvSpPr>
+          <p:cNvPr id="21" name="TextBox 20"/>
+          <p:cNvSpPr txBox="1"/>
+          <p:nvPr/>
+        </p:nvSpPr>
+        <p:spPr>
+          <a:xfrm>
+            <a:off x="6132340" y="4208390"/>
+            <a:ext cx="2524330" cy="369332"/>
+          </a:xfrm>
+          <a:prstGeom prst="rect">
+            <a:avLst/>
+          </a:prstGeom>
+          <a:noFill/>
+        </p:spPr>
+        <p:txBody>
+          <a:bodyPr wrap="square" rtlCol="0">
+            <a:spAutoFit/>
+          </a:bodyPr>
+          <a:lstStyle/>
+          <a:p>
+            <a:r>
+              <a:rPr lang="en-US" dirty="0"/>
+              <a:t>Hợp lệ</a:t>
+            </a:r>
+          </a:p>
+        </p:txBody>
+      </p:sp>
+    </p:spTree>
+    <p:extLst>
+      <p:ext uri="{BB962C8B-B14F-4D97-AF65-F5344CB8AC3E}">
+        <p14:creationId xmlns:p14="http://schemas.microsoft.com/office/powerpoint/2010/main" val="719452868"/>
+      </p:ext>
+    </p:extLst>
+  </p:cSld>
+  <p:clrMapOvr>
+    <a:masterClrMapping/>
+  </p:clrMapOvr>
+  <mc:AlternateContent xmlns:mc="http://schemas.openxmlformats.org/markup-compatibility/2006" xmlns:p14="http://schemas.microsoft.com/office/powerpoint/2010/main">
+    <mc:Choice Requires="p14">
+      <p:transition spd="slow" p14:dur="2000"/>
+    </mc:Choice>
+    <mc:Fallback xmlns="">
+      <p:transition spd="slow"/>
+    </mc:Fallback>
+  </mc:AlternateContent>
+  <p:timing>
+    <p:tnLst>
+      <p:par>
+        <p:cTn id="1" dur="indefinite" restart="never" nodeType="tmRoot"/>
+      </p:par>
+    </p:tnLst>
+  </p:timing>
+</p:sld>
+</file>
+
+<file path=ppt/slides/slide37.xml><?xml version="1.0" encoding="utf-8"?>
+<p:sld xmlns:a="http://schemas.openxmlformats.org/drawingml/2006/main" xmlns:r="http://schemas.openxmlformats.org/officeDocument/2006/relationships" xmlns:p="http://schemas.openxmlformats.org/presentationml/2006/main">
+  <p:cSld>
+    <p:spTree>
+      <p:nvGrpSpPr>
+        <p:cNvPr id="1" name=""/>
+        <p:cNvGrpSpPr/>
+        <p:nvPr/>
+      </p:nvGrpSpPr>
+      <p:grpSpPr>
+        <a:xfrm>
+          <a:off x="0" y="0"/>
+          <a:ext cx="0" cy="0"/>
+          <a:chOff x="0" y="0"/>
+          <a:chExt cx="0" cy="0"/>
+        </a:xfrm>
+      </p:grpSpPr>
+      <p:sp>
+        <p:nvSpPr>
+          <p:cNvPr id="2" name="Slide Number Placeholder 1"/>
+          <p:cNvSpPr>
+            <a:spLocks noGrp="1"/>
+          </p:cNvSpPr>
+          <p:nvPr>
+            <p:ph type="sldNum" sz="quarter" idx="12"/>
+          </p:nvPr>
+        </p:nvSpPr>
+        <p:spPr/>
+        <p:txBody>
+          <a:bodyPr/>
+          <a:lstStyle/>
+          <a:p>
+            <a:fld id="{7D9EC917-02A2-4152-9EE3-DFE2775A77C7}" type="slidenum">
+              <a:rPr lang="en-US" smtClean="0"/>
+              <a:pPr/>
+              <a:t>37</a:t>
+            </a:fld>
+            <a:endParaRPr lang="en-US" dirty="0"/>
+          </a:p>
+        </p:txBody>
+      </p:sp>
+      <p:sp>
+        <p:nvSpPr>
+          <p:cNvPr id="3" name="Rectangle 2"/>
+          <p:cNvSpPr/>
+          <p:nvPr/>
+        </p:nvSpPr>
+        <p:spPr>
+          <a:xfrm>
+            <a:off x="301924" y="2431640"/>
+            <a:ext cx="8567755" cy="45719"/>
+          </a:xfrm>
+          <a:prstGeom prst="rect">
+            <a:avLst/>
+          </a:prstGeom>
+          <a:gradFill flip="none" rotWithShape="1">
+            <a:gsLst>
+              <a:gs pos="15000">
+                <a:srgbClr val="67C7DF"/>
+              </a:gs>
+              <a:gs pos="100000">
+                <a:srgbClr val="5EB130"/>
+              </a:gs>
+            </a:gsLst>
+            <a:lin ang="0" scaled="1"/>
+            <a:tileRect/>
+          </a:gradFill>
+          <a:ln>
+            <a:noFill/>
+          </a:ln>
+        </p:spPr>
+        <p:style>
+          <a:lnRef idx="2">
+            <a:schemeClr val="accent1">
+              <a:shade val="50000"/>
+            </a:schemeClr>
+          </a:lnRef>
+          <a:fillRef idx="1">
+            <a:schemeClr val="accent1"/>
+          </a:fillRef>
+          <a:effectRef idx="0">
+            <a:schemeClr val="accent1"/>
+          </a:effectRef>
+          <a:fontRef idx="minor">
+            <a:schemeClr val="lt1"/>
+          </a:fontRef>
+        </p:style>
+        <p:txBody>
+          <a:bodyPr rtlCol="0" anchor="ctr"/>
+          <a:lstStyle/>
+          <a:p>
+            <a:pPr algn="ctr"/>
+            <a:endParaRPr lang="en-US" dirty="0"/>
+          </a:p>
+        </p:txBody>
+      </p:sp>
+      <p:sp>
+        <p:nvSpPr>
+          <p:cNvPr id="4" name="TextBox 3"/>
+          <p:cNvSpPr txBox="1"/>
+          <p:nvPr/>
+        </p:nvSpPr>
+        <p:spPr>
+          <a:xfrm>
+            <a:off x="301925" y="631628"/>
+            <a:ext cx="8767947" cy="1569660"/>
+          </a:xfrm>
+          <a:prstGeom prst="rect">
+            <a:avLst/>
+          </a:prstGeom>
+          <a:noFill/>
+        </p:spPr>
+        <p:txBody>
+          <a:bodyPr wrap="square" rtlCol="0">
+            <a:spAutoFit/>
+          </a:bodyPr>
+          <a:lstStyle/>
+          <a:p>
+            <a:r>
+              <a:rPr lang="vi-VN" sz="2400" b="1" dirty="0">
+                <a:solidFill>
+                  <a:srgbClr val="64C7E9"/>
+                </a:solidFill>
+                <a:latin typeface="UTM Helve" panose="02040603050506020204" pitchFamily="18" charset="0"/>
+                <a:ea typeface="Roboto" pitchFamily="2" charset="0"/>
+              </a:rPr>
+              <a:t>2.3. Sau các câu lệnh:</a:t>
+            </a:r>
+          </a:p>
+          <a:p>
+            <a:r>
+              <a:rPr lang="vi-VN" sz="2400" b="1" dirty="0">
+                <a:solidFill>
+                  <a:srgbClr val="64C7E9"/>
+                </a:solidFill>
+                <a:latin typeface="UTM Helve" panose="02040603050506020204" pitchFamily="18" charset="0"/>
+                <a:ea typeface="Roboto" pitchFamily="2" charset="0"/>
+              </a:rPr>
+              <a:t>x = y = 1</a:t>
+            </a:r>
+          </a:p>
+          <a:p>
+            <a:r>
+              <a:rPr lang="vi-VN" sz="2400" b="1" dirty="0">
+                <a:solidFill>
+                  <a:srgbClr val="64C7E9"/>
+                </a:solidFill>
+                <a:latin typeface="UTM Helve" panose="02040603050506020204" pitchFamily="18" charset="0"/>
+                <a:ea typeface="Roboto" pitchFamily="2" charset="0"/>
+              </a:rPr>
+              <a:t>x = x + 1</a:t>
+            </a:r>
+          </a:p>
+          <a:p>
+            <a:r>
+              <a:rPr lang="vi-VN" sz="2400" b="1" dirty="0">
+                <a:solidFill>
+                  <a:srgbClr val="64C7E9"/>
+                </a:solidFill>
+                <a:latin typeface="UTM Helve" panose="02040603050506020204" pitchFamily="18" charset="0"/>
+                <a:ea typeface="Roboto" pitchFamily="2" charset="0"/>
+              </a:rPr>
+              <a:t>thì giá trị x, y bằng bao nhiêu?</a:t>
+            </a:r>
+          </a:p>
+        </p:txBody>
+      </p:sp>
+    </p:spTree>
+    <p:extLst>
+      <p:ext uri="{BB962C8B-B14F-4D97-AF65-F5344CB8AC3E}">
+        <p14:creationId xmlns:p14="http://schemas.microsoft.com/office/powerpoint/2010/main" val="4238968152"/>
+      </p:ext>
+    </p:extLst>
+  </p:cSld>
+  <p:clrMapOvr>
+    <a:masterClrMapping/>
+  </p:clrMapOvr>
+  <mc:AlternateContent xmlns:mc="http://schemas.openxmlformats.org/markup-compatibility/2006" xmlns:p14="http://schemas.microsoft.com/office/powerpoint/2010/main">
+    <mc:Choice Requires="p14">
+      <p:transition spd="slow" p14:dur="2000"/>
+    </mc:Choice>
+    <mc:Fallback xmlns="">
+      <p:transition spd="slow"/>
+    </mc:Fallback>
+  </mc:AlternateContent>
+  <p:timing>
+    <p:tnLst>
+      <p:par>
+        <p:cTn id="1" dur="indefinite" restart="never" nodeType="tmRoot"/>
+      </p:par>
+    </p:tnLst>
+  </p:timing>
+</p:sld>
+</file>
+
+<file path=ppt/slides/slide38.xml><?xml version="1.0" encoding="utf-8"?>
+<p:sld xmlns:a="http://schemas.openxmlformats.org/drawingml/2006/main" xmlns:r="http://schemas.openxmlformats.org/officeDocument/2006/relationships" xmlns:p="http://schemas.openxmlformats.org/presentationml/2006/main">
+  <p:cSld>
+    <p:spTree>
+      <p:nvGrpSpPr>
+        <p:cNvPr id="1" name=""/>
+        <p:cNvGrpSpPr/>
+        <p:nvPr/>
+      </p:nvGrpSpPr>
+      <p:grpSpPr>
+        <a:xfrm>
+          <a:off x="0" y="0"/>
+          <a:ext cx="0" cy="0"/>
+          <a:chOff x="0" y="0"/>
+          <a:chExt cx="0" cy="0"/>
+        </a:xfrm>
+      </p:grpSpPr>
+      <p:sp>
+        <p:nvSpPr>
+          <p:cNvPr id="2" name="Slide Number Placeholder 1"/>
+          <p:cNvSpPr>
+            <a:spLocks noGrp="1"/>
+          </p:cNvSpPr>
+          <p:nvPr>
+            <p:ph type="sldNum" sz="quarter" idx="12"/>
+          </p:nvPr>
+        </p:nvSpPr>
+        <p:spPr/>
+        <p:txBody>
+          <a:bodyPr/>
+          <a:lstStyle/>
+          <a:p>
+            <a:fld id="{7D9EC917-02A2-4152-9EE3-DFE2775A77C7}" type="slidenum">
+              <a:rPr lang="en-US" smtClean="0"/>
+              <a:pPr/>
+              <a:t>38</a:t>
+            </a:fld>
+            <a:endParaRPr lang="en-US" dirty="0"/>
+          </a:p>
+        </p:txBody>
+      </p:sp>
+      <p:sp>
+        <p:nvSpPr>
+          <p:cNvPr id="3" name="Rectangle 2"/>
+          <p:cNvSpPr/>
+          <p:nvPr/>
+        </p:nvSpPr>
+        <p:spPr>
+          <a:xfrm>
+            <a:off x="301924" y="2431640"/>
+            <a:ext cx="8567755" cy="45719"/>
+          </a:xfrm>
+          <a:prstGeom prst="rect">
+            <a:avLst/>
+          </a:prstGeom>
+          <a:gradFill flip="none" rotWithShape="1">
+            <a:gsLst>
+              <a:gs pos="15000">
+                <a:srgbClr val="67C7DF"/>
+              </a:gs>
+              <a:gs pos="100000">
+                <a:srgbClr val="5EB130"/>
+              </a:gs>
+            </a:gsLst>
+            <a:lin ang="0" scaled="1"/>
+            <a:tileRect/>
+          </a:gradFill>
+          <a:ln>
+            <a:noFill/>
+          </a:ln>
+        </p:spPr>
+        <p:style>
+          <a:lnRef idx="2">
+            <a:schemeClr val="accent1">
+              <a:shade val="50000"/>
+            </a:schemeClr>
+          </a:lnRef>
+          <a:fillRef idx="1">
+            <a:schemeClr val="accent1"/>
+          </a:fillRef>
+          <a:effectRef idx="0">
+            <a:schemeClr val="accent1"/>
+          </a:effectRef>
+          <a:fontRef idx="minor">
+            <a:schemeClr val="lt1"/>
+          </a:fontRef>
+        </p:style>
+        <p:txBody>
+          <a:bodyPr rtlCol="0" anchor="ctr"/>
+          <a:lstStyle/>
+          <a:p>
+            <a:pPr algn="ctr"/>
+            <a:endParaRPr lang="en-US" dirty="0"/>
+          </a:p>
+        </p:txBody>
+      </p:sp>
+      <p:sp>
+        <p:nvSpPr>
+          <p:cNvPr id="4" name="TextBox 3"/>
+          <p:cNvSpPr txBox="1"/>
+          <p:nvPr/>
+        </p:nvSpPr>
+        <p:spPr>
+          <a:xfrm>
+            <a:off x="301925" y="631628"/>
+            <a:ext cx="8767947" cy="1569660"/>
+          </a:xfrm>
+          <a:prstGeom prst="rect">
+            <a:avLst/>
+          </a:prstGeom>
+          <a:noFill/>
+        </p:spPr>
+        <p:txBody>
+          <a:bodyPr wrap="square" rtlCol="0">
+            <a:spAutoFit/>
+          </a:bodyPr>
+          <a:lstStyle/>
+          <a:p>
+            <a:r>
+              <a:rPr lang="vi-VN" sz="2400" b="1" dirty="0">
+                <a:solidFill>
+                  <a:srgbClr val="64C7E9"/>
+                </a:solidFill>
+                <a:latin typeface="UTM Helve" panose="02040603050506020204" pitchFamily="18" charset="0"/>
+                <a:ea typeface="Roboto" pitchFamily="2" charset="0"/>
+              </a:rPr>
+              <a:t>2.3. Sau các câu lệnh:</a:t>
+            </a:r>
+          </a:p>
+          <a:p>
+            <a:r>
+              <a:rPr lang="vi-VN" sz="2400" b="1" dirty="0">
+                <a:solidFill>
+                  <a:srgbClr val="64C7E9"/>
+                </a:solidFill>
+                <a:latin typeface="UTM Helve" panose="02040603050506020204" pitchFamily="18" charset="0"/>
+                <a:ea typeface="Roboto" pitchFamily="2" charset="0"/>
+              </a:rPr>
+              <a:t>x = y = 1</a:t>
+            </a:r>
+          </a:p>
+          <a:p>
+            <a:r>
+              <a:rPr lang="vi-VN" sz="2400" b="1" dirty="0">
+                <a:solidFill>
+                  <a:srgbClr val="64C7E9"/>
+                </a:solidFill>
+                <a:latin typeface="UTM Helve" panose="02040603050506020204" pitchFamily="18" charset="0"/>
+                <a:ea typeface="Roboto" pitchFamily="2" charset="0"/>
+              </a:rPr>
+              <a:t>x = x + 1</a:t>
+            </a:r>
+          </a:p>
+          <a:p>
+            <a:r>
+              <a:rPr lang="vi-VN" sz="2400" b="1" dirty="0">
+                <a:solidFill>
+                  <a:srgbClr val="64C7E9"/>
+                </a:solidFill>
+                <a:latin typeface="UTM Helve" panose="02040603050506020204" pitchFamily="18" charset="0"/>
+                <a:ea typeface="Roboto" pitchFamily="2" charset="0"/>
+              </a:rPr>
+              <a:t>thì giá trị x, y bằng bao nhiêu?</a:t>
+            </a:r>
+          </a:p>
+        </p:txBody>
+      </p:sp>
+      <p:sp>
+        <p:nvSpPr>
+          <p:cNvPr id="29" name="TextBox 28"/>
+          <p:cNvSpPr txBox="1"/>
+          <p:nvPr/>
+        </p:nvSpPr>
+        <p:spPr>
+          <a:xfrm>
+            <a:off x="301924" y="3070956"/>
+            <a:ext cx="1975763" cy="1338828"/>
+          </a:xfrm>
+          <a:prstGeom prst="rect">
+            <a:avLst/>
+          </a:prstGeom>
+          <a:noFill/>
+        </p:spPr>
+        <p:txBody>
+          <a:bodyPr wrap="square" rtlCol="0">
+            <a:spAutoFit/>
+          </a:bodyPr>
+          <a:lstStyle/>
+          <a:p>
+            <a:pPr>
+              <a:lnSpc>
+                <a:spcPct val="150000"/>
+              </a:lnSpc>
+            </a:pPr>
+            <a:r>
+              <a:rPr lang="en-US" i="1" dirty="0" smtClean="0">
+                <a:solidFill>
+                  <a:schemeClr val="accent5"/>
+                </a:solidFill>
+              </a:rPr>
+              <a:t>Đáp án</a:t>
+            </a:r>
+            <a:r>
+              <a:rPr lang="en-US" i="1" dirty="0" smtClean="0">
+                <a:solidFill>
+                  <a:schemeClr val="accent5"/>
+                </a:solidFill>
+              </a:rPr>
+              <a:t>: </a:t>
+            </a:r>
+            <a:r>
+              <a:rPr lang="en-US" dirty="0"/>
+              <a:t>x = 2; y = 1</a:t>
+            </a:r>
+          </a:p>
+          <a:p>
+            <a:pPr>
+              <a:lnSpc>
+                <a:spcPct val="150000"/>
+              </a:lnSpc>
+            </a:pPr>
+            <a:r>
+              <a:rPr lang="en-US" i="1" dirty="0" smtClean="0">
+                <a:solidFill>
+                  <a:schemeClr val="accent5"/>
+                </a:solidFill>
+              </a:rPr>
+              <a:t> </a:t>
+            </a:r>
+          </a:p>
+          <a:p>
+            <a:pPr>
+              <a:lnSpc>
+                <a:spcPct val="150000"/>
+              </a:lnSpc>
+            </a:pPr>
+            <a:endParaRPr lang="vi-VN" dirty="0"/>
+          </a:p>
+        </p:txBody>
+      </p:sp>
+      <p:pic>
+        <p:nvPicPr>
+          <p:cNvPr id="5" name="Picture 4"/>
+          <p:cNvPicPr>
+            <a:picLocks noChangeAspect="1"/>
+          </p:cNvPicPr>
+          <p:nvPr/>
+        </p:nvPicPr>
+        <p:blipFill>
+          <a:blip r:embed="rId2">
+            <a:extLst>
+              <a:ext uri="{28A0092B-C50C-407E-A947-70E740481C1C}">
+                <a14:useLocalDpi xmlns:a14="http://schemas.microsoft.com/office/drawing/2010/main" val="0"/>
+              </a:ext>
+            </a:extLst>
+          </a:blip>
+          <a:stretch>
+            <a:fillRect/>
+          </a:stretch>
+        </p:blipFill>
+        <p:spPr>
+          <a:xfrm>
+            <a:off x="3048291" y="3244112"/>
+            <a:ext cx="1924319" cy="1124107"/>
+          </a:xfrm>
+          <a:prstGeom prst="rect">
+            <a:avLst/>
+          </a:prstGeom>
+        </p:spPr>
+      </p:pic>
+      <p:pic>
+        <p:nvPicPr>
+          <p:cNvPr id="6" name="Picture 5"/>
+          <p:cNvPicPr>
+            <a:picLocks noChangeAspect="1"/>
+          </p:cNvPicPr>
+          <p:nvPr/>
+        </p:nvPicPr>
+        <p:blipFill>
+          <a:blip r:embed="rId3">
+            <a:extLst>
+              <a:ext uri="{28A0092B-C50C-407E-A947-70E740481C1C}">
+                <a14:useLocalDpi xmlns:a14="http://schemas.microsoft.com/office/drawing/2010/main" val="0"/>
+              </a:ext>
+            </a:extLst>
+          </a:blip>
+          <a:stretch>
+            <a:fillRect/>
+          </a:stretch>
+        </p:blipFill>
+        <p:spPr>
+          <a:xfrm>
+            <a:off x="6082435" y="3244112"/>
+            <a:ext cx="1295581" cy="600159"/>
+          </a:xfrm>
+          <a:prstGeom prst="rect">
+            <a:avLst/>
+          </a:prstGeom>
+        </p:spPr>
+      </p:pic>
+    </p:spTree>
+    <p:extLst>
+      <p:ext uri="{BB962C8B-B14F-4D97-AF65-F5344CB8AC3E}">
+        <p14:creationId xmlns:p14="http://schemas.microsoft.com/office/powerpoint/2010/main" val="1411568565"/>
+      </p:ext>
+    </p:extLst>
+  </p:cSld>
+  <p:clrMapOvr>
+    <a:masterClrMapping/>
+  </p:clrMapOvr>
+  <mc:AlternateContent xmlns:mc="http://schemas.openxmlformats.org/markup-compatibility/2006" xmlns:p14="http://schemas.microsoft.com/office/powerpoint/2010/main">
+    <mc:Choice Requires="p14">
+      <p:transition spd="slow" p14:dur="2000"/>
+    </mc:Choice>
+    <mc:Fallback xmlns="">
+      <p:transition spd="slow"/>
+    </mc:Fallback>
+  </mc:AlternateContent>
+  <p:timing>
+    <p:tnLst>
+      <p:par>
+        <p:cTn id="1" dur="indefinite" restart="never" nodeType="tmRoot"/>
+      </p:par>
+    </p:tnLst>
+  </p:timing>
+</p:sld>
+</file>
+
+<file path=ppt/slides/slide39.xml><?xml version="1.0" encoding="utf-8"?>
+<p:sld xmlns:a="http://schemas.openxmlformats.org/drawingml/2006/main" xmlns:r="http://schemas.openxmlformats.org/officeDocument/2006/relationships" xmlns:p="http://schemas.openxmlformats.org/presentationml/2006/main">
+  <p:cSld>
+    <p:spTree>
+      <p:nvGrpSpPr>
+        <p:cNvPr id="1" name=""/>
+        <p:cNvGrpSpPr/>
+        <p:nvPr/>
+      </p:nvGrpSpPr>
+      <p:grpSpPr>
+        <a:xfrm>
+          <a:off x="0" y="0"/>
+          <a:ext cx="0" cy="0"/>
+          <a:chOff x="0" y="0"/>
+          <a:chExt cx="0" cy="0"/>
+        </a:xfrm>
+      </p:grpSpPr>
+      <p:sp>
+        <p:nvSpPr>
+          <p:cNvPr id="2" name="Slide Number Placeholder 1"/>
+          <p:cNvSpPr>
+            <a:spLocks noGrp="1"/>
+          </p:cNvSpPr>
+          <p:nvPr>
+            <p:ph type="sldNum" sz="quarter" idx="12"/>
+          </p:nvPr>
+        </p:nvSpPr>
+        <p:spPr/>
+        <p:txBody>
+          <a:bodyPr/>
+          <a:lstStyle/>
+          <a:p>
+            <a:fld id="{7D9EC917-02A2-4152-9EE3-DFE2775A77C7}" type="slidenum">
+              <a:rPr lang="en-US" smtClean="0"/>
+              <a:pPr/>
+              <a:t>39</a:t>
+            </a:fld>
+            <a:endParaRPr lang="en-US" dirty="0"/>
+          </a:p>
+        </p:txBody>
+      </p:sp>
+      <p:sp>
+        <p:nvSpPr>
+          <p:cNvPr id="3" name="Rectangle 2"/>
+          <p:cNvSpPr/>
+          <p:nvPr/>
+        </p:nvSpPr>
+        <p:spPr>
+          <a:xfrm>
+            <a:off x="301924" y="2830650"/>
+            <a:ext cx="8567755" cy="45719"/>
+          </a:xfrm>
+          <a:prstGeom prst="rect">
+            <a:avLst/>
+          </a:prstGeom>
+          <a:gradFill flip="none" rotWithShape="1">
+            <a:gsLst>
+              <a:gs pos="15000">
+                <a:srgbClr val="67C7DF"/>
+              </a:gs>
+              <a:gs pos="100000">
+                <a:srgbClr val="5EB130"/>
+              </a:gs>
+            </a:gsLst>
+            <a:lin ang="0" scaled="1"/>
+            <a:tileRect/>
+          </a:gradFill>
+          <a:ln>
+            <a:noFill/>
+          </a:ln>
+        </p:spPr>
+        <p:style>
+          <a:lnRef idx="2">
+            <a:schemeClr val="accent1">
+              <a:shade val="50000"/>
+            </a:schemeClr>
+          </a:lnRef>
+          <a:fillRef idx="1">
+            <a:schemeClr val="accent1"/>
+          </a:fillRef>
+          <a:effectRef idx="0">
+            <a:schemeClr val="accent1"/>
+          </a:effectRef>
+          <a:fontRef idx="minor">
+            <a:schemeClr val="lt1"/>
+          </a:fontRef>
+        </p:style>
+        <p:txBody>
+          <a:bodyPr rtlCol="0" anchor="ctr"/>
+          <a:lstStyle/>
+          <a:p>
+            <a:pPr algn="ctr"/>
+            <a:endParaRPr lang="en-US" dirty="0"/>
+          </a:p>
+        </p:txBody>
+      </p:sp>
+      <p:sp>
+        <p:nvSpPr>
+          <p:cNvPr id="4" name="TextBox 3"/>
+          <p:cNvSpPr txBox="1"/>
+          <p:nvPr/>
+        </p:nvSpPr>
+        <p:spPr>
+          <a:xfrm>
+            <a:off x="301925" y="631628"/>
+            <a:ext cx="8767947" cy="1938992"/>
+          </a:xfrm>
+          <a:prstGeom prst="rect">
+            <a:avLst/>
+          </a:prstGeom>
+          <a:noFill/>
+        </p:spPr>
+        <p:txBody>
+          <a:bodyPr wrap="square" rtlCol="0">
+            <a:spAutoFit/>
+          </a:bodyPr>
+          <a:lstStyle/>
+          <a:p>
+            <a:r>
+              <a:rPr lang="vi-VN" sz="2400" b="1" dirty="0">
+                <a:solidFill>
+                  <a:srgbClr val="64C7E9"/>
+                </a:solidFill>
+                <a:latin typeface="UTM Helve" panose="02040603050506020204" pitchFamily="18" charset="0"/>
+                <a:ea typeface="Roboto" pitchFamily="2" charset="0"/>
+              </a:rPr>
+              <a:t>2.4. Sau các câu lệnh:</a:t>
+            </a:r>
+          </a:p>
+          <a:p>
+            <a:r>
+              <a:rPr lang="vi-VN" sz="2400" b="1" dirty="0">
+                <a:solidFill>
+                  <a:srgbClr val="64C7E9"/>
+                </a:solidFill>
+                <a:latin typeface="UTM Helve" panose="02040603050506020204" pitchFamily="18" charset="0"/>
+                <a:ea typeface="Roboto" pitchFamily="2" charset="0"/>
+              </a:rPr>
+              <a:t>x = 10</a:t>
+            </a:r>
+          </a:p>
+          <a:p>
+            <a:r>
+              <a:rPr lang="vi-VN" sz="2400" b="1" dirty="0">
+                <a:solidFill>
+                  <a:srgbClr val="64C7E9"/>
+                </a:solidFill>
+                <a:latin typeface="UTM Helve" panose="02040603050506020204" pitchFamily="18" charset="0"/>
+                <a:ea typeface="Roboto" pitchFamily="2" charset="0"/>
+              </a:rPr>
+              <a:t>y = x</a:t>
+            </a:r>
+          </a:p>
+          <a:p>
+            <a:r>
+              <a:rPr lang="vi-VN" sz="2400" b="1" dirty="0">
+                <a:solidFill>
+                  <a:srgbClr val="64C7E9"/>
+                </a:solidFill>
+                <a:latin typeface="UTM Helve" panose="02040603050506020204" pitchFamily="18" charset="0"/>
+                <a:ea typeface="Roboto" pitchFamily="2" charset="0"/>
+              </a:rPr>
+              <a:t>x = 20</a:t>
+            </a:r>
+          </a:p>
+          <a:p>
+            <a:r>
+              <a:rPr lang="vi-VN" sz="2400" b="1" dirty="0">
+                <a:solidFill>
+                  <a:srgbClr val="64C7E9"/>
+                </a:solidFill>
+                <a:latin typeface="UTM Helve" panose="02040603050506020204" pitchFamily="18" charset="0"/>
+                <a:ea typeface="Roboto" pitchFamily="2" charset="0"/>
+              </a:rPr>
+              <a:t>thì giá trị x, y bằng bao nhiêu?</a:t>
+            </a:r>
+          </a:p>
+        </p:txBody>
+      </p:sp>
+    </p:spTree>
+    <p:extLst>
+      <p:ext uri="{BB962C8B-B14F-4D97-AF65-F5344CB8AC3E}">
+        <p14:creationId xmlns:p14="http://schemas.microsoft.com/office/powerpoint/2010/main" val="2289701553"/>
+      </p:ext>
+    </p:extLst>
+  </p:cSld>
+  <p:clrMapOvr>
+    <a:masterClrMapping/>
+  </p:clrMapOvr>
+  <mc:AlternateContent xmlns:mc="http://schemas.openxmlformats.org/markup-compatibility/2006" xmlns:p14="http://schemas.microsoft.com/office/powerpoint/2010/main">
+    <mc:Choice Requires="p14">
+      <p:transition spd="slow" p14:dur="2000"/>
+    </mc:Choice>
+    <mc:Fallback xmlns="">
       <p:transition spd="slow"/>
     </mc:Fallback>
   </mc:AlternateContent>
@@ -10244,13 +12804,6 @@
               </a:rPr>
               <a:t>. Nhóm lệnh print("Hà Nội"); print("Việt Nam") sẽ in ra kết quả như thế nào?</a:t>
             </a:r>
-            <a:endParaRPr lang="vi-VN" sz="2400" b="1" dirty="0">
-              <a:solidFill>
-                <a:srgbClr val="64C7E9"/>
-              </a:solidFill>
-              <a:latin typeface="UTM Helve" panose="02040603050506020204" pitchFamily="18" charset="0"/>
-              <a:ea typeface="Roboto" pitchFamily="2" charset="0"/>
-            </a:endParaRPr>
           </a:p>
         </p:txBody>
       </p:sp>
@@ -10618,6 +13171,2043 @@
   <p:clrMapOvr>
     <a:masterClrMapping/>
   </p:clrMapOvr>
+  <p:timing>
+    <p:tnLst>
+      <p:par>
+        <p:cTn id="1" dur="indefinite" restart="never" nodeType="tmRoot"/>
+      </p:par>
+    </p:tnLst>
+  </p:timing>
+</p:sld>
+</file>
+
+<file path=ppt/slides/slide40.xml><?xml version="1.0" encoding="utf-8"?>
+<p:sld xmlns:a="http://schemas.openxmlformats.org/drawingml/2006/main" xmlns:r="http://schemas.openxmlformats.org/officeDocument/2006/relationships" xmlns:p="http://schemas.openxmlformats.org/presentationml/2006/main">
+  <p:cSld>
+    <p:spTree>
+      <p:nvGrpSpPr>
+        <p:cNvPr id="1" name=""/>
+        <p:cNvGrpSpPr/>
+        <p:nvPr/>
+      </p:nvGrpSpPr>
+      <p:grpSpPr>
+        <a:xfrm>
+          <a:off x="0" y="0"/>
+          <a:ext cx="0" cy="0"/>
+          <a:chOff x="0" y="0"/>
+          <a:chExt cx="0" cy="0"/>
+        </a:xfrm>
+      </p:grpSpPr>
+      <p:sp>
+        <p:nvSpPr>
+          <p:cNvPr id="2" name="Slide Number Placeholder 1"/>
+          <p:cNvSpPr>
+            <a:spLocks noGrp="1"/>
+          </p:cNvSpPr>
+          <p:nvPr>
+            <p:ph type="sldNum" sz="quarter" idx="12"/>
+          </p:nvPr>
+        </p:nvSpPr>
+        <p:spPr/>
+        <p:txBody>
+          <a:bodyPr/>
+          <a:lstStyle/>
+          <a:p>
+            <a:fld id="{7D9EC917-02A2-4152-9EE3-DFE2775A77C7}" type="slidenum">
+              <a:rPr lang="en-US" smtClean="0"/>
+              <a:pPr/>
+              <a:t>40</a:t>
+            </a:fld>
+            <a:endParaRPr lang="en-US" dirty="0"/>
+          </a:p>
+        </p:txBody>
+      </p:sp>
+      <p:sp>
+        <p:nvSpPr>
+          <p:cNvPr id="3" name="Rectangle 2"/>
+          <p:cNvSpPr/>
+          <p:nvPr/>
+        </p:nvSpPr>
+        <p:spPr>
+          <a:xfrm>
+            <a:off x="301924" y="2830650"/>
+            <a:ext cx="8567755" cy="45719"/>
+          </a:xfrm>
+          <a:prstGeom prst="rect">
+            <a:avLst/>
+          </a:prstGeom>
+          <a:gradFill flip="none" rotWithShape="1">
+            <a:gsLst>
+              <a:gs pos="15000">
+                <a:srgbClr val="67C7DF"/>
+              </a:gs>
+              <a:gs pos="100000">
+                <a:srgbClr val="5EB130"/>
+              </a:gs>
+            </a:gsLst>
+            <a:lin ang="0" scaled="1"/>
+            <a:tileRect/>
+          </a:gradFill>
+          <a:ln>
+            <a:noFill/>
+          </a:ln>
+        </p:spPr>
+        <p:style>
+          <a:lnRef idx="2">
+            <a:schemeClr val="accent1">
+              <a:shade val="50000"/>
+            </a:schemeClr>
+          </a:lnRef>
+          <a:fillRef idx="1">
+            <a:schemeClr val="accent1"/>
+          </a:fillRef>
+          <a:effectRef idx="0">
+            <a:schemeClr val="accent1"/>
+          </a:effectRef>
+          <a:fontRef idx="minor">
+            <a:schemeClr val="lt1"/>
+          </a:fontRef>
+        </p:style>
+        <p:txBody>
+          <a:bodyPr rtlCol="0" anchor="ctr"/>
+          <a:lstStyle/>
+          <a:p>
+            <a:pPr algn="ctr"/>
+            <a:endParaRPr lang="en-US" dirty="0"/>
+          </a:p>
+        </p:txBody>
+      </p:sp>
+      <p:sp>
+        <p:nvSpPr>
+          <p:cNvPr id="4" name="TextBox 3"/>
+          <p:cNvSpPr txBox="1"/>
+          <p:nvPr/>
+        </p:nvSpPr>
+        <p:spPr>
+          <a:xfrm>
+            <a:off x="301925" y="631628"/>
+            <a:ext cx="8767947" cy="1938992"/>
+          </a:xfrm>
+          <a:prstGeom prst="rect">
+            <a:avLst/>
+          </a:prstGeom>
+          <a:noFill/>
+        </p:spPr>
+        <p:txBody>
+          <a:bodyPr wrap="square" rtlCol="0">
+            <a:spAutoFit/>
+          </a:bodyPr>
+          <a:lstStyle/>
+          <a:p>
+            <a:r>
+              <a:rPr lang="vi-VN" sz="2400" b="1" dirty="0">
+                <a:solidFill>
+                  <a:srgbClr val="64C7E9"/>
+                </a:solidFill>
+                <a:latin typeface="UTM Helve" panose="02040603050506020204" pitchFamily="18" charset="0"/>
+                <a:ea typeface="Roboto" pitchFamily="2" charset="0"/>
+              </a:rPr>
+              <a:t>2.4. Sau các câu lệnh:</a:t>
+            </a:r>
+          </a:p>
+          <a:p>
+            <a:r>
+              <a:rPr lang="vi-VN" sz="2400" b="1" dirty="0">
+                <a:solidFill>
+                  <a:srgbClr val="64C7E9"/>
+                </a:solidFill>
+                <a:latin typeface="UTM Helve" panose="02040603050506020204" pitchFamily="18" charset="0"/>
+                <a:ea typeface="Roboto" pitchFamily="2" charset="0"/>
+              </a:rPr>
+              <a:t>x = 10</a:t>
+            </a:r>
+          </a:p>
+          <a:p>
+            <a:r>
+              <a:rPr lang="vi-VN" sz="2400" b="1" dirty="0">
+                <a:solidFill>
+                  <a:srgbClr val="64C7E9"/>
+                </a:solidFill>
+                <a:latin typeface="UTM Helve" panose="02040603050506020204" pitchFamily="18" charset="0"/>
+                <a:ea typeface="Roboto" pitchFamily="2" charset="0"/>
+              </a:rPr>
+              <a:t>y = x</a:t>
+            </a:r>
+          </a:p>
+          <a:p>
+            <a:r>
+              <a:rPr lang="vi-VN" sz="2400" b="1" dirty="0">
+                <a:solidFill>
+                  <a:srgbClr val="64C7E9"/>
+                </a:solidFill>
+                <a:latin typeface="UTM Helve" panose="02040603050506020204" pitchFamily="18" charset="0"/>
+                <a:ea typeface="Roboto" pitchFamily="2" charset="0"/>
+              </a:rPr>
+              <a:t>x = 20</a:t>
+            </a:r>
+          </a:p>
+          <a:p>
+            <a:r>
+              <a:rPr lang="vi-VN" sz="2400" b="1" dirty="0">
+                <a:solidFill>
+                  <a:srgbClr val="64C7E9"/>
+                </a:solidFill>
+                <a:latin typeface="UTM Helve" panose="02040603050506020204" pitchFamily="18" charset="0"/>
+                <a:ea typeface="Roboto" pitchFamily="2" charset="0"/>
+              </a:rPr>
+              <a:t>thì giá trị x, y bằng bao nhiêu?</a:t>
+            </a:r>
+          </a:p>
+        </p:txBody>
+      </p:sp>
+      <p:sp>
+        <p:nvSpPr>
+          <p:cNvPr id="5" name="TextBox 4"/>
+          <p:cNvSpPr txBox="1"/>
+          <p:nvPr/>
+        </p:nvSpPr>
+        <p:spPr>
+          <a:xfrm>
+            <a:off x="301924" y="3270462"/>
+            <a:ext cx="2266709" cy="1200329"/>
+          </a:xfrm>
+          <a:prstGeom prst="rect">
+            <a:avLst/>
+          </a:prstGeom>
+          <a:noFill/>
+        </p:spPr>
+        <p:txBody>
+          <a:bodyPr wrap="square" rtlCol="0">
+            <a:spAutoFit/>
+          </a:bodyPr>
+          <a:lstStyle/>
+          <a:p>
+            <a:r>
+              <a:rPr lang="en-US" i="1" dirty="0" smtClean="0">
+                <a:solidFill>
+                  <a:schemeClr val="accent5"/>
+                </a:solidFill>
+              </a:rPr>
+              <a:t>Đáp án</a:t>
+            </a:r>
+            <a:r>
+              <a:rPr lang="en-US" i="1" dirty="0" smtClean="0">
+                <a:solidFill>
+                  <a:schemeClr val="accent5"/>
+                </a:solidFill>
+              </a:rPr>
+              <a:t>: </a:t>
+            </a:r>
+            <a:r>
+              <a:rPr lang="en-US" dirty="0"/>
+              <a:t>x = 20; y = 10</a:t>
+            </a:r>
+          </a:p>
+          <a:p>
+            <a:pPr>
+              <a:lnSpc>
+                <a:spcPct val="150000"/>
+              </a:lnSpc>
+            </a:pPr>
+            <a:r>
+              <a:rPr lang="en-US" i="1" dirty="0" smtClean="0">
+                <a:solidFill>
+                  <a:schemeClr val="accent5"/>
+                </a:solidFill>
+              </a:rPr>
+              <a:t> </a:t>
+            </a:r>
+          </a:p>
+          <a:p>
+            <a:pPr>
+              <a:lnSpc>
+                <a:spcPct val="150000"/>
+              </a:lnSpc>
+            </a:pPr>
+            <a:endParaRPr lang="vi-VN" dirty="0"/>
+          </a:p>
+        </p:txBody>
+      </p:sp>
+      <p:pic>
+        <p:nvPicPr>
+          <p:cNvPr id="6" name="Picture 5"/>
+          <p:cNvPicPr>
+            <a:picLocks noChangeAspect="1"/>
+          </p:cNvPicPr>
+          <p:nvPr/>
+        </p:nvPicPr>
+        <p:blipFill>
+          <a:blip r:embed="rId2">
+            <a:extLst>
+              <a:ext uri="{28A0092B-C50C-407E-A947-70E740481C1C}">
+                <a14:useLocalDpi xmlns:a14="http://schemas.microsoft.com/office/drawing/2010/main" val="0"/>
+              </a:ext>
+            </a:extLst>
+          </a:blip>
+          <a:stretch>
+            <a:fillRect/>
+          </a:stretch>
+        </p:blipFill>
+        <p:spPr>
+          <a:xfrm>
+            <a:off x="3255433" y="3346684"/>
+            <a:ext cx="1526658" cy="1124107"/>
+          </a:xfrm>
+          <a:prstGeom prst="rect">
+            <a:avLst/>
+          </a:prstGeom>
+        </p:spPr>
+      </p:pic>
+      <p:pic>
+        <p:nvPicPr>
+          <p:cNvPr id="7" name="Picture 6"/>
+          <p:cNvPicPr>
+            <a:picLocks noChangeAspect="1"/>
+          </p:cNvPicPr>
+          <p:nvPr/>
+        </p:nvPicPr>
+        <p:blipFill>
+          <a:blip r:embed="rId3">
+            <a:extLst>
+              <a:ext uri="{28A0092B-C50C-407E-A947-70E740481C1C}">
+                <a14:useLocalDpi xmlns:a14="http://schemas.microsoft.com/office/drawing/2010/main" val="0"/>
+              </a:ext>
+            </a:extLst>
+          </a:blip>
+          <a:stretch>
+            <a:fillRect/>
+          </a:stretch>
+        </p:blipFill>
+        <p:spPr>
+          <a:xfrm>
+            <a:off x="5741614" y="3346684"/>
+            <a:ext cx="1295581" cy="495369"/>
+          </a:xfrm>
+          <a:prstGeom prst="rect">
+            <a:avLst/>
+          </a:prstGeom>
+        </p:spPr>
+      </p:pic>
+    </p:spTree>
+    <p:extLst>
+      <p:ext uri="{BB962C8B-B14F-4D97-AF65-F5344CB8AC3E}">
+        <p14:creationId xmlns:p14="http://schemas.microsoft.com/office/powerpoint/2010/main" val="3571230751"/>
+      </p:ext>
+    </p:extLst>
+  </p:cSld>
+  <p:clrMapOvr>
+    <a:masterClrMapping/>
+  </p:clrMapOvr>
+  <mc:AlternateContent xmlns:mc="http://schemas.openxmlformats.org/markup-compatibility/2006" xmlns:p14="http://schemas.microsoft.com/office/powerpoint/2010/main">
+    <mc:Choice Requires="p14">
+      <p:transition spd="slow" p14:dur="2000"/>
+    </mc:Choice>
+    <mc:Fallback xmlns="">
+      <p:transition spd="slow"/>
+    </mc:Fallback>
+  </mc:AlternateContent>
+  <p:timing>
+    <p:tnLst>
+      <p:par>
+        <p:cTn id="1" dur="indefinite" restart="never" nodeType="tmRoot"/>
+      </p:par>
+    </p:tnLst>
+  </p:timing>
+</p:sld>
+</file>
+
+<file path=ppt/slides/slide41.xml><?xml version="1.0" encoding="utf-8"?>
+<p:sld xmlns:a="http://schemas.openxmlformats.org/drawingml/2006/main" xmlns:r="http://schemas.openxmlformats.org/officeDocument/2006/relationships" xmlns:p="http://schemas.openxmlformats.org/presentationml/2006/main">
+  <p:cSld>
+    <p:spTree>
+      <p:nvGrpSpPr>
+        <p:cNvPr id="1" name=""/>
+        <p:cNvGrpSpPr/>
+        <p:nvPr/>
+      </p:nvGrpSpPr>
+      <p:grpSpPr>
+        <a:xfrm>
+          <a:off x="0" y="0"/>
+          <a:ext cx="0" cy="0"/>
+          <a:chOff x="0" y="0"/>
+          <a:chExt cx="0" cy="0"/>
+        </a:xfrm>
+      </p:grpSpPr>
+      <p:sp>
+        <p:nvSpPr>
+          <p:cNvPr id="2" name="Slide Number Placeholder 1"/>
+          <p:cNvSpPr>
+            <a:spLocks noGrp="1"/>
+          </p:cNvSpPr>
+          <p:nvPr>
+            <p:ph type="sldNum" sz="quarter" idx="12"/>
+          </p:nvPr>
+        </p:nvSpPr>
+        <p:spPr/>
+        <p:txBody>
+          <a:bodyPr/>
+          <a:lstStyle/>
+          <a:p>
+            <a:fld id="{7D9EC917-02A2-4152-9EE3-DFE2775A77C7}" type="slidenum">
+              <a:rPr lang="en-US" smtClean="0"/>
+              <a:pPr/>
+              <a:t>41</a:t>
+            </a:fld>
+            <a:endParaRPr lang="en-US" dirty="0"/>
+          </a:p>
+        </p:txBody>
+      </p:sp>
+      <p:sp>
+        <p:nvSpPr>
+          <p:cNvPr id="3" name="Rectangle 2"/>
+          <p:cNvSpPr/>
+          <p:nvPr/>
+        </p:nvSpPr>
+        <p:spPr>
+          <a:xfrm>
+            <a:off x="301924" y="2830650"/>
+            <a:ext cx="8567755" cy="45719"/>
+          </a:xfrm>
+          <a:prstGeom prst="rect">
+            <a:avLst/>
+          </a:prstGeom>
+          <a:gradFill flip="none" rotWithShape="1">
+            <a:gsLst>
+              <a:gs pos="15000">
+                <a:srgbClr val="67C7DF"/>
+              </a:gs>
+              <a:gs pos="100000">
+                <a:srgbClr val="5EB130"/>
+              </a:gs>
+            </a:gsLst>
+            <a:lin ang="0" scaled="1"/>
+            <a:tileRect/>
+          </a:gradFill>
+          <a:ln>
+            <a:noFill/>
+          </a:ln>
+        </p:spPr>
+        <p:style>
+          <a:lnRef idx="2">
+            <a:schemeClr val="accent1">
+              <a:shade val="50000"/>
+            </a:schemeClr>
+          </a:lnRef>
+          <a:fillRef idx="1">
+            <a:schemeClr val="accent1"/>
+          </a:fillRef>
+          <a:effectRef idx="0">
+            <a:schemeClr val="accent1"/>
+          </a:effectRef>
+          <a:fontRef idx="minor">
+            <a:schemeClr val="lt1"/>
+          </a:fontRef>
+        </p:style>
+        <p:txBody>
+          <a:bodyPr rtlCol="0" anchor="ctr"/>
+          <a:lstStyle/>
+          <a:p>
+            <a:pPr algn="ctr"/>
+            <a:endParaRPr lang="en-US" dirty="0"/>
+          </a:p>
+        </p:txBody>
+      </p:sp>
+      <p:sp>
+        <p:nvSpPr>
+          <p:cNvPr id="4" name="TextBox 3"/>
+          <p:cNvSpPr txBox="1"/>
+          <p:nvPr/>
+        </p:nvSpPr>
+        <p:spPr>
+          <a:xfrm>
+            <a:off x="301925" y="631628"/>
+            <a:ext cx="8767947" cy="1938992"/>
+          </a:xfrm>
+          <a:prstGeom prst="rect">
+            <a:avLst/>
+          </a:prstGeom>
+          <a:noFill/>
+        </p:spPr>
+        <p:txBody>
+          <a:bodyPr wrap="square" rtlCol="0">
+            <a:spAutoFit/>
+          </a:bodyPr>
+          <a:lstStyle/>
+          <a:p>
+            <a:r>
+              <a:rPr lang="vi-VN" sz="2400" b="1" dirty="0">
+                <a:solidFill>
+                  <a:srgbClr val="64C7E9"/>
+                </a:solidFill>
+                <a:latin typeface="UTM Helve" panose="02040603050506020204" pitchFamily="18" charset="0"/>
+                <a:ea typeface="Roboto" pitchFamily="2" charset="0"/>
+              </a:rPr>
+              <a:t>2.5. Sau các câu lệnh:</a:t>
+            </a:r>
+          </a:p>
+          <a:p>
+            <a:r>
+              <a:rPr lang="vi-VN" sz="2400" b="1" dirty="0">
+                <a:solidFill>
+                  <a:srgbClr val="64C7E9"/>
+                </a:solidFill>
+                <a:latin typeface="UTM Helve" panose="02040603050506020204" pitchFamily="18" charset="0"/>
+                <a:ea typeface="Roboto" pitchFamily="2" charset="0"/>
+              </a:rPr>
+              <a:t>x = y</a:t>
+            </a:r>
+          </a:p>
+          <a:p>
+            <a:r>
+              <a:rPr lang="vi-VN" sz="2400" b="1" dirty="0">
+                <a:solidFill>
+                  <a:srgbClr val="64C7E9"/>
+                </a:solidFill>
+                <a:latin typeface="UTM Helve" panose="02040603050506020204" pitchFamily="18" charset="0"/>
+                <a:ea typeface="Roboto" pitchFamily="2" charset="0"/>
+              </a:rPr>
+              <a:t>y = x</a:t>
+            </a:r>
+          </a:p>
+          <a:p>
+            <a:r>
+              <a:rPr lang="vi-VN" sz="2400" b="1" dirty="0">
+                <a:solidFill>
+                  <a:srgbClr val="64C7E9"/>
+                </a:solidFill>
+                <a:latin typeface="UTM Helve" panose="02040603050506020204" pitchFamily="18" charset="0"/>
+                <a:ea typeface="Roboto" pitchFamily="2" charset="0"/>
+              </a:rPr>
+              <a:t>thì giá trị các biến nhớ x, y thay đổi như thế nào so với trước khi thực hiện các lệnh này?</a:t>
+            </a:r>
+          </a:p>
+        </p:txBody>
+      </p:sp>
+    </p:spTree>
+    <p:extLst>
+      <p:ext uri="{BB962C8B-B14F-4D97-AF65-F5344CB8AC3E}">
+        <p14:creationId xmlns:p14="http://schemas.microsoft.com/office/powerpoint/2010/main" val="1092980643"/>
+      </p:ext>
+    </p:extLst>
+  </p:cSld>
+  <p:clrMapOvr>
+    <a:masterClrMapping/>
+  </p:clrMapOvr>
+  <mc:AlternateContent xmlns:mc="http://schemas.openxmlformats.org/markup-compatibility/2006" xmlns:p14="http://schemas.microsoft.com/office/powerpoint/2010/main">
+    <mc:Choice Requires="p14">
+      <p:transition spd="slow" p14:dur="2000"/>
+    </mc:Choice>
+    <mc:Fallback xmlns="">
+      <p:transition spd="slow"/>
+    </mc:Fallback>
+  </mc:AlternateContent>
+  <p:timing>
+    <p:tnLst>
+      <p:par>
+        <p:cTn id="1" dur="indefinite" restart="never" nodeType="tmRoot"/>
+      </p:par>
+    </p:tnLst>
+  </p:timing>
+</p:sld>
+</file>
+
+<file path=ppt/slides/slide42.xml><?xml version="1.0" encoding="utf-8"?>
+<p:sld xmlns:a="http://schemas.openxmlformats.org/drawingml/2006/main" xmlns:r="http://schemas.openxmlformats.org/officeDocument/2006/relationships" xmlns:p="http://schemas.openxmlformats.org/presentationml/2006/main">
+  <p:cSld>
+    <p:spTree>
+      <p:nvGrpSpPr>
+        <p:cNvPr id="1" name=""/>
+        <p:cNvGrpSpPr/>
+        <p:nvPr/>
+      </p:nvGrpSpPr>
+      <p:grpSpPr>
+        <a:xfrm>
+          <a:off x="0" y="0"/>
+          <a:ext cx="0" cy="0"/>
+          <a:chOff x="0" y="0"/>
+          <a:chExt cx="0" cy="0"/>
+        </a:xfrm>
+      </p:grpSpPr>
+      <p:sp>
+        <p:nvSpPr>
+          <p:cNvPr id="2" name="Slide Number Placeholder 1"/>
+          <p:cNvSpPr>
+            <a:spLocks noGrp="1"/>
+          </p:cNvSpPr>
+          <p:nvPr>
+            <p:ph type="sldNum" sz="quarter" idx="12"/>
+          </p:nvPr>
+        </p:nvSpPr>
+        <p:spPr/>
+        <p:txBody>
+          <a:bodyPr/>
+          <a:lstStyle/>
+          <a:p>
+            <a:fld id="{7D9EC917-02A2-4152-9EE3-DFE2775A77C7}" type="slidenum">
+              <a:rPr lang="en-US" smtClean="0"/>
+              <a:pPr/>
+              <a:t>42</a:t>
+            </a:fld>
+            <a:endParaRPr lang="en-US" dirty="0"/>
+          </a:p>
+        </p:txBody>
+      </p:sp>
+      <p:sp>
+        <p:nvSpPr>
+          <p:cNvPr id="3" name="Rectangle 2"/>
+          <p:cNvSpPr/>
+          <p:nvPr/>
+        </p:nvSpPr>
+        <p:spPr>
+          <a:xfrm>
+            <a:off x="301924" y="2830650"/>
+            <a:ext cx="8567755" cy="45719"/>
+          </a:xfrm>
+          <a:prstGeom prst="rect">
+            <a:avLst/>
+          </a:prstGeom>
+          <a:gradFill flip="none" rotWithShape="1">
+            <a:gsLst>
+              <a:gs pos="15000">
+                <a:srgbClr val="67C7DF"/>
+              </a:gs>
+              <a:gs pos="100000">
+                <a:srgbClr val="5EB130"/>
+              </a:gs>
+            </a:gsLst>
+            <a:lin ang="0" scaled="1"/>
+            <a:tileRect/>
+          </a:gradFill>
+          <a:ln>
+            <a:noFill/>
+          </a:ln>
+        </p:spPr>
+        <p:style>
+          <a:lnRef idx="2">
+            <a:schemeClr val="accent1">
+              <a:shade val="50000"/>
+            </a:schemeClr>
+          </a:lnRef>
+          <a:fillRef idx="1">
+            <a:schemeClr val="accent1"/>
+          </a:fillRef>
+          <a:effectRef idx="0">
+            <a:schemeClr val="accent1"/>
+          </a:effectRef>
+          <a:fontRef idx="minor">
+            <a:schemeClr val="lt1"/>
+          </a:fontRef>
+        </p:style>
+        <p:txBody>
+          <a:bodyPr rtlCol="0" anchor="ctr"/>
+          <a:lstStyle/>
+          <a:p>
+            <a:pPr algn="ctr"/>
+            <a:endParaRPr lang="en-US" dirty="0"/>
+          </a:p>
+        </p:txBody>
+      </p:sp>
+      <p:sp>
+        <p:nvSpPr>
+          <p:cNvPr id="4" name="TextBox 3"/>
+          <p:cNvSpPr txBox="1"/>
+          <p:nvPr/>
+        </p:nvSpPr>
+        <p:spPr>
+          <a:xfrm>
+            <a:off x="301925" y="631628"/>
+            <a:ext cx="8767947" cy="1938992"/>
+          </a:xfrm>
+          <a:prstGeom prst="rect">
+            <a:avLst/>
+          </a:prstGeom>
+          <a:noFill/>
+        </p:spPr>
+        <p:txBody>
+          <a:bodyPr wrap="square" rtlCol="0">
+            <a:spAutoFit/>
+          </a:bodyPr>
+          <a:lstStyle/>
+          <a:p>
+            <a:r>
+              <a:rPr lang="vi-VN" sz="2400" b="1" dirty="0">
+                <a:solidFill>
+                  <a:srgbClr val="64C7E9"/>
+                </a:solidFill>
+                <a:latin typeface="UTM Helve" panose="02040603050506020204" pitchFamily="18" charset="0"/>
+                <a:ea typeface="Roboto" pitchFamily="2" charset="0"/>
+              </a:rPr>
+              <a:t>2.5. Sau các câu lệnh:</a:t>
+            </a:r>
+          </a:p>
+          <a:p>
+            <a:r>
+              <a:rPr lang="vi-VN" sz="2400" b="1" dirty="0">
+                <a:solidFill>
+                  <a:srgbClr val="64C7E9"/>
+                </a:solidFill>
+                <a:latin typeface="UTM Helve" panose="02040603050506020204" pitchFamily="18" charset="0"/>
+                <a:ea typeface="Roboto" pitchFamily="2" charset="0"/>
+              </a:rPr>
+              <a:t>x = y</a:t>
+            </a:r>
+          </a:p>
+          <a:p>
+            <a:r>
+              <a:rPr lang="vi-VN" sz="2400" b="1" dirty="0">
+                <a:solidFill>
+                  <a:srgbClr val="64C7E9"/>
+                </a:solidFill>
+                <a:latin typeface="UTM Helve" panose="02040603050506020204" pitchFamily="18" charset="0"/>
+                <a:ea typeface="Roboto" pitchFamily="2" charset="0"/>
+              </a:rPr>
+              <a:t>y = x</a:t>
+            </a:r>
+          </a:p>
+          <a:p>
+            <a:r>
+              <a:rPr lang="vi-VN" sz="2400" b="1" dirty="0">
+                <a:solidFill>
+                  <a:srgbClr val="64C7E9"/>
+                </a:solidFill>
+                <a:latin typeface="UTM Helve" panose="02040603050506020204" pitchFamily="18" charset="0"/>
+                <a:ea typeface="Roboto" pitchFamily="2" charset="0"/>
+              </a:rPr>
+              <a:t>thì giá trị các biến nhớ x, y thay đổi như thế nào so với trước khi thực hiện các lệnh này?</a:t>
+            </a:r>
+          </a:p>
+        </p:txBody>
+      </p:sp>
+      <p:sp>
+        <p:nvSpPr>
+          <p:cNvPr id="5" name="TextBox 4"/>
+          <p:cNvSpPr txBox="1"/>
+          <p:nvPr/>
+        </p:nvSpPr>
+        <p:spPr>
+          <a:xfrm>
+            <a:off x="301924" y="3270462"/>
+            <a:ext cx="2831974" cy="1477328"/>
+          </a:xfrm>
+          <a:prstGeom prst="rect">
+            <a:avLst/>
+          </a:prstGeom>
+          <a:noFill/>
+        </p:spPr>
+        <p:txBody>
+          <a:bodyPr wrap="square" rtlCol="0">
+            <a:spAutoFit/>
+          </a:bodyPr>
+          <a:lstStyle/>
+          <a:p>
+            <a:r>
+              <a:rPr lang="en-US" i="1" dirty="0" smtClean="0">
+                <a:solidFill>
+                  <a:schemeClr val="accent5"/>
+                </a:solidFill>
+              </a:rPr>
+              <a:t>Đáp án</a:t>
+            </a:r>
+            <a:r>
+              <a:rPr lang="en-US" i="1" dirty="0" smtClean="0">
+                <a:solidFill>
+                  <a:schemeClr val="accent5"/>
+                </a:solidFill>
+              </a:rPr>
+              <a:t>: </a:t>
+            </a:r>
+            <a:r>
+              <a:rPr lang="en-US" dirty="0"/>
+              <a:t>x, y có giá trị bằng với giá trị của y ban đầu.</a:t>
+            </a:r>
+          </a:p>
+          <a:p>
+            <a:pPr>
+              <a:lnSpc>
+                <a:spcPct val="150000"/>
+              </a:lnSpc>
+            </a:pPr>
+            <a:r>
+              <a:rPr lang="en-US" i="1" dirty="0" smtClean="0">
+                <a:solidFill>
+                  <a:schemeClr val="accent5"/>
+                </a:solidFill>
+              </a:rPr>
+              <a:t> </a:t>
+            </a:r>
+          </a:p>
+          <a:p>
+            <a:pPr>
+              <a:lnSpc>
+                <a:spcPct val="150000"/>
+              </a:lnSpc>
+            </a:pPr>
+            <a:endParaRPr lang="vi-VN" dirty="0"/>
+          </a:p>
+        </p:txBody>
+      </p:sp>
+      <p:pic>
+        <p:nvPicPr>
+          <p:cNvPr id="6" name="Picture 5"/>
+          <p:cNvPicPr>
+            <a:picLocks noChangeAspect="1"/>
+          </p:cNvPicPr>
+          <p:nvPr/>
+        </p:nvPicPr>
+        <p:blipFill>
+          <a:blip r:embed="rId2">
+            <a:extLst>
+              <a:ext uri="{28A0092B-C50C-407E-A947-70E740481C1C}">
+                <a14:useLocalDpi xmlns:a14="http://schemas.microsoft.com/office/drawing/2010/main" val="0"/>
+              </a:ext>
+            </a:extLst>
+          </a:blip>
+          <a:stretch>
+            <a:fillRect/>
+          </a:stretch>
+        </p:blipFill>
+        <p:spPr>
+          <a:xfrm>
+            <a:off x="3408218" y="3386840"/>
+            <a:ext cx="4418249" cy="1477328"/>
+          </a:xfrm>
+          <a:prstGeom prst="rect">
+            <a:avLst/>
+          </a:prstGeom>
+        </p:spPr>
+      </p:pic>
+      <p:pic>
+        <p:nvPicPr>
+          <p:cNvPr id="7" name="Picture 6"/>
+          <p:cNvPicPr>
+            <a:picLocks noChangeAspect="1"/>
+          </p:cNvPicPr>
+          <p:nvPr/>
+        </p:nvPicPr>
+        <p:blipFill>
+          <a:blip r:embed="rId3">
+            <a:extLst>
+              <a:ext uri="{28A0092B-C50C-407E-A947-70E740481C1C}">
+                <a14:useLocalDpi xmlns:a14="http://schemas.microsoft.com/office/drawing/2010/main" val="0"/>
+              </a:ext>
+            </a:extLst>
+          </a:blip>
+          <a:stretch>
+            <a:fillRect/>
+          </a:stretch>
+        </p:blipFill>
+        <p:spPr>
+          <a:xfrm>
+            <a:off x="3408218" y="5229628"/>
+            <a:ext cx="4405052" cy="572655"/>
+          </a:xfrm>
+          <a:prstGeom prst="rect">
+            <a:avLst/>
+          </a:prstGeom>
+        </p:spPr>
+      </p:pic>
+    </p:spTree>
+    <p:extLst>
+      <p:ext uri="{BB962C8B-B14F-4D97-AF65-F5344CB8AC3E}">
+        <p14:creationId xmlns:p14="http://schemas.microsoft.com/office/powerpoint/2010/main" val="3296649860"/>
+      </p:ext>
+    </p:extLst>
+  </p:cSld>
+  <p:clrMapOvr>
+    <a:masterClrMapping/>
+  </p:clrMapOvr>
+  <mc:AlternateContent xmlns:mc="http://schemas.openxmlformats.org/markup-compatibility/2006" xmlns:p14="http://schemas.microsoft.com/office/powerpoint/2010/main">
+    <mc:Choice Requires="p14">
+      <p:transition spd="slow" p14:dur="2000"/>
+    </mc:Choice>
+    <mc:Fallback xmlns="">
+      <p:transition spd="slow"/>
+    </mc:Fallback>
+  </mc:AlternateContent>
+  <p:timing>
+    <p:tnLst>
+      <p:par>
+        <p:cTn id="1" dur="indefinite" restart="never" nodeType="tmRoot"/>
+      </p:par>
+    </p:tnLst>
+  </p:timing>
+</p:sld>
+</file>
+
+<file path=ppt/slides/slide43.xml><?xml version="1.0" encoding="utf-8"?>
+<p:sld xmlns:a="http://schemas.openxmlformats.org/drawingml/2006/main" xmlns:r="http://schemas.openxmlformats.org/officeDocument/2006/relationships" xmlns:p="http://schemas.openxmlformats.org/presentationml/2006/main">
+  <p:cSld>
+    <p:spTree>
+      <p:nvGrpSpPr>
+        <p:cNvPr id="1" name=""/>
+        <p:cNvGrpSpPr/>
+        <p:nvPr/>
+      </p:nvGrpSpPr>
+      <p:grpSpPr>
+        <a:xfrm>
+          <a:off x="0" y="0"/>
+          <a:ext cx="0" cy="0"/>
+          <a:chOff x="0" y="0"/>
+          <a:chExt cx="0" cy="0"/>
+        </a:xfrm>
+      </p:grpSpPr>
+      <p:sp>
+        <p:nvSpPr>
+          <p:cNvPr id="2" name="Slide Number Placeholder 1"/>
+          <p:cNvSpPr>
+            <a:spLocks noGrp="1"/>
+          </p:cNvSpPr>
+          <p:nvPr>
+            <p:ph type="sldNum" sz="quarter" idx="12"/>
+          </p:nvPr>
+        </p:nvSpPr>
+        <p:spPr/>
+        <p:txBody>
+          <a:bodyPr/>
+          <a:lstStyle/>
+          <a:p>
+            <a:fld id="{7D9EC917-02A2-4152-9EE3-DFE2775A77C7}" type="slidenum">
+              <a:rPr lang="en-US" smtClean="0"/>
+              <a:pPr/>
+              <a:t>43</a:t>
+            </a:fld>
+            <a:endParaRPr lang="en-US" dirty="0"/>
+          </a:p>
+        </p:txBody>
+      </p:sp>
+      <p:sp>
+        <p:nvSpPr>
+          <p:cNvPr id="3" name="Rectangle 2"/>
+          <p:cNvSpPr/>
+          <p:nvPr/>
+        </p:nvSpPr>
+        <p:spPr>
+          <a:xfrm>
+            <a:off x="301924" y="1691808"/>
+            <a:ext cx="8567755" cy="45719"/>
+          </a:xfrm>
+          <a:prstGeom prst="rect">
+            <a:avLst/>
+          </a:prstGeom>
+          <a:gradFill flip="none" rotWithShape="1">
+            <a:gsLst>
+              <a:gs pos="15000">
+                <a:srgbClr val="67C7DF"/>
+              </a:gs>
+              <a:gs pos="100000">
+                <a:srgbClr val="5EB130"/>
+              </a:gs>
+            </a:gsLst>
+            <a:lin ang="0" scaled="1"/>
+            <a:tileRect/>
+          </a:gradFill>
+          <a:ln>
+            <a:noFill/>
+          </a:ln>
+        </p:spPr>
+        <p:style>
+          <a:lnRef idx="2">
+            <a:schemeClr val="accent1">
+              <a:shade val="50000"/>
+            </a:schemeClr>
+          </a:lnRef>
+          <a:fillRef idx="1">
+            <a:schemeClr val="accent1"/>
+          </a:fillRef>
+          <a:effectRef idx="0">
+            <a:schemeClr val="accent1"/>
+          </a:effectRef>
+          <a:fontRef idx="minor">
+            <a:schemeClr val="lt1"/>
+          </a:fontRef>
+        </p:style>
+        <p:txBody>
+          <a:bodyPr rtlCol="0" anchor="ctr"/>
+          <a:lstStyle/>
+          <a:p>
+            <a:pPr algn="ctr"/>
+            <a:endParaRPr lang="en-US" dirty="0"/>
+          </a:p>
+        </p:txBody>
+      </p:sp>
+      <p:sp>
+        <p:nvSpPr>
+          <p:cNvPr id="4" name="TextBox 3"/>
+          <p:cNvSpPr txBox="1"/>
+          <p:nvPr/>
+        </p:nvSpPr>
+        <p:spPr>
+          <a:xfrm>
+            <a:off x="301925" y="631628"/>
+            <a:ext cx="8767947" cy="1200329"/>
+          </a:xfrm>
+          <a:prstGeom prst="rect">
+            <a:avLst/>
+          </a:prstGeom>
+          <a:noFill/>
+        </p:spPr>
+        <p:txBody>
+          <a:bodyPr wrap="square" rtlCol="0">
+            <a:spAutoFit/>
+          </a:bodyPr>
+          <a:lstStyle/>
+          <a:p>
+            <a:r>
+              <a:rPr lang="vi-VN" sz="2400" b="1" dirty="0">
+                <a:solidFill>
+                  <a:srgbClr val="64C7E9"/>
+                </a:solidFill>
+                <a:latin typeface="UTM Helve" panose="02040603050506020204" pitchFamily="18" charset="0"/>
+                <a:ea typeface="Roboto" pitchFamily="2" charset="0"/>
+              </a:rPr>
+              <a:t>2.6. Có thể đặt tên biến nhớ trùng với từ khóa của Python được hay không?</a:t>
+            </a:r>
+          </a:p>
+          <a:p>
+            <a:endParaRPr lang="vi-VN" sz="2400" b="1" dirty="0">
+              <a:solidFill>
+                <a:srgbClr val="64C7E9"/>
+              </a:solidFill>
+              <a:latin typeface="UTM Helve" panose="02040603050506020204" pitchFamily="18" charset="0"/>
+              <a:ea typeface="Roboto" pitchFamily="2" charset="0"/>
+            </a:endParaRPr>
+          </a:p>
+        </p:txBody>
+      </p:sp>
+    </p:spTree>
+    <p:extLst>
+      <p:ext uri="{BB962C8B-B14F-4D97-AF65-F5344CB8AC3E}">
+        <p14:creationId xmlns:p14="http://schemas.microsoft.com/office/powerpoint/2010/main" val="2936454890"/>
+      </p:ext>
+    </p:extLst>
+  </p:cSld>
+  <p:clrMapOvr>
+    <a:masterClrMapping/>
+  </p:clrMapOvr>
+  <mc:AlternateContent xmlns:mc="http://schemas.openxmlformats.org/markup-compatibility/2006" xmlns:p14="http://schemas.microsoft.com/office/powerpoint/2010/main">
+    <mc:Choice Requires="p14">
+      <p:transition spd="slow" p14:dur="2000"/>
+    </mc:Choice>
+    <mc:Fallback xmlns="">
+      <p:transition spd="slow"/>
+    </mc:Fallback>
+  </mc:AlternateContent>
+  <p:timing>
+    <p:tnLst>
+      <p:par>
+        <p:cTn id="1" dur="indefinite" restart="never" nodeType="tmRoot"/>
+      </p:par>
+    </p:tnLst>
+  </p:timing>
+</p:sld>
+</file>
+
+<file path=ppt/slides/slide44.xml><?xml version="1.0" encoding="utf-8"?>
+<p:sld xmlns:a="http://schemas.openxmlformats.org/drawingml/2006/main" xmlns:r="http://schemas.openxmlformats.org/officeDocument/2006/relationships" xmlns:p="http://schemas.openxmlformats.org/presentationml/2006/main">
+  <p:cSld>
+    <p:spTree>
+      <p:nvGrpSpPr>
+        <p:cNvPr id="1" name=""/>
+        <p:cNvGrpSpPr/>
+        <p:nvPr/>
+      </p:nvGrpSpPr>
+      <p:grpSpPr>
+        <a:xfrm>
+          <a:off x="0" y="0"/>
+          <a:ext cx="0" cy="0"/>
+          <a:chOff x="0" y="0"/>
+          <a:chExt cx="0" cy="0"/>
+        </a:xfrm>
+      </p:grpSpPr>
+      <p:sp>
+        <p:nvSpPr>
+          <p:cNvPr id="2" name="Slide Number Placeholder 1"/>
+          <p:cNvSpPr>
+            <a:spLocks noGrp="1"/>
+          </p:cNvSpPr>
+          <p:nvPr>
+            <p:ph type="sldNum" sz="quarter" idx="12"/>
+          </p:nvPr>
+        </p:nvSpPr>
+        <p:spPr/>
+        <p:txBody>
+          <a:bodyPr/>
+          <a:lstStyle/>
+          <a:p>
+            <a:fld id="{7D9EC917-02A2-4152-9EE3-DFE2775A77C7}" type="slidenum">
+              <a:rPr lang="en-US" smtClean="0"/>
+              <a:pPr/>
+              <a:t>44</a:t>
+            </a:fld>
+            <a:endParaRPr lang="en-US" dirty="0"/>
+          </a:p>
+        </p:txBody>
+      </p:sp>
+      <p:sp>
+        <p:nvSpPr>
+          <p:cNvPr id="3" name="Rectangle 2"/>
+          <p:cNvSpPr/>
+          <p:nvPr/>
+        </p:nvSpPr>
+        <p:spPr>
+          <a:xfrm>
+            <a:off x="301924" y="1691808"/>
+            <a:ext cx="8567755" cy="45719"/>
+          </a:xfrm>
+          <a:prstGeom prst="rect">
+            <a:avLst/>
+          </a:prstGeom>
+          <a:gradFill flip="none" rotWithShape="1">
+            <a:gsLst>
+              <a:gs pos="15000">
+                <a:srgbClr val="67C7DF"/>
+              </a:gs>
+              <a:gs pos="100000">
+                <a:srgbClr val="5EB130"/>
+              </a:gs>
+            </a:gsLst>
+            <a:lin ang="0" scaled="1"/>
+            <a:tileRect/>
+          </a:gradFill>
+          <a:ln>
+            <a:noFill/>
+          </a:ln>
+        </p:spPr>
+        <p:style>
+          <a:lnRef idx="2">
+            <a:schemeClr val="accent1">
+              <a:shade val="50000"/>
+            </a:schemeClr>
+          </a:lnRef>
+          <a:fillRef idx="1">
+            <a:schemeClr val="accent1"/>
+          </a:fillRef>
+          <a:effectRef idx="0">
+            <a:schemeClr val="accent1"/>
+          </a:effectRef>
+          <a:fontRef idx="minor">
+            <a:schemeClr val="lt1"/>
+          </a:fontRef>
+        </p:style>
+        <p:txBody>
+          <a:bodyPr rtlCol="0" anchor="ctr"/>
+          <a:lstStyle/>
+          <a:p>
+            <a:pPr algn="ctr"/>
+            <a:endParaRPr lang="en-US" dirty="0"/>
+          </a:p>
+        </p:txBody>
+      </p:sp>
+      <p:sp>
+        <p:nvSpPr>
+          <p:cNvPr id="4" name="TextBox 3"/>
+          <p:cNvSpPr txBox="1"/>
+          <p:nvPr/>
+        </p:nvSpPr>
+        <p:spPr>
+          <a:xfrm>
+            <a:off x="301925" y="631628"/>
+            <a:ext cx="8767947" cy="1200329"/>
+          </a:xfrm>
+          <a:prstGeom prst="rect">
+            <a:avLst/>
+          </a:prstGeom>
+          <a:noFill/>
+        </p:spPr>
+        <p:txBody>
+          <a:bodyPr wrap="square" rtlCol="0">
+            <a:spAutoFit/>
+          </a:bodyPr>
+          <a:lstStyle/>
+          <a:p>
+            <a:r>
+              <a:rPr lang="vi-VN" sz="2400" b="1" dirty="0">
+                <a:solidFill>
+                  <a:srgbClr val="64C7E9"/>
+                </a:solidFill>
+                <a:latin typeface="UTM Helve" panose="02040603050506020204" pitchFamily="18" charset="0"/>
+                <a:ea typeface="Roboto" pitchFamily="2" charset="0"/>
+              </a:rPr>
+              <a:t>2.6. Có thể đặt tên biến nhớ trùng với từ khóa của Python được hay không?</a:t>
+            </a:r>
+          </a:p>
+          <a:p>
+            <a:endParaRPr lang="vi-VN" sz="2400" b="1" dirty="0">
+              <a:solidFill>
+                <a:srgbClr val="64C7E9"/>
+              </a:solidFill>
+              <a:latin typeface="UTM Helve" panose="02040603050506020204" pitchFamily="18" charset="0"/>
+              <a:ea typeface="Roboto" pitchFamily="2" charset="0"/>
+            </a:endParaRPr>
+          </a:p>
+        </p:txBody>
+      </p:sp>
+      <p:sp>
+        <p:nvSpPr>
+          <p:cNvPr id="6" name="TextBox 5"/>
+          <p:cNvSpPr txBox="1"/>
+          <p:nvPr/>
+        </p:nvSpPr>
+        <p:spPr>
+          <a:xfrm>
+            <a:off x="3634964" y="2049569"/>
+            <a:ext cx="1901674" cy="1338828"/>
+          </a:xfrm>
+          <a:prstGeom prst="rect">
+            <a:avLst/>
+          </a:prstGeom>
+          <a:noFill/>
+        </p:spPr>
+        <p:txBody>
+          <a:bodyPr wrap="none" rtlCol="0">
+            <a:spAutoFit/>
+          </a:bodyPr>
+          <a:lstStyle/>
+          <a:p>
+            <a:pPr>
+              <a:lnSpc>
+                <a:spcPct val="150000"/>
+              </a:lnSpc>
+            </a:pPr>
+            <a:r>
+              <a:rPr lang="en-US" i="1" u="sng" dirty="0" smtClean="0">
+                <a:solidFill>
+                  <a:schemeClr val="accent5"/>
+                </a:solidFill>
+              </a:rPr>
+              <a:t>Trả lời</a:t>
+            </a:r>
+            <a:r>
+              <a:rPr lang="en-US" i="1" dirty="0" smtClean="0">
+                <a:solidFill>
+                  <a:schemeClr val="accent5"/>
+                </a:solidFill>
+              </a:rPr>
+              <a:t>:  </a:t>
+            </a:r>
+            <a:r>
+              <a:rPr lang="en-US" dirty="0"/>
+              <a:t>Không thể</a:t>
+            </a:r>
+          </a:p>
+          <a:p>
+            <a:pPr>
+              <a:lnSpc>
+                <a:spcPct val="150000"/>
+              </a:lnSpc>
+            </a:pPr>
+            <a:endParaRPr lang="vi-VN" dirty="0"/>
+          </a:p>
+          <a:p>
+            <a:pPr>
+              <a:lnSpc>
+                <a:spcPct val="150000"/>
+              </a:lnSpc>
+            </a:pPr>
+            <a:endParaRPr lang="vi-VN" dirty="0"/>
+          </a:p>
+        </p:txBody>
+      </p:sp>
+    </p:spTree>
+    <p:extLst>
+      <p:ext uri="{BB962C8B-B14F-4D97-AF65-F5344CB8AC3E}">
+        <p14:creationId xmlns:p14="http://schemas.microsoft.com/office/powerpoint/2010/main" val="2550813034"/>
+      </p:ext>
+    </p:extLst>
+  </p:cSld>
+  <p:clrMapOvr>
+    <a:masterClrMapping/>
+  </p:clrMapOvr>
+  <mc:AlternateContent xmlns:mc="http://schemas.openxmlformats.org/markup-compatibility/2006" xmlns:p14="http://schemas.microsoft.com/office/powerpoint/2010/main">
+    <mc:Choice Requires="p14">
+      <p:transition spd="slow" p14:dur="2000"/>
+    </mc:Choice>
+    <mc:Fallback xmlns="">
+      <p:transition spd="slow"/>
+    </mc:Fallback>
+  </mc:AlternateContent>
+  <p:timing>
+    <p:tnLst>
+      <p:par>
+        <p:cTn id="1" dur="indefinite" restart="never" nodeType="tmRoot"/>
+      </p:par>
+    </p:tnLst>
+  </p:timing>
+</p:sld>
+</file>
+
+<file path=ppt/slides/slide45.xml><?xml version="1.0" encoding="utf-8"?>
+<p:sld xmlns:a="http://schemas.openxmlformats.org/drawingml/2006/main" xmlns:r="http://schemas.openxmlformats.org/officeDocument/2006/relationships" xmlns:p="http://schemas.openxmlformats.org/presentationml/2006/main">
+  <p:cSld>
+    <p:spTree>
+      <p:nvGrpSpPr>
+        <p:cNvPr id="1" name=""/>
+        <p:cNvGrpSpPr/>
+        <p:nvPr/>
+      </p:nvGrpSpPr>
+      <p:grpSpPr>
+        <a:xfrm>
+          <a:off x="0" y="0"/>
+          <a:ext cx="0" cy="0"/>
+          <a:chOff x="0" y="0"/>
+          <a:chExt cx="0" cy="0"/>
+        </a:xfrm>
+      </p:grpSpPr>
+      <p:sp>
+        <p:nvSpPr>
+          <p:cNvPr id="2" name="Slide Number Placeholder 1"/>
+          <p:cNvSpPr>
+            <a:spLocks noGrp="1"/>
+          </p:cNvSpPr>
+          <p:nvPr>
+            <p:ph type="sldNum" sz="quarter" idx="12"/>
+          </p:nvPr>
+        </p:nvSpPr>
+        <p:spPr/>
+        <p:txBody>
+          <a:bodyPr/>
+          <a:lstStyle/>
+          <a:p>
+            <a:fld id="{7D9EC917-02A2-4152-9EE3-DFE2775A77C7}" type="slidenum">
+              <a:rPr lang="en-US" smtClean="0"/>
+              <a:pPr/>
+              <a:t>45</a:t>
+            </a:fld>
+            <a:endParaRPr lang="en-US" dirty="0"/>
+          </a:p>
+        </p:txBody>
+      </p:sp>
+      <p:sp>
+        <p:nvSpPr>
+          <p:cNvPr id="3" name="Rectangle 2"/>
+          <p:cNvSpPr/>
+          <p:nvPr/>
+        </p:nvSpPr>
+        <p:spPr>
+          <a:xfrm>
+            <a:off x="301925" y="1201358"/>
+            <a:ext cx="8567755" cy="45719"/>
+          </a:xfrm>
+          <a:prstGeom prst="rect">
+            <a:avLst/>
+          </a:prstGeom>
+          <a:gradFill flip="none" rotWithShape="1">
+            <a:gsLst>
+              <a:gs pos="15000">
+                <a:srgbClr val="67C7DF"/>
+              </a:gs>
+              <a:gs pos="100000">
+                <a:srgbClr val="5EB130"/>
+              </a:gs>
+            </a:gsLst>
+            <a:lin ang="0" scaled="1"/>
+            <a:tileRect/>
+          </a:gradFill>
+          <a:ln>
+            <a:noFill/>
+          </a:ln>
+        </p:spPr>
+        <p:style>
+          <a:lnRef idx="2">
+            <a:schemeClr val="accent1">
+              <a:shade val="50000"/>
+            </a:schemeClr>
+          </a:lnRef>
+          <a:fillRef idx="1">
+            <a:schemeClr val="accent1"/>
+          </a:fillRef>
+          <a:effectRef idx="0">
+            <a:schemeClr val="accent1"/>
+          </a:effectRef>
+          <a:fontRef idx="minor">
+            <a:schemeClr val="lt1"/>
+          </a:fontRef>
+        </p:style>
+        <p:txBody>
+          <a:bodyPr rtlCol="0" anchor="ctr"/>
+          <a:lstStyle/>
+          <a:p>
+            <a:pPr algn="ctr"/>
+            <a:endParaRPr lang="en-US" dirty="0"/>
+          </a:p>
+        </p:txBody>
+      </p:sp>
+      <p:sp>
+        <p:nvSpPr>
+          <p:cNvPr id="4" name="TextBox 3"/>
+          <p:cNvSpPr txBox="1"/>
+          <p:nvPr/>
+        </p:nvSpPr>
+        <p:spPr>
+          <a:xfrm>
+            <a:off x="301925" y="631628"/>
+            <a:ext cx="8767947" cy="461665"/>
+          </a:xfrm>
+          <a:prstGeom prst="rect">
+            <a:avLst/>
+          </a:prstGeom>
+          <a:noFill/>
+        </p:spPr>
+        <p:txBody>
+          <a:bodyPr wrap="square" rtlCol="0">
+            <a:spAutoFit/>
+          </a:bodyPr>
+          <a:lstStyle/>
+          <a:p>
+            <a:r>
+              <a:rPr lang="vi-VN" sz="2400" b="1" dirty="0">
+                <a:solidFill>
+                  <a:srgbClr val="64C7E9"/>
+                </a:solidFill>
+                <a:latin typeface="UTM Helve" panose="02040603050506020204" pitchFamily="18" charset="0"/>
+                <a:ea typeface="Roboto" pitchFamily="2" charset="0"/>
+              </a:rPr>
+              <a:t>2.7. Lệnh print(13 + 25) sẽ in ra kết quả là gì?</a:t>
+            </a:r>
+          </a:p>
+        </p:txBody>
+      </p:sp>
+    </p:spTree>
+    <p:extLst>
+      <p:ext uri="{BB962C8B-B14F-4D97-AF65-F5344CB8AC3E}">
+        <p14:creationId xmlns:p14="http://schemas.microsoft.com/office/powerpoint/2010/main" val="878062763"/>
+      </p:ext>
+    </p:extLst>
+  </p:cSld>
+  <p:clrMapOvr>
+    <a:masterClrMapping/>
+  </p:clrMapOvr>
+  <mc:AlternateContent xmlns:mc="http://schemas.openxmlformats.org/markup-compatibility/2006" xmlns:p14="http://schemas.microsoft.com/office/powerpoint/2010/main">
+    <mc:Choice Requires="p14">
+      <p:transition spd="slow" p14:dur="2000"/>
+    </mc:Choice>
+    <mc:Fallback xmlns="">
+      <p:transition spd="slow"/>
+    </mc:Fallback>
+  </mc:AlternateContent>
+  <p:timing>
+    <p:tnLst>
+      <p:par>
+        <p:cTn id="1" dur="indefinite" restart="never" nodeType="tmRoot"/>
+      </p:par>
+    </p:tnLst>
+  </p:timing>
+</p:sld>
+</file>
+
+<file path=ppt/slides/slide46.xml><?xml version="1.0" encoding="utf-8"?>
+<p:sld xmlns:a="http://schemas.openxmlformats.org/drawingml/2006/main" xmlns:r="http://schemas.openxmlformats.org/officeDocument/2006/relationships" xmlns:p="http://schemas.openxmlformats.org/presentationml/2006/main">
+  <p:cSld>
+    <p:spTree>
+      <p:nvGrpSpPr>
+        <p:cNvPr id="1" name=""/>
+        <p:cNvGrpSpPr/>
+        <p:nvPr/>
+      </p:nvGrpSpPr>
+      <p:grpSpPr>
+        <a:xfrm>
+          <a:off x="0" y="0"/>
+          <a:ext cx="0" cy="0"/>
+          <a:chOff x="0" y="0"/>
+          <a:chExt cx="0" cy="0"/>
+        </a:xfrm>
+      </p:grpSpPr>
+      <p:sp>
+        <p:nvSpPr>
+          <p:cNvPr id="2" name="Slide Number Placeholder 1"/>
+          <p:cNvSpPr>
+            <a:spLocks noGrp="1"/>
+          </p:cNvSpPr>
+          <p:nvPr>
+            <p:ph type="sldNum" sz="quarter" idx="12"/>
+          </p:nvPr>
+        </p:nvSpPr>
+        <p:spPr/>
+        <p:txBody>
+          <a:bodyPr/>
+          <a:lstStyle/>
+          <a:p>
+            <a:fld id="{7D9EC917-02A2-4152-9EE3-DFE2775A77C7}" type="slidenum">
+              <a:rPr lang="en-US" smtClean="0"/>
+              <a:pPr/>
+              <a:t>46</a:t>
+            </a:fld>
+            <a:endParaRPr lang="en-US" dirty="0"/>
+          </a:p>
+        </p:txBody>
+      </p:sp>
+      <p:sp>
+        <p:nvSpPr>
+          <p:cNvPr id="3" name="Rectangle 2"/>
+          <p:cNvSpPr/>
+          <p:nvPr/>
+        </p:nvSpPr>
+        <p:spPr>
+          <a:xfrm>
+            <a:off x="301925" y="1201358"/>
+            <a:ext cx="8567755" cy="45719"/>
+          </a:xfrm>
+          <a:prstGeom prst="rect">
+            <a:avLst/>
+          </a:prstGeom>
+          <a:gradFill flip="none" rotWithShape="1">
+            <a:gsLst>
+              <a:gs pos="15000">
+                <a:srgbClr val="67C7DF"/>
+              </a:gs>
+              <a:gs pos="100000">
+                <a:srgbClr val="5EB130"/>
+              </a:gs>
+            </a:gsLst>
+            <a:lin ang="0" scaled="1"/>
+            <a:tileRect/>
+          </a:gradFill>
+          <a:ln>
+            <a:noFill/>
+          </a:ln>
+        </p:spPr>
+        <p:style>
+          <a:lnRef idx="2">
+            <a:schemeClr val="accent1">
+              <a:shade val="50000"/>
+            </a:schemeClr>
+          </a:lnRef>
+          <a:fillRef idx="1">
+            <a:schemeClr val="accent1"/>
+          </a:fillRef>
+          <a:effectRef idx="0">
+            <a:schemeClr val="accent1"/>
+          </a:effectRef>
+          <a:fontRef idx="minor">
+            <a:schemeClr val="lt1"/>
+          </a:fontRef>
+        </p:style>
+        <p:txBody>
+          <a:bodyPr rtlCol="0" anchor="ctr"/>
+          <a:lstStyle/>
+          <a:p>
+            <a:pPr algn="ctr"/>
+            <a:endParaRPr lang="en-US" dirty="0"/>
+          </a:p>
+        </p:txBody>
+      </p:sp>
+      <p:sp>
+        <p:nvSpPr>
+          <p:cNvPr id="4" name="TextBox 3"/>
+          <p:cNvSpPr txBox="1"/>
+          <p:nvPr/>
+        </p:nvSpPr>
+        <p:spPr>
+          <a:xfrm>
+            <a:off x="301925" y="631628"/>
+            <a:ext cx="8767947" cy="461665"/>
+          </a:xfrm>
+          <a:prstGeom prst="rect">
+            <a:avLst/>
+          </a:prstGeom>
+          <a:noFill/>
+        </p:spPr>
+        <p:txBody>
+          <a:bodyPr wrap="square" rtlCol="0">
+            <a:spAutoFit/>
+          </a:bodyPr>
+          <a:lstStyle/>
+          <a:p>
+            <a:r>
+              <a:rPr lang="vi-VN" sz="2400" b="1" dirty="0">
+                <a:solidFill>
+                  <a:srgbClr val="64C7E9"/>
+                </a:solidFill>
+                <a:latin typeface="UTM Helve" panose="02040603050506020204" pitchFamily="18" charset="0"/>
+                <a:ea typeface="Roboto" pitchFamily="2" charset="0"/>
+              </a:rPr>
+              <a:t>2.7. Lệnh print(13 + 25) sẽ in ra kết quả là gì?</a:t>
+            </a:r>
+          </a:p>
+        </p:txBody>
+      </p:sp>
+      <p:sp>
+        <p:nvSpPr>
+          <p:cNvPr id="5" name="Oval 4"/>
+          <p:cNvSpPr/>
+          <p:nvPr/>
+        </p:nvSpPr>
+        <p:spPr>
+          <a:xfrm>
+            <a:off x="1257099" y="1751443"/>
+            <a:ext cx="365760" cy="365760"/>
+          </a:xfrm>
+          <a:prstGeom prst="ellipse">
+            <a:avLst/>
+          </a:prstGeom>
+          <a:solidFill>
+            <a:srgbClr val="CD0065"/>
+          </a:solidFill>
+          <a:ln>
+            <a:noFill/>
+          </a:ln>
+        </p:spPr>
+        <p:style>
+          <a:lnRef idx="2">
+            <a:schemeClr val="accent1">
+              <a:shade val="50000"/>
+            </a:schemeClr>
+          </a:lnRef>
+          <a:fillRef idx="1">
+            <a:schemeClr val="accent1"/>
+          </a:fillRef>
+          <a:effectRef idx="0">
+            <a:schemeClr val="accent1"/>
+          </a:effectRef>
+          <a:fontRef idx="minor">
+            <a:schemeClr val="lt1"/>
+          </a:fontRef>
+        </p:style>
+        <p:txBody>
+          <a:bodyPr rtlCol="0" anchor="ctr"/>
+          <a:lstStyle/>
+          <a:p>
+            <a:pPr algn="ctr"/>
+            <a:r>
+              <a:rPr lang="en-US" b="1" dirty="0">
+                <a:latin typeface="Arial" panose="020B0604020202020204" pitchFamily="34" charset="0"/>
+                <a:cs typeface="Arial" panose="020B0604020202020204" pitchFamily="34" charset="0"/>
+              </a:rPr>
+              <a:t>A</a:t>
+            </a:r>
+          </a:p>
+        </p:txBody>
+      </p:sp>
+      <p:sp>
+        <p:nvSpPr>
+          <p:cNvPr id="6" name="TextBox 5"/>
+          <p:cNvSpPr txBox="1"/>
+          <p:nvPr/>
+        </p:nvSpPr>
+        <p:spPr>
+          <a:xfrm>
+            <a:off x="1723824" y="1726350"/>
+            <a:ext cx="2524330" cy="369332"/>
+          </a:xfrm>
+          <a:prstGeom prst="rect">
+            <a:avLst/>
+          </a:prstGeom>
+          <a:noFill/>
+        </p:spPr>
+        <p:txBody>
+          <a:bodyPr wrap="square" rtlCol="0">
+            <a:spAutoFit/>
+          </a:bodyPr>
+          <a:lstStyle/>
+          <a:p>
+            <a:r>
+              <a:rPr lang="en-US" i="1" dirty="0"/>
+              <a:t>13 + 25</a:t>
+            </a:r>
+            <a:endParaRPr lang="en-US" dirty="0"/>
+          </a:p>
+        </p:txBody>
+      </p:sp>
+      <p:sp>
+        <p:nvSpPr>
+          <p:cNvPr id="7" name="Oval 6"/>
+          <p:cNvSpPr/>
+          <p:nvPr/>
+        </p:nvSpPr>
+        <p:spPr>
+          <a:xfrm>
+            <a:off x="1257099" y="2368663"/>
+            <a:ext cx="365760" cy="365760"/>
+          </a:xfrm>
+          <a:prstGeom prst="ellipse">
+            <a:avLst/>
+          </a:prstGeom>
+          <a:solidFill>
+            <a:srgbClr val="CD0065"/>
+          </a:solidFill>
+          <a:ln>
+            <a:noFill/>
+          </a:ln>
+        </p:spPr>
+        <p:style>
+          <a:lnRef idx="2">
+            <a:schemeClr val="accent1">
+              <a:shade val="50000"/>
+            </a:schemeClr>
+          </a:lnRef>
+          <a:fillRef idx="1">
+            <a:schemeClr val="accent1"/>
+          </a:fillRef>
+          <a:effectRef idx="0">
+            <a:schemeClr val="accent1"/>
+          </a:effectRef>
+          <a:fontRef idx="minor">
+            <a:schemeClr val="lt1"/>
+          </a:fontRef>
+        </p:style>
+        <p:txBody>
+          <a:bodyPr rtlCol="0" anchor="ctr"/>
+          <a:lstStyle/>
+          <a:p>
+            <a:pPr algn="ctr"/>
+            <a:r>
+              <a:rPr lang="en-US" b="1" dirty="0" smtClean="0">
+                <a:latin typeface="Arial" panose="020B0604020202020204" pitchFamily="34" charset="0"/>
+                <a:cs typeface="Arial" panose="020B0604020202020204" pitchFamily="34" charset="0"/>
+              </a:rPr>
+              <a:t>B</a:t>
+            </a:r>
+            <a:endParaRPr lang="en-US" b="1" dirty="0">
+              <a:latin typeface="Arial" panose="020B0604020202020204" pitchFamily="34" charset="0"/>
+              <a:cs typeface="Arial" panose="020B0604020202020204" pitchFamily="34" charset="0"/>
+            </a:endParaRPr>
+          </a:p>
+        </p:txBody>
+      </p:sp>
+      <p:sp>
+        <p:nvSpPr>
+          <p:cNvPr id="8" name="TextBox 7"/>
+          <p:cNvSpPr txBox="1"/>
+          <p:nvPr/>
+        </p:nvSpPr>
+        <p:spPr>
+          <a:xfrm>
+            <a:off x="1723824" y="2343570"/>
+            <a:ext cx="2524330" cy="369332"/>
+          </a:xfrm>
+          <a:prstGeom prst="rect">
+            <a:avLst/>
+          </a:prstGeom>
+          <a:noFill/>
+        </p:spPr>
+        <p:txBody>
+          <a:bodyPr wrap="square" rtlCol="0">
+            <a:spAutoFit/>
+          </a:bodyPr>
+          <a:lstStyle/>
+          <a:p>
+            <a:r>
+              <a:rPr lang="en-US" i="1" dirty="0"/>
+              <a:t>'13 + 25'</a:t>
+            </a:r>
+            <a:endParaRPr lang="en-US" dirty="0"/>
+          </a:p>
+        </p:txBody>
+      </p:sp>
+      <p:sp>
+        <p:nvSpPr>
+          <p:cNvPr id="9" name="Oval 8"/>
+          <p:cNvSpPr/>
+          <p:nvPr/>
+        </p:nvSpPr>
+        <p:spPr>
+          <a:xfrm>
+            <a:off x="1257099" y="3039223"/>
+            <a:ext cx="365760" cy="365760"/>
+          </a:xfrm>
+          <a:prstGeom prst="ellipse">
+            <a:avLst/>
+          </a:prstGeom>
+          <a:solidFill>
+            <a:srgbClr val="CD0065"/>
+          </a:solidFill>
+          <a:ln>
+            <a:noFill/>
+          </a:ln>
+        </p:spPr>
+        <p:style>
+          <a:lnRef idx="2">
+            <a:schemeClr val="accent1">
+              <a:shade val="50000"/>
+            </a:schemeClr>
+          </a:lnRef>
+          <a:fillRef idx="1">
+            <a:schemeClr val="accent1"/>
+          </a:fillRef>
+          <a:effectRef idx="0">
+            <a:schemeClr val="accent1"/>
+          </a:effectRef>
+          <a:fontRef idx="minor">
+            <a:schemeClr val="lt1"/>
+          </a:fontRef>
+        </p:style>
+        <p:txBody>
+          <a:bodyPr rtlCol="0" anchor="ctr"/>
+          <a:lstStyle/>
+          <a:p>
+            <a:pPr algn="ctr"/>
+            <a:r>
+              <a:rPr lang="en-US" b="1" dirty="0" smtClean="0">
+                <a:latin typeface="Arial" panose="020B0604020202020204" pitchFamily="34" charset="0"/>
+                <a:cs typeface="Arial" panose="020B0604020202020204" pitchFamily="34" charset="0"/>
+              </a:rPr>
+              <a:t>C</a:t>
+            </a:r>
+            <a:endParaRPr lang="en-US" b="1" dirty="0">
+              <a:latin typeface="Arial" panose="020B0604020202020204" pitchFamily="34" charset="0"/>
+              <a:cs typeface="Arial" panose="020B0604020202020204" pitchFamily="34" charset="0"/>
+            </a:endParaRPr>
+          </a:p>
+        </p:txBody>
+      </p:sp>
+      <p:sp>
+        <p:nvSpPr>
+          <p:cNvPr id="10" name="TextBox 9"/>
+          <p:cNvSpPr txBox="1"/>
+          <p:nvPr/>
+        </p:nvSpPr>
+        <p:spPr>
+          <a:xfrm>
+            <a:off x="1723824" y="3014130"/>
+            <a:ext cx="2524330" cy="369332"/>
+          </a:xfrm>
+          <a:prstGeom prst="rect">
+            <a:avLst/>
+          </a:prstGeom>
+          <a:noFill/>
+        </p:spPr>
+        <p:txBody>
+          <a:bodyPr wrap="square" rtlCol="0">
+            <a:spAutoFit/>
+          </a:bodyPr>
+          <a:lstStyle/>
+          <a:p>
+            <a:r>
+              <a:rPr lang="en-US" i="1" dirty="0"/>
+              <a:t>38</a:t>
+            </a:r>
+            <a:endParaRPr lang="en-US" dirty="0"/>
+          </a:p>
+        </p:txBody>
+      </p:sp>
+      <p:sp>
+        <p:nvSpPr>
+          <p:cNvPr id="11" name="Oval 10"/>
+          <p:cNvSpPr/>
+          <p:nvPr/>
+        </p:nvSpPr>
+        <p:spPr>
+          <a:xfrm>
+            <a:off x="1257099" y="3709783"/>
+            <a:ext cx="365760" cy="365760"/>
+          </a:xfrm>
+          <a:prstGeom prst="ellipse">
+            <a:avLst/>
+          </a:prstGeom>
+          <a:solidFill>
+            <a:srgbClr val="CD0065"/>
+          </a:solidFill>
+          <a:ln>
+            <a:noFill/>
+          </a:ln>
+        </p:spPr>
+        <p:style>
+          <a:lnRef idx="2">
+            <a:schemeClr val="accent1">
+              <a:shade val="50000"/>
+            </a:schemeClr>
+          </a:lnRef>
+          <a:fillRef idx="1">
+            <a:schemeClr val="accent1"/>
+          </a:fillRef>
+          <a:effectRef idx="0">
+            <a:schemeClr val="accent1"/>
+          </a:effectRef>
+          <a:fontRef idx="minor">
+            <a:schemeClr val="lt1"/>
+          </a:fontRef>
+        </p:style>
+        <p:txBody>
+          <a:bodyPr rtlCol="0" anchor="ctr"/>
+          <a:lstStyle/>
+          <a:p>
+            <a:pPr algn="ctr"/>
+            <a:r>
+              <a:rPr lang="en-US" b="1" dirty="0" smtClean="0">
+                <a:latin typeface="Arial" panose="020B0604020202020204" pitchFamily="34" charset="0"/>
+                <a:cs typeface="Arial" panose="020B0604020202020204" pitchFamily="34" charset="0"/>
+              </a:rPr>
+              <a:t>D</a:t>
+            </a:r>
+            <a:endParaRPr lang="en-US" b="1" dirty="0">
+              <a:latin typeface="Arial" panose="020B0604020202020204" pitchFamily="34" charset="0"/>
+              <a:cs typeface="Arial" panose="020B0604020202020204" pitchFamily="34" charset="0"/>
+            </a:endParaRPr>
+          </a:p>
+        </p:txBody>
+      </p:sp>
+      <p:sp>
+        <p:nvSpPr>
+          <p:cNvPr id="12" name="TextBox 11"/>
+          <p:cNvSpPr txBox="1"/>
+          <p:nvPr/>
+        </p:nvSpPr>
+        <p:spPr>
+          <a:xfrm>
+            <a:off x="1723824" y="3684690"/>
+            <a:ext cx="2524330" cy="369332"/>
+          </a:xfrm>
+          <a:prstGeom prst="rect">
+            <a:avLst/>
+          </a:prstGeom>
+          <a:noFill/>
+        </p:spPr>
+        <p:txBody>
+          <a:bodyPr wrap="square" rtlCol="0">
+            <a:spAutoFit/>
+          </a:bodyPr>
+          <a:lstStyle/>
+          <a:p>
+            <a:r>
+              <a:rPr lang="en-US" i="1" dirty="0"/>
+              <a:t>'38'</a:t>
+            </a:r>
+            <a:endParaRPr lang="en-US" dirty="0"/>
+          </a:p>
+        </p:txBody>
+      </p:sp>
+      <p:sp>
+        <p:nvSpPr>
+          <p:cNvPr id="13" name="TextBox 12"/>
+          <p:cNvSpPr txBox="1"/>
+          <p:nvPr/>
+        </p:nvSpPr>
+        <p:spPr>
+          <a:xfrm>
+            <a:off x="3507972" y="1726350"/>
+            <a:ext cx="1995054" cy="923330"/>
+          </a:xfrm>
+          <a:prstGeom prst="rect">
+            <a:avLst/>
+          </a:prstGeom>
+          <a:noFill/>
+        </p:spPr>
+        <p:txBody>
+          <a:bodyPr wrap="square" rtlCol="0">
+            <a:spAutoFit/>
+          </a:bodyPr>
+          <a:lstStyle/>
+          <a:p>
+            <a:r>
+              <a:rPr lang="en-US" i="1" u="sng" dirty="0" smtClean="0">
+                <a:solidFill>
+                  <a:schemeClr val="accent5"/>
+                </a:solidFill>
+              </a:rPr>
+              <a:t>Đáp án</a:t>
+            </a:r>
+            <a:r>
+              <a:rPr lang="en-US" i="1" dirty="0" smtClean="0">
+                <a:solidFill>
+                  <a:schemeClr val="accent5"/>
+                </a:solidFill>
+              </a:rPr>
+              <a:t>: </a:t>
+            </a:r>
+            <a:r>
+              <a:rPr lang="en-US" dirty="0" smtClean="0"/>
+              <a:t>C.</a:t>
+            </a:r>
+            <a:endParaRPr lang="en-US" dirty="0"/>
+          </a:p>
+          <a:p>
+            <a:r>
+              <a:rPr lang="en-US" i="1" dirty="0" smtClean="0">
+                <a:solidFill>
+                  <a:schemeClr val="accent5"/>
+                </a:solidFill>
+              </a:rPr>
+              <a:t> </a:t>
+            </a:r>
+            <a:endParaRPr lang="en-US" i="1" dirty="0">
+              <a:solidFill>
+                <a:schemeClr val="accent5"/>
+              </a:solidFill>
+            </a:endParaRPr>
+          </a:p>
+          <a:p>
+            <a:endParaRPr lang="en-US" dirty="0"/>
+          </a:p>
+        </p:txBody>
+      </p:sp>
+      <p:pic>
+        <p:nvPicPr>
+          <p:cNvPr id="22" name="Picture 21"/>
+          <p:cNvPicPr>
+            <a:picLocks noChangeAspect="1"/>
+          </p:cNvPicPr>
+          <p:nvPr/>
+        </p:nvPicPr>
+        <p:blipFill>
+          <a:blip r:embed="rId2">
+            <a:extLst>
+              <a:ext uri="{28A0092B-C50C-407E-A947-70E740481C1C}">
+                <a14:useLocalDpi xmlns:a14="http://schemas.microsoft.com/office/drawing/2010/main" val="0"/>
+              </a:ext>
+            </a:extLst>
+          </a:blip>
+          <a:stretch>
+            <a:fillRect/>
+          </a:stretch>
+        </p:blipFill>
+        <p:spPr>
+          <a:xfrm>
+            <a:off x="5767874" y="1797607"/>
+            <a:ext cx="1714739" cy="466790"/>
+          </a:xfrm>
+          <a:prstGeom prst="rect">
+            <a:avLst/>
+          </a:prstGeom>
+        </p:spPr>
+      </p:pic>
+      <p:pic>
+        <p:nvPicPr>
+          <p:cNvPr id="23" name="Picture 22"/>
+          <p:cNvPicPr>
+            <a:picLocks noChangeAspect="1"/>
+          </p:cNvPicPr>
+          <p:nvPr/>
+        </p:nvPicPr>
+        <p:blipFill>
+          <a:blip r:embed="rId3">
+            <a:extLst>
+              <a:ext uri="{28A0092B-C50C-407E-A947-70E740481C1C}">
+                <a14:useLocalDpi xmlns:a14="http://schemas.microsoft.com/office/drawing/2010/main" val="0"/>
+              </a:ext>
+            </a:extLst>
+          </a:blip>
+          <a:stretch>
+            <a:fillRect/>
+          </a:stretch>
+        </p:blipFill>
+        <p:spPr>
+          <a:xfrm>
+            <a:off x="5767874" y="2551543"/>
+            <a:ext cx="495369" cy="304843"/>
+          </a:xfrm>
+          <a:prstGeom prst="rect">
+            <a:avLst/>
+          </a:prstGeom>
+        </p:spPr>
+      </p:pic>
+    </p:spTree>
+    <p:extLst>
+      <p:ext uri="{BB962C8B-B14F-4D97-AF65-F5344CB8AC3E}">
+        <p14:creationId xmlns:p14="http://schemas.microsoft.com/office/powerpoint/2010/main" val="3746080258"/>
+      </p:ext>
+    </p:extLst>
+  </p:cSld>
+  <p:clrMapOvr>
+    <a:masterClrMapping/>
+  </p:clrMapOvr>
+  <mc:AlternateContent xmlns:mc="http://schemas.openxmlformats.org/markup-compatibility/2006" xmlns:p14="http://schemas.microsoft.com/office/powerpoint/2010/main">
+    <mc:Choice Requires="p14">
+      <p:transition spd="slow" p14:dur="2000"/>
+    </mc:Choice>
+    <mc:Fallback xmlns="">
+      <p:transition spd="slow"/>
+    </mc:Fallback>
+  </mc:AlternateContent>
   <p:timing>
     <p:tnLst>
       <p:par>
@@ -10776,13 +15366,6 @@
               </a:rPr>
               <a:t>. Nhóm lệnh print("Hà Nội"); print("Việt Nam") sẽ in ra kết quả như thế nào?</a:t>
             </a:r>
-            <a:endParaRPr lang="vi-VN" sz="2400" b="1" dirty="0">
-              <a:solidFill>
-                <a:srgbClr val="64C7E9"/>
-              </a:solidFill>
-              <a:latin typeface="UTM Helve" panose="02040603050506020204" pitchFamily="18" charset="0"/>
-              <a:ea typeface="Roboto" pitchFamily="2" charset="0"/>
-            </a:endParaRPr>
           </a:p>
         </p:txBody>
       </p:sp>
@@ -11176,15 +15759,7 @@
                   <a:schemeClr val="accent5"/>
                 </a:solidFill>
               </a:rPr>
-              <a:t>: </a:t>
-            </a:r>
-            <a:r>
-              <a:rPr lang="en-US" i="1" dirty="0" smtClean="0">
-                <a:solidFill>
-                  <a:schemeClr val="accent5"/>
-                </a:solidFill>
-              </a:rPr>
-              <a:t>D</a:t>
+              <a:t>: D</a:t>
             </a:r>
             <a:endParaRPr lang="en-US" i="1" dirty="0">
               <a:solidFill>
@@ -11264,11 +15839,11 @@
   <p:clrMapOvr>
     <a:masterClrMapping/>
   </p:clrMapOvr>
-  <mc:AlternateContent xmlns:mc="http://schemas.openxmlformats.org/markup-compatibility/2006">
-    <mc:Choice xmlns:p14="http://schemas.microsoft.com/office/powerpoint/2010/main" Requires="p14">
+  <mc:AlternateContent xmlns:mc="http://schemas.openxmlformats.org/markup-compatibility/2006" xmlns:p14="http://schemas.microsoft.com/office/powerpoint/2010/main">
+    <mc:Choice Requires="p14">
       <p:transition spd="slow" p14:dur="2000"/>
     </mc:Choice>
-    <mc:Fallback>
+    <mc:Fallback xmlns="">
       <p:transition spd="slow"/>
     </mc:Fallback>
   </mc:AlternateContent>
@@ -11410,13 +15985,6 @@
               </a:rPr>
               <a:t>1.5. Lệnh print('Xin chào bạn"') sẽ in ra kết quả như thế nào?</a:t>
             </a:r>
-            <a:endParaRPr lang="vi-VN" sz="2400" b="1" dirty="0">
-              <a:solidFill>
-                <a:srgbClr val="64C7E9"/>
-              </a:solidFill>
-              <a:latin typeface="UTM Helve" panose="02040603050506020204" pitchFamily="18" charset="0"/>
-              <a:ea typeface="Roboto" pitchFamily="2" charset="0"/>
-            </a:endParaRPr>
           </a:p>
         </p:txBody>
       </p:sp>
@@ -11568,13 +16136,6 @@
               </a:rPr>
               <a:t>1.5. Lệnh print('Xin chào bạn"') sẽ in ra kết quả như thế nào?</a:t>
             </a:r>
-            <a:endParaRPr lang="vi-VN" sz="2400" b="1" dirty="0">
-              <a:solidFill>
-                <a:srgbClr val="64C7E9"/>
-              </a:solidFill>
-              <a:latin typeface="UTM Helve" panose="02040603050506020204" pitchFamily="18" charset="0"/>
-              <a:ea typeface="Roboto" pitchFamily="2" charset="0"/>
-            </a:endParaRPr>
           </a:p>
         </p:txBody>
       </p:sp>
@@ -11824,13 +16385,6 @@
               </a:rPr>
               <a:t>1.8. Các lệnh gán sau đây là đúng hay sai trong Python:</a:t>
             </a:r>
-            <a:endParaRPr lang="vi-VN" sz="2400" b="1" dirty="0">
-              <a:solidFill>
-                <a:srgbClr val="64C7E9"/>
-              </a:solidFill>
-              <a:latin typeface="UTM Helve" panose="02040603050506020204" pitchFamily="18" charset="0"/>
-              <a:ea typeface="Roboto" pitchFamily="2" charset="0"/>
-            </a:endParaRPr>
           </a:p>
         </p:txBody>
       </p:sp>
@@ -12313,10 +16867,6 @@
               </a:rPr>
               <a:t>F</a:t>
             </a:r>
-            <a:endParaRPr lang="en-US" b="1" dirty="0">
-              <a:latin typeface="Arial" panose="020B0604020202020204" pitchFamily="34" charset="0"/>
-              <a:cs typeface="Arial" panose="020B0604020202020204" pitchFamily="34" charset="0"/>
-            </a:endParaRPr>
           </a:p>
         </p:txBody>
       </p:sp>
@@ -12360,11 +16910,11 @@
   <p:clrMapOvr>
     <a:masterClrMapping/>
   </p:clrMapOvr>
-  <mc:AlternateContent xmlns:mc="http://schemas.openxmlformats.org/markup-compatibility/2006">
-    <mc:Choice xmlns:p14="http://schemas.microsoft.com/office/powerpoint/2010/main" Requires="p14">
+  <mc:AlternateContent xmlns:mc="http://schemas.openxmlformats.org/markup-compatibility/2006" xmlns:p14="http://schemas.microsoft.com/office/powerpoint/2010/main">
+    <mc:Choice Requires="p14">
       <p:transition spd="slow" p14:dur="2000"/>
     </mc:Choice>
-    <mc:Fallback>
+    <mc:Fallback xmlns="">
       <p:transition spd="slow"/>
     </mc:Fallback>
   </mc:AlternateContent>
@@ -12506,13 +17056,6 @@
               </a:rPr>
               <a:t>1.8. Các lệnh gán sau đây là đúng hay sai trong Python:</a:t>
             </a:r>
-            <a:endParaRPr lang="vi-VN" sz="2400" b="1" dirty="0">
-              <a:solidFill>
-                <a:srgbClr val="64C7E9"/>
-              </a:solidFill>
-              <a:latin typeface="UTM Helve" panose="02040603050506020204" pitchFamily="18" charset="0"/>
-              <a:ea typeface="Roboto" pitchFamily="2" charset="0"/>
-            </a:endParaRPr>
           </a:p>
         </p:txBody>
       </p:sp>
@@ -12896,15 +17439,7 @@
                   <a:schemeClr val="accent5"/>
                 </a:solidFill>
               </a:rPr>
-              <a:t>: </a:t>
-            </a:r>
-            <a:r>
-              <a:rPr lang="en-US" i="1" dirty="0" smtClean="0">
-                <a:solidFill>
-                  <a:schemeClr val="accent5"/>
-                </a:solidFill>
-              </a:rPr>
-              <a:t>	</a:t>
+              <a:t>: 	</a:t>
             </a:r>
             <a:r>
               <a:rPr lang="fi-FI" dirty="0" smtClean="0"/>
@@ -13075,10 +17610,6 @@
               </a:rPr>
               <a:t>F</a:t>
             </a:r>
-            <a:endParaRPr lang="en-US" b="1" dirty="0">
-              <a:latin typeface="Arial" panose="020B0604020202020204" pitchFamily="34" charset="0"/>
-              <a:cs typeface="Arial" panose="020B0604020202020204" pitchFamily="34" charset="0"/>
-            </a:endParaRPr>
           </a:p>
         </p:txBody>
       </p:sp>
@@ -13122,11 +17653,11 @@
   <p:clrMapOvr>
     <a:masterClrMapping/>
   </p:clrMapOvr>
-  <mc:AlternateContent xmlns:mc="http://schemas.openxmlformats.org/markup-compatibility/2006">
-    <mc:Choice xmlns:p14="http://schemas.microsoft.com/office/powerpoint/2010/main" Requires="p14">
+  <mc:AlternateContent xmlns:mc="http://schemas.openxmlformats.org/markup-compatibility/2006" xmlns:p14="http://schemas.microsoft.com/office/powerpoint/2010/main">
+    <mc:Choice Requires="p14">
       <p:transition spd="slow" p14:dur="2000"/>
     </mc:Choice>
-    <mc:Fallback>
+    <mc:Fallback xmlns="">
       <p:transition spd="slow"/>
     </mc:Fallback>
   </mc:AlternateContent>

--- a/documents/slides/Chuong-02-Lam-Quen-Voi-Moi-Truong-Tuong-Tac-Python.pptx
+++ b/documents/slides/Chuong-02-Lam-Quen-Voi-Moi-Truong-Tuong-Tac-Python.pptx
@@ -5,7 +5,7 @@
     <p:sldMasterId id="2147483660" r:id="rId1"/>
   </p:sldMasterIdLst>
   <p:notesMasterIdLst>
-    <p:notesMasterId r:id="rId48"/>
+    <p:notesMasterId r:id="rId50"/>
   </p:notesMasterIdLst>
   <p:sldIdLst>
     <p:sldId id="256" r:id="rId2"/>
@@ -54,6 +54,8 @@
     <p:sldId id="315" r:id="rId45"/>
     <p:sldId id="316" r:id="rId46"/>
     <p:sldId id="317" r:id="rId47"/>
+    <p:sldId id="318" r:id="rId48"/>
+    <p:sldId id="319" r:id="rId49"/>
   </p:sldIdLst>
   <p:sldSz cx="9144000" cy="6858000" type="screen4x3"/>
   <p:notesSz cx="6858000" cy="9144000"/>
@@ -15194,6 +15196,1390 @@
     <p:extLst>
       <p:ext uri="{BB962C8B-B14F-4D97-AF65-F5344CB8AC3E}">
         <p14:creationId xmlns:p14="http://schemas.microsoft.com/office/powerpoint/2010/main" val="3746080258"/>
+      </p:ext>
+    </p:extLst>
+  </p:cSld>
+  <p:clrMapOvr>
+    <a:masterClrMapping/>
+  </p:clrMapOvr>
+  <mc:AlternateContent xmlns:mc="http://schemas.openxmlformats.org/markup-compatibility/2006" xmlns:p14="http://schemas.microsoft.com/office/powerpoint/2010/main">
+    <mc:Choice Requires="p14">
+      <p:transition spd="slow" p14:dur="2000"/>
+    </mc:Choice>
+    <mc:Fallback xmlns="">
+      <p:transition spd="slow"/>
+    </mc:Fallback>
+  </mc:AlternateContent>
+  <p:timing>
+    <p:tnLst>
+      <p:par>
+        <p:cTn id="1" dur="indefinite" restart="never" nodeType="tmRoot"/>
+      </p:par>
+    </p:tnLst>
+  </p:timing>
+</p:sld>
+</file>
+
+<file path=ppt/slides/slide47.xml><?xml version="1.0" encoding="utf-8"?>
+<p:sld xmlns:a="http://schemas.openxmlformats.org/drawingml/2006/main" xmlns:r="http://schemas.openxmlformats.org/officeDocument/2006/relationships" xmlns:p="http://schemas.openxmlformats.org/presentationml/2006/main">
+  <p:cSld>
+    <p:spTree>
+      <p:nvGrpSpPr>
+        <p:cNvPr id="1" name=""/>
+        <p:cNvGrpSpPr/>
+        <p:nvPr/>
+      </p:nvGrpSpPr>
+      <p:grpSpPr>
+        <a:xfrm>
+          <a:off x="0" y="0"/>
+          <a:ext cx="0" cy="0"/>
+          <a:chOff x="0" y="0"/>
+          <a:chExt cx="0" cy="0"/>
+        </a:xfrm>
+      </p:grpSpPr>
+      <p:sp>
+        <p:nvSpPr>
+          <p:cNvPr id="2" name="Slide Number Placeholder 1"/>
+          <p:cNvSpPr>
+            <a:spLocks noGrp="1"/>
+          </p:cNvSpPr>
+          <p:nvPr>
+            <p:ph type="sldNum" sz="quarter" idx="12"/>
+          </p:nvPr>
+        </p:nvSpPr>
+        <p:spPr/>
+        <p:txBody>
+          <a:bodyPr/>
+          <a:lstStyle/>
+          <a:p>
+            <a:fld id="{7D9EC917-02A2-4152-9EE3-DFE2775A77C7}" type="slidenum">
+              <a:rPr lang="en-US" smtClean="0"/>
+              <a:pPr/>
+              <a:t>47</a:t>
+            </a:fld>
+            <a:endParaRPr lang="en-US" dirty="0"/>
+          </a:p>
+        </p:txBody>
+      </p:sp>
+      <p:sp>
+        <p:nvSpPr>
+          <p:cNvPr id="3" name="Rectangle 2"/>
+          <p:cNvSpPr/>
+          <p:nvPr/>
+        </p:nvSpPr>
+        <p:spPr>
+          <a:xfrm>
+            <a:off x="301925" y="1201358"/>
+            <a:ext cx="8567755" cy="45719"/>
+          </a:xfrm>
+          <a:prstGeom prst="rect">
+            <a:avLst/>
+          </a:prstGeom>
+          <a:gradFill flip="none" rotWithShape="1">
+            <a:gsLst>
+              <a:gs pos="15000">
+                <a:srgbClr val="67C7DF"/>
+              </a:gs>
+              <a:gs pos="100000">
+                <a:srgbClr val="5EB130"/>
+              </a:gs>
+            </a:gsLst>
+            <a:lin ang="0" scaled="1"/>
+            <a:tileRect/>
+          </a:gradFill>
+          <a:ln>
+            <a:noFill/>
+          </a:ln>
+        </p:spPr>
+        <p:style>
+          <a:lnRef idx="2">
+            <a:schemeClr val="accent1">
+              <a:shade val="50000"/>
+            </a:schemeClr>
+          </a:lnRef>
+          <a:fillRef idx="1">
+            <a:schemeClr val="accent1"/>
+          </a:fillRef>
+          <a:effectRef idx="0">
+            <a:schemeClr val="accent1"/>
+          </a:effectRef>
+          <a:fontRef idx="minor">
+            <a:schemeClr val="lt1"/>
+          </a:fontRef>
+        </p:style>
+        <p:txBody>
+          <a:bodyPr rtlCol="0" anchor="ctr"/>
+          <a:lstStyle/>
+          <a:p>
+            <a:pPr algn="ctr"/>
+            <a:endParaRPr lang="en-US" dirty="0"/>
+          </a:p>
+        </p:txBody>
+      </p:sp>
+      <p:sp>
+        <p:nvSpPr>
+          <p:cNvPr id="4" name="TextBox 3"/>
+          <p:cNvSpPr txBox="1"/>
+          <p:nvPr/>
+        </p:nvSpPr>
+        <p:spPr>
+          <a:xfrm>
+            <a:off x="301925" y="631628"/>
+            <a:ext cx="8767947" cy="461665"/>
+          </a:xfrm>
+          <a:prstGeom prst="rect">
+            <a:avLst/>
+          </a:prstGeom>
+          <a:noFill/>
+        </p:spPr>
+        <p:txBody>
+          <a:bodyPr wrap="square" rtlCol="0">
+            <a:spAutoFit/>
+          </a:bodyPr>
+          <a:lstStyle/>
+          <a:p>
+            <a:r>
+              <a:rPr lang="vi-VN" sz="2400" b="1" dirty="0">
+                <a:solidFill>
+                  <a:srgbClr val="64C7E9"/>
+                </a:solidFill>
+                <a:latin typeface="UTM Helve" panose="02040603050506020204" pitchFamily="18" charset="0"/>
+                <a:ea typeface="Roboto" pitchFamily="2" charset="0"/>
+              </a:rPr>
+              <a:t>2.8. Đặt tên biến nhớ như sau có được không?</a:t>
+            </a:r>
+          </a:p>
+        </p:txBody>
+      </p:sp>
+      <p:sp>
+        <p:nvSpPr>
+          <p:cNvPr id="5" name="Oval 4"/>
+          <p:cNvSpPr/>
+          <p:nvPr/>
+        </p:nvSpPr>
+        <p:spPr>
+          <a:xfrm>
+            <a:off x="3252153" y="2275143"/>
+            <a:ext cx="365760" cy="365760"/>
+          </a:xfrm>
+          <a:prstGeom prst="ellipse">
+            <a:avLst/>
+          </a:prstGeom>
+          <a:solidFill>
+            <a:srgbClr val="CD0065"/>
+          </a:solidFill>
+          <a:ln>
+            <a:noFill/>
+          </a:ln>
+        </p:spPr>
+        <p:style>
+          <a:lnRef idx="2">
+            <a:schemeClr val="accent1">
+              <a:shade val="50000"/>
+            </a:schemeClr>
+          </a:lnRef>
+          <a:fillRef idx="1">
+            <a:schemeClr val="accent1"/>
+          </a:fillRef>
+          <a:effectRef idx="0">
+            <a:schemeClr val="accent1"/>
+          </a:effectRef>
+          <a:fontRef idx="minor">
+            <a:schemeClr val="lt1"/>
+          </a:fontRef>
+        </p:style>
+        <p:txBody>
+          <a:bodyPr rtlCol="0" anchor="ctr"/>
+          <a:lstStyle/>
+          <a:p>
+            <a:pPr algn="ctr"/>
+            <a:r>
+              <a:rPr lang="en-US" b="1" dirty="0">
+                <a:latin typeface="Arial" panose="020B0604020202020204" pitchFamily="34" charset="0"/>
+                <a:cs typeface="Arial" panose="020B0604020202020204" pitchFamily="34" charset="0"/>
+              </a:rPr>
+              <a:t>A</a:t>
+            </a:r>
+          </a:p>
+        </p:txBody>
+      </p:sp>
+      <p:sp>
+        <p:nvSpPr>
+          <p:cNvPr id="6" name="TextBox 5"/>
+          <p:cNvSpPr txBox="1"/>
+          <p:nvPr/>
+        </p:nvSpPr>
+        <p:spPr>
+          <a:xfrm>
+            <a:off x="3718878" y="2250050"/>
+            <a:ext cx="2524330" cy="369332"/>
+          </a:xfrm>
+          <a:prstGeom prst="rect">
+            <a:avLst/>
+          </a:prstGeom>
+          <a:noFill/>
+        </p:spPr>
+        <p:txBody>
+          <a:bodyPr wrap="square" rtlCol="0">
+            <a:spAutoFit/>
+          </a:bodyPr>
+          <a:lstStyle/>
+          <a:p>
+            <a:r>
+              <a:rPr lang="en-US" i="1" dirty="0"/>
+              <a:t>a-b-c</a:t>
+            </a:r>
+            <a:endParaRPr lang="en-US" dirty="0"/>
+          </a:p>
+        </p:txBody>
+      </p:sp>
+      <p:sp>
+        <p:nvSpPr>
+          <p:cNvPr id="7" name="Oval 6"/>
+          <p:cNvSpPr/>
+          <p:nvPr/>
+        </p:nvSpPr>
+        <p:spPr>
+          <a:xfrm>
+            <a:off x="3252153" y="2892363"/>
+            <a:ext cx="365760" cy="365760"/>
+          </a:xfrm>
+          <a:prstGeom prst="ellipse">
+            <a:avLst/>
+          </a:prstGeom>
+          <a:solidFill>
+            <a:srgbClr val="CD0065"/>
+          </a:solidFill>
+          <a:ln>
+            <a:noFill/>
+          </a:ln>
+        </p:spPr>
+        <p:style>
+          <a:lnRef idx="2">
+            <a:schemeClr val="accent1">
+              <a:shade val="50000"/>
+            </a:schemeClr>
+          </a:lnRef>
+          <a:fillRef idx="1">
+            <a:schemeClr val="accent1"/>
+          </a:fillRef>
+          <a:effectRef idx="0">
+            <a:schemeClr val="accent1"/>
+          </a:effectRef>
+          <a:fontRef idx="minor">
+            <a:schemeClr val="lt1"/>
+          </a:fontRef>
+        </p:style>
+        <p:txBody>
+          <a:bodyPr rtlCol="0" anchor="ctr"/>
+          <a:lstStyle/>
+          <a:p>
+            <a:pPr algn="ctr"/>
+            <a:r>
+              <a:rPr lang="en-US" b="1" dirty="0" smtClean="0">
+                <a:latin typeface="Arial" panose="020B0604020202020204" pitchFamily="34" charset="0"/>
+                <a:cs typeface="Arial" panose="020B0604020202020204" pitchFamily="34" charset="0"/>
+              </a:rPr>
+              <a:t>B</a:t>
+            </a:r>
+            <a:endParaRPr lang="en-US" b="1" dirty="0">
+              <a:latin typeface="Arial" panose="020B0604020202020204" pitchFamily="34" charset="0"/>
+              <a:cs typeface="Arial" panose="020B0604020202020204" pitchFamily="34" charset="0"/>
+            </a:endParaRPr>
+          </a:p>
+        </p:txBody>
+      </p:sp>
+      <p:sp>
+        <p:nvSpPr>
+          <p:cNvPr id="8" name="TextBox 7"/>
+          <p:cNvSpPr txBox="1"/>
+          <p:nvPr/>
+        </p:nvSpPr>
+        <p:spPr>
+          <a:xfrm>
+            <a:off x="3718878" y="2867270"/>
+            <a:ext cx="2524330" cy="369332"/>
+          </a:xfrm>
+          <a:prstGeom prst="rect">
+            <a:avLst/>
+          </a:prstGeom>
+          <a:noFill/>
+        </p:spPr>
+        <p:txBody>
+          <a:bodyPr wrap="square" rtlCol="0">
+            <a:spAutoFit/>
+          </a:bodyPr>
+          <a:lstStyle/>
+          <a:p>
+            <a:r>
+              <a:rPr lang="en-US" i="1" dirty="0"/>
+              <a:t>a_b_c</a:t>
+            </a:r>
+            <a:endParaRPr lang="en-US" dirty="0"/>
+          </a:p>
+        </p:txBody>
+      </p:sp>
+      <p:sp>
+        <p:nvSpPr>
+          <p:cNvPr id="9" name="Oval 8"/>
+          <p:cNvSpPr/>
+          <p:nvPr/>
+        </p:nvSpPr>
+        <p:spPr>
+          <a:xfrm>
+            <a:off x="3252153" y="3562923"/>
+            <a:ext cx="365760" cy="365760"/>
+          </a:xfrm>
+          <a:prstGeom prst="ellipse">
+            <a:avLst/>
+          </a:prstGeom>
+          <a:solidFill>
+            <a:srgbClr val="CD0065"/>
+          </a:solidFill>
+          <a:ln>
+            <a:noFill/>
+          </a:ln>
+        </p:spPr>
+        <p:style>
+          <a:lnRef idx="2">
+            <a:schemeClr val="accent1">
+              <a:shade val="50000"/>
+            </a:schemeClr>
+          </a:lnRef>
+          <a:fillRef idx="1">
+            <a:schemeClr val="accent1"/>
+          </a:fillRef>
+          <a:effectRef idx="0">
+            <a:schemeClr val="accent1"/>
+          </a:effectRef>
+          <a:fontRef idx="minor">
+            <a:schemeClr val="lt1"/>
+          </a:fontRef>
+        </p:style>
+        <p:txBody>
+          <a:bodyPr rtlCol="0" anchor="ctr"/>
+          <a:lstStyle/>
+          <a:p>
+            <a:pPr algn="ctr"/>
+            <a:r>
+              <a:rPr lang="en-US" b="1" dirty="0" smtClean="0">
+                <a:latin typeface="Arial" panose="020B0604020202020204" pitchFamily="34" charset="0"/>
+                <a:cs typeface="Arial" panose="020B0604020202020204" pitchFamily="34" charset="0"/>
+              </a:rPr>
+              <a:t>C</a:t>
+            </a:r>
+            <a:endParaRPr lang="en-US" b="1" dirty="0">
+              <a:latin typeface="Arial" panose="020B0604020202020204" pitchFamily="34" charset="0"/>
+              <a:cs typeface="Arial" panose="020B0604020202020204" pitchFamily="34" charset="0"/>
+            </a:endParaRPr>
+          </a:p>
+        </p:txBody>
+      </p:sp>
+      <p:sp>
+        <p:nvSpPr>
+          <p:cNvPr id="10" name="TextBox 9"/>
+          <p:cNvSpPr txBox="1"/>
+          <p:nvPr/>
+        </p:nvSpPr>
+        <p:spPr>
+          <a:xfrm>
+            <a:off x="3718878" y="3537830"/>
+            <a:ext cx="2524330" cy="369332"/>
+          </a:xfrm>
+          <a:prstGeom prst="rect">
+            <a:avLst/>
+          </a:prstGeom>
+          <a:noFill/>
+        </p:spPr>
+        <p:txBody>
+          <a:bodyPr wrap="square" rtlCol="0">
+            <a:spAutoFit/>
+          </a:bodyPr>
+          <a:lstStyle/>
+          <a:p>
+            <a:r>
+              <a:rPr lang="en-US" i="1" dirty="0"/>
+              <a:t>__abc__</a:t>
+            </a:r>
+            <a:endParaRPr lang="en-US" dirty="0"/>
+          </a:p>
+        </p:txBody>
+      </p:sp>
+      <p:sp>
+        <p:nvSpPr>
+          <p:cNvPr id="11" name="Oval 10"/>
+          <p:cNvSpPr/>
+          <p:nvPr/>
+        </p:nvSpPr>
+        <p:spPr>
+          <a:xfrm>
+            <a:off x="3252153" y="4233483"/>
+            <a:ext cx="365760" cy="365760"/>
+          </a:xfrm>
+          <a:prstGeom prst="ellipse">
+            <a:avLst/>
+          </a:prstGeom>
+          <a:solidFill>
+            <a:srgbClr val="CD0065"/>
+          </a:solidFill>
+          <a:ln>
+            <a:noFill/>
+          </a:ln>
+        </p:spPr>
+        <p:style>
+          <a:lnRef idx="2">
+            <a:schemeClr val="accent1">
+              <a:shade val="50000"/>
+            </a:schemeClr>
+          </a:lnRef>
+          <a:fillRef idx="1">
+            <a:schemeClr val="accent1"/>
+          </a:fillRef>
+          <a:effectRef idx="0">
+            <a:schemeClr val="accent1"/>
+          </a:effectRef>
+          <a:fontRef idx="minor">
+            <a:schemeClr val="lt1"/>
+          </a:fontRef>
+        </p:style>
+        <p:txBody>
+          <a:bodyPr rtlCol="0" anchor="ctr"/>
+          <a:lstStyle/>
+          <a:p>
+            <a:pPr algn="ctr"/>
+            <a:r>
+              <a:rPr lang="en-US" b="1" dirty="0" smtClean="0">
+                <a:latin typeface="Arial" panose="020B0604020202020204" pitchFamily="34" charset="0"/>
+                <a:cs typeface="Arial" panose="020B0604020202020204" pitchFamily="34" charset="0"/>
+              </a:rPr>
+              <a:t>D</a:t>
+            </a:r>
+            <a:endParaRPr lang="en-US" b="1" dirty="0">
+              <a:latin typeface="Arial" panose="020B0604020202020204" pitchFamily="34" charset="0"/>
+              <a:cs typeface="Arial" panose="020B0604020202020204" pitchFamily="34" charset="0"/>
+            </a:endParaRPr>
+          </a:p>
+        </p:txBody>
+      </p:sp>
+      <p:sp>
+        <p:nvSpPr>
+          <p:cNvPr id="12" name="TextBox 11"/>
+          <p:cNvSpPr txBox="1"/>
+          <p:nvPr/>
+        </p:nvSpPr>
+        <p:spPr>
+          <a:xfrm>
+            <a:off x="3718878" y="4208390"/>
+            <a:ext cx="2524330" cy="369332"/>
+          </a:xfrm>
+          <a:prstGeom prst="rect">
+            <a:avLst/>
+          </a:prstGeom>
+          <a:noFill/>
+        </p:spPr>
+        <p:txBody>
+          <a:bodyPr wrap="square" rtlCol="0">
+            <a:spAutoFit/>
+          </a:bodyPr>
+          <a:lstStyle/>
+          <a:p>
+            <a:r>
+              <a:rPr lang="en-US" i="1" dirty="0"/>
+              <a:t>-a_b_c</a:t>
+            </a:r>
+            <a:endParaRPr lang="en-US" dirty="0"/>
+          </a:p>
+        </p:txBody>
+      </p:sp>
+    </p:spTree>
+    <p:extLst>
+      <p:ext uri="{BB962C8B-B14F-4D97-AF65-F5344CB8AC3E}">
+        <p14:creationId xmlns:p14="http://schemas.microsoft.com/office/powerpoint/2010/main" val="246460808"/>
+      </p:ext>
+    </p:extLst>
+  </p:cSld>
+  <p:clrMapOvr>
+    <a:masterClrMapping/>
+  </p:clrMapOvr>
+  <mc:AlternateContent xmlns:mc="http://schemas.openxmlformats.org/markup-compatibility/2006" xmlns:p14="http://schemas.microsoft.com/office/powerpoint/2010/main">
+    <mc:Choice Requires="p14">
+      <p:transition spd="slow" p14:dur="2000"/>
+    </mc:Choice>
+    <mc:Fallback xmlns="">
+      <p:transition spd="slow"/>
+    </mc:Fallback>
+  </mc:AlternateContent>
+  <p:timing>
+    <p:tnLst>
+      <p:par>
+        <p:cTn id="1" dur="indefinite" restart="never" nodeType="tmRoot"/>
+      </p:par>
+    </p:tnLst>
+  </p:timing>
+</p:sld>
+</file>
+
+<file path=ppt/slides/slide48.xml><?xml version="1.0" encoding="utf-8"?>
+<p:sld xmlns:a="http://schemas.openxmlformats.org/drawingml/2006/main" xmlns:r="http://schemas.openxmlformats.org/officeDocument/2006/relationships" xmlns:p="http://schemas.openxmlformats.org/presentationml/2006/main">
+  <p:cSld>
+    <p:spTree>
+      <p:nvGrpSpPr>
+        <p:cNvPr id="1" name=""/>
+        <p:cNvGrpSpPr/>
+        <p:nvPr/>
+      </p:nvGrpSpPr>
+      <p:grpSpPr>
+        <a:xfrm>
+          <a:off x="0" y="0"/>
+          <a:ext cx="0" cy="0"/>
+          <a:chOff x="0" y="0"/>
+          <a:chExt cx="0" cy="0"/>
+        </a:xfrm>
+      </p:grpSpPr>
+      <p:sp>
+        <p:nvSpPr>
+          <p:cNvPr id="2" name="Slide Number Placeholder 1"/>
+          <p:cNvSpPr>
+            <a:spLocks noGrp="1"/>
+          </p:cNvSpPr>
+          <p:nvPr>
+            <p:ph type="sldNum" sz="quarter" idx="12"/>
+          </p:nvPr>
+        </p:nvSpPr>
+        <p:spPr/>
+        <p:txBody>
+          <a:bodyPr/>
+          <a:lstStyle/>
+          <a:p>
+            <a:fld id="{7D9EC917-02A2-4152-9EE3-DFE2775A77C7}" type="slidenum">
+              <a:rPr lang="en-US" smtClean="0"/>
+              <a:pPr/>
+              <a:t>48</a:t>
+            </a:fld>
+            <a:endParaRPr lang="en-US" dirty="0"/>
+          </a:p>
+        </p:txBody>
+      </p:sp>
+      <p:sp>
+        <p:nvSpPr>
+          <p:cNvPr id="3" name="Rectangle 2"/>
+          <p:cNvSpPr/>
+          <p:nvPr/>
+        </p:nvSpPr>
+        <p:spPr>
+          <a:xfrm>
+            <a:off x="301925" y="1201358"/>
+            <a:ext cx="8567755" cy="45719"/>
+          </a:xfrm>
+          <a:prstGeom prst="rect">
+            <a:avLst/>
+          </a:prstGeom>
+          <a:gradFill flip="none" rotWithShape="1">
+            <a:gsLst>
+              <a:gs pos="15000">
+                <a:srgbClr val="67C7DF"/>
+              </a:gs>
+              <a:gs pos="100000">
+                <a:srgbClr val="5EB130"/>
+              </a:gs>
+            </a:gsLst>
+            <a:lin ang="0" scaled="1"/>
+            <a:tileRect/>
+          </a:gradFill>
+          <a:ln>
+            <a:noFill/>
+          </a:ln>
+        </p:spPr>
+        <p:style>
+          <a:lnRef idx="2">
+            <a:schemeClr val="accent1">
+              <a:shade val="50000"/>
+            </a:schemeClr>
+          </a:lnRef>
+          <a:fillRef idx="1">
+            <a:schemeClr val="accent1"/>
+          </a:fillRef>
+          <a:effectRef idx="0">
+            <a:schemeClr val="accent1"/>
+          </a:effectRef>
+          <a:fontRef idx="minor">
+            <a:schemeClr val="lt1"/>
+          </a:fontRef>
+        </p:style>
+        <p:txBody>
+          <a:bodyPr rtlCol="0" anchor="ctr"/>
+          <a:lstStyle/>
+          <a:p>
+            <a:pPr algn="ctr"/>
+            <a:endParaRPr lang="en-US" dirty="0"/>
+          </a:p>
+        </p:txBody>
+      </p:sp>
+      <p:sp>
+        <p:nvSpPr>
+          <p:cNvPr id="4" name="TextBox 3"/>
+          <p:cNvSpPr txBox="1"/>
+          <p:nvPr/>
+        </p:nvSpPr>
+        <p:spPr>
+          <a:xfrm>
+            <a:off x="301925" y="631628"/>
+            <a:ext cx="8767947" cy="461665"/>
+          </a:xfrm>
+          <a:prstGeom prst="rect">
+            <a:avLst/>
+          </a:prstGeom>
+          <a:noFill/>
+        </p:spPr>
+        <p:txBody>
+          <a:bodyPr wrap="square" rtlCol="0">
+            <a:spAutoFit/>
+          </a:bodyPr>
+          <a:lstStyle/>
+          <a:p>
+            <a:r>
+              <a:rPr lang="vi-VN" sz="2400" b="1" dirty="0">
+                <a:solidFill>
+                  <a:srgbClr val="64C7E9"/>
+                </a:solidFill>
+                <a:latin typeface="UTM Helve" panose="02040603050506020204" pitchFamily="18" charset="0"/>
+                <a:ea typeface="Roboto" pitchFamily="2" charset="0"/>
+              </a:rPr>
+              <a:t>2.8. Đặt tên biến nhớ như sau có được không?</a:t>
+            </a:r>
+          </a:p>
+        </p:txBody>
+      </p:sp>
+      <p:sp>
+        <p:nvSpPr>
+          <p:cNvPr id="5" name="Oval 4"/>
+          <p:cNvSpPr/>
+          <p:nvPr/>
+        </p:nvSpPr>
+        <p:spPr>
+          <a:xfrm>
+            <a:off x="1257099" y="2275143"/>
+            <a:ext cx="365760" cy="365760"/>
+          </a:xfrm>
+          <a:prstGeom prst="ellipse">
+            <a:avLst/>
+          </a:prstGeom>
+          <a:solidFill>
+            <a:srgbClr val="CD0065"/>
+          </a:solidFill>
+          <a:ln>
+            <a:noFill/>
+          </a:ln>
+        </p:spPr>
+        <p:style>
+          <a:lnRef idx="2">
+            <a:schemeClr val="accent1">
+              <a:shade val="50000"/>
+            </a:schemeClr>
+          </a:lnRef>
+          <a:fillRef idx="1">
+            <a:schemeClr val="accent1"/>
+          </a:fillRef>
+          <a:effectRef idx="0">
+            <a:schemeClr val="accent1"/>
+          </a:effectRef>
+          <a:fontRef idx="minor">
+            <a:schemeClr val="lt1"/>
+          </a:fontRef>
+        </p:style>
+        <p:txBody>
+          <a:bodyPr rtlCol="0" anchor="ctr"/>
+          <a:lstStyle/>
+          <a:p>
+            <a:pPr algn="ctr"/>
+            <a:r>
+              <a:rPr lang="en-US" b="1" dirty="0">
+                <a:latin typeface="Arial" panose="020B0604020202020204" pitchFamily="34" charset="0"/>
+                <a:cs typeface="Arial" panose="020B0604020202020204" pitchFamily="34" charset="0"/>
+              </a:rPr>
+              <a:t>A</a:t>
+            </a:r>
+          </a:p>
+        </p:txBody>
+      </p:sp>
+      <p:sp>
+        <p:nvSpPr>
+          <p:cNvPr id="6" name="TextBox 5"/>
+          <p:cNvSpPr txBox="1"/>
+          <p:nvPr/>
+        </p:nvSpPr>
+        <p:spPr>
+          <a:xfrm>
+            <a:off x="1723824" y="2250050"/>
+            <a:ext cx="2524330" cy="369332"/>
+          </a:xfrm>
+          <a:prstGeom prst="rect">
+            <a:avLst/>
+          </a:prstGeom>
+          <a:noFill/>
+        </p:spPr>
+        <p:txBody>
+          <a:bodyPr wrap="square" rtlCol="0">
+            <a:spAutoFit/>
+          </a:bodyPr>
+          <a:lstStyle/>
+          <a:p>
+            <a:r>
+              <a:rPr lang="en-US" i="1" dirty="0"/>
+              <a:t>a-b-c</a:t>
+            </a:r>
+            <a:endParaRPr lang="en-US" dirty="0"/>
+          </a:p>
+        </p:txBody>
+      </p:sp>
+      <p:sp>
+        <p:nvSpPr>
+          <p:cNvPr id="7" name="Oval 6"/>
+          <p:cNvSpPr/>
+          <p:nvPr/>
+        </p:nvSpPr>
+        <p:spPr>
+          <a:xfrm>
+            <a:off x="1257099" y="2892363"/>
+            <a:ext cx="365760" cy="365760"/>
+          </a:xfrm>
+          <a:prstGeom prst="ellipse">
+            <a:avLst/>
+          </a:prstGeom>
+          <a:solidFill>
+            <a:srgbClr val="CD0065"/>
+          </a:solidFill>
+          <a:ln>
+            <a:noFill/>
+          </a:ln>
+        </p:spPr>
+        <p:style>
+          <a:lnRef idx="2">
+            <a:schemeClr val="accent1">
+              <a:shade val="50000"/>
+            </a:schemeClr>
+          </a:lnRef>
+          <a:fillRef idx="1">
+            <a:schemeClr val="accent1"/>
+          </a:fillRef>
+          <a:effectRef idx="0">
+            <a:schemeClr val="accent1"/>
+          </a:effectRef>
+          <a:fontRef idx="minor">
+            <a:schemeClr val="lt1"/>
+          </a:fontRef>
+        </p:style>
+        <p:txBody>
+          <a:bodyPr rtlCol="0" anchor="ctr"/>
+          <a:lstStyle/>
+          <a:p>
+            <a:pPr algn="ctr"/>
+            <a:r>
+              <a:rPr lang="en-US" b="1" dirty="0" smtClean="0">
+                <a:latin typeface="Arial" panose="020B0604020202020204" pitchFamily="34" charset="0"/>
+                <a:cs typeface="Arial" panose="020B0604020202020204" pitchFamily="34" charset="0"/>
+              </a:rPr>
+              <a:t>B</a:t>
+            </a:r>
+            <a:endParaRPr lang="en-US" b="1" dirty="0">
+              <a:latin typeface="Arial" panose="020B0604020202020204" pitchFamily="34" charset="0"/>
+              <a:cs typeface="Arial" panose="020B0604020202020204" pitchFamily="34" charset="0"/>
+            </a:endParaRPr>
+          </a:p>
+        </p:txBody>
+      </p:sp>
+      <p:sp>
+        <p:nvSpPr>
+          <p:cNvPr id="8" name="TextBox 7"/>
+          <p:cNvSpPr txBox="1"/>
+          <p:nvPr/>
+        </p:nvSpPr>
+        <p:spPr>
+          <a:xfrm>
+            <a:off x="1723824" y="2867270"/>
+            <a:ext cx="2524330" cy="369332"/>
+          </a:xfrm>
+          <a:prstGeom prst="rect">
+            <a:avLst/>
+          </a:prstGeom>
+          <a:noFill/>
+        </p:spPr>
+        <p:txBody>
+          <a:bodyPr wrap="square" rtlCol="0">
+            <a:spAutoFit/>
+          </a:bodyPr>
+          <a:lstStyle/>
+          <a:p>
+            <a:r>
+              <a:rPr lang="en-US" i="1" dirty="0"/>
+              <a:t>a_b_c</a:t>
+            </a:r>
+            <a:endParaRPr lang="en-US" dirty="0"/>
+          </a:p>
+        </p:txBody>
+      </p:sp>
+      <p:sp>
+        <p:nvSpPr>
+          <p:cNvPr id="9" name="Oval 8"/>
+          <p:cNvSpPr/>
+          <p:nvPr/>
+        </p:nvSpPr>
+        <p:spPr>
+          <a:xfrm>
+            <a:off x="1257099" y="3562923"/>
+            <a:ext cx="365760" cy="365760"/>
+          </a:xfrm>
+          <a:prstGeom prst="ellipse">
+            <a:avLst/>
+          </a:prstGeom>
+          <a:solidFill>
+            <a:srgbClr val="CD0065"/>
+          </a:solidFill>
+          <a:ln>
+            <a:noFill/>
+          </a:ln>
+        </p:spPr>
+        <p:style>
+          <a:lnRef idx="2">
+            <a:schemeClr val="accent1">
+              <a:shade val="50000"/>
+            </a:schemeClr>
+          </a:lnRef>
+          <a:fillRef idx="1">
+            <a:schemeClr val="accent1"/>
+          </a:fillRef>
+          <a:effectRef idx="0">
+            <a:schemeClr val="accent1"/>
+          </a:effectRef>
+          <a:fontRef idx="minor">
+            <a:schemeClr val="lt1"/>
+          </a:fontRef>
+        </p:style>
+        <p:txBody>
+          <a:bodyPr rtlCol="0" anchor="ctr"/>
+          <a:lstStyle/>
+          <a:p>
+            <a:pPr algn="ctr"/>
+            <a:r>
+              <a:rPr lang="en-US" b="1" dirty="0" smtClean="0">
+                <a:latin typeface="Arial" panose="020B0604020202020204" pitchFamily="34" charset="0"/>
+                <a:cs typeface="Arial" panose="020B0604020202020204" pitchFamily="34" charset="0"/>
+              </a:rPr>
+              <a:t>C</a:t>
+            </a:r>
+            <a:endParaRPr lang="en-US" b="1" dirty="0">
+              <a:latin typeface="Arial" panose="020B0604020202020204" pitchFamily="34" charset="0"/>
+              <a:cs typeface="Arial" panose="020B0604020202020204" pitchFamily="34" charset="0"/>
+            </a:endParaRPr>
+          </a:p>
+        </p:txBody>
+      </p:sp>
+      <p:sp>
+        <p:nvSpPr>
+          <p:cNvPr id="10" name="TextBox 9"/>
+          <p:cNvSpPr txBox="1"/>
+          <p:nvPr/>
+        </p:nvSpPr>
+        <p:spPr>
+          <a:xfrm>
+            <a:off x="1723824" y="3537830"/>
+            <a:ext cx="2524330" cy="369332"/>
+          </a:xfrm>
+          <a:prstGeom prst="rect">
+            <a:avLst/>
+          </a:prstGeom>
+          <a:noFill/>
+        </p:spPr>
+        <p:txBody>
+          <a:bodyPr wrap="square" rtlCol="0">
+            <a:spAutoFit/>
+          </a:bodyPr>
+          <a:lstStyle/>
+          <a:p>
+            <a:r>
+              <a:rPr lang="en-US" i="1" dirty="0"/>
+              <a:t>__abc__</a:t>
+            </a:r>
+            <a:endParaRPr lang="en-US" dirty="0"/>
+          </a:p>
+        </p:txBody>
+      </p:sp>
+      <p:sp>
+        <p:nvSpPr>
+          <p:cNvPr id="11" name="Oval 10"/>
+          <p:cNvSpPr/>
+          <p:nvPr/>
+        </p:nvSpPr>
+        <p:spPr>
+          <a:xfrm>
+            <a:off x="1257099" y="4233483"/>
+            <a:ext cx="365760" cy="365760"/>
+          </a:xfrm>
+          <a:prstGeom prst="ellipse">
+            <a:avLst/>
+          </a:prstGeom>
+          <a:solidFill>
+            <a:srgbClr val="CD0065"/>
+          </a:solidFill>
+          <a:ln>
+            <a:noFill/>
+          </a:ln>
+        </p:spPr>
+        <p:style>
+          <a:lnRef idx="2">
+            <a:schemeClr val="accent1">
+              <a:shade val="50000"/>
+            </a:schemeClr>
+          </a:lnRef>
+          <a:fillRef idx="1">
+            <a:schemeClr val="accent1"/>
+          </a:fillRef>
+          <a:effectRef idx="0">
+            <a:schemeClr val="accent1"/>
+          </a:effectRef>
+          <a:fontRef idx="minor">
+            <a:schemeClr val="lt1"/>
+          </a:fontRef>
+        </p:style>
+        <p:txBody>
+          <a:bodyPr rtlCol="0" anchor="ctr"/>
+          <a:lstStyle/>
+          <a:p>
+            <a:pPr algn="ctr"/>
+            <a:r>
+              <a:rPr lang="en-US" b="1" dirty="0" smtClean="0">
+                <a:latin typeface="Arial" panose="020B0604020202020204" pitchFamily="34" charset="0"/>
+                <a:cs typeface="Arial" panose="020B0604020202020204" pitchFamily="34" charset="0"/>
+              </a:rPr>
+              <a:t>D</a:t>
+            </a:r>
+            <a:endParaRPr lang="en-US" b="1" dirty="0">
+              <a:latin typeface="Arial" panose="020B0604020202020204" pitchFamily="34" charset="0"/>
+              <a:cs typeface="Arial" panose="020B0604020202020204" pitchFamily="34" charset="0"/>
+            </a:endParaRPr>
+          </a:p>
+        </p:txBody>
+      </p:sp>
+      <p:sp>
+        <p:nvSpPr>
+          <p:cNvPr id="12" name="TextBox 11"/>
+          <p:cNvSpPr txBox="1"/>
+          <p:nvPr/>
+        </p:nvSpPr>
+        <p:spPr>
+          <a:xfrm>
+            <a:off x="1723824" y="4208390"/>
+            <a:ext cx="2524330" cy="369332"/>
+          </a:xfrm>
+          <a:prstGeom prst="rect">
+            <a:avLst/>
+          </a:prstGeom>
+          <a:noFill/>
+        </p:spPr>
+        <p:txBody>
+          <a:bodyPr wrap="square" rtlCol="0">
+            <a:spAutoFit/>
+          </a:bodyPr>
+          <a:lstStyle/>
+          <a:p>
+            <a:r>
+              <a:rPr lang="en-US" i="1" dirty="0"/>
+              <a:t>-a_b_c</a:t>
+            </a:r>
+            <a:endParaRPr lang="en-US" dirty="0"/>
+          </a:p>
+        </p:txBody>
+      </p:sp>
+      <p:sp>
+        <p:nvSpPr>
+          <p:cNvPr id="13" name="TextBox 12"/>
+          <p:cNvSpPr txBox="1"/>
+          <p:nvPr/>
+        </p:nvSpPr>
+        <p:spPr>
+          <a:xfrm>
+            <a:off x="5636030" y="1690526"/>
+            <a:ext cx="914400" cy="646331"/>
+          </a:xfrm>
+          <a:prstGeom prst="rect">
+            <a:avLst/>
+          </a:prstGeom>
+          <a:noFill/>
+        </p:spPr>
+        <p:txBody>
+          <a:bodyPr wrap="square" rtlCol="0">
+            <a:spAutoFit/>
+          </a:bodyPr>
+          <a:lstStyle/>
+          <a:p>
+            <a:r>
+              <a:rPr lang="en-US" i="1" u="sng" dirty="0" smtClean="0">
+                <a:solidFill>
+                  <a:schemeClr val="accent5"/>
+                </a:solidFill>
+              </a:rPr>
+              <a:t>Đáp án</a:t>
+            </a:r>
+            <a:r>
+              <a:rPr lang="en-US" i="1" dirty="0" smtClean="0">
+                <a:solidFill>
+                  <a:schemeClr val="accent5"/>
+                </a:solidFill>
+              </a:rPr>
+              <a:t>: </a:t>
+            </a:r>
+            <a:endParaRPr lang="en-US" i="1" dirty="0">
+              <a:solidFill>
+                <a:schemeClr val="accent5"/>
+              </a:solidFill>
+            </a:endParaRPr>
+          </a:p>
+          <a:p>
+            <a:endParaRPr lang="en-US" dirty="0"/>
+          </a:p>
+        </p:txBody>
+      </p:sp>
+      <p:sp>
+        <p:nvSpPr>
+          <p:cNvPr id="14" name="Oval 13"/>
+          <p:cNvSpPr/>
+          <p:nvPr/>
+        </p:nvSpPr>
+        <p:spPr>
+          <a:xfrm>
+            <a:off x="5665615" y="2275143"/>
+            <a:ext cx="365760" cy="365760"/>
+          </a:xfrm>
+          <a:prstGeom prst="ellipse">
+            <a:avLst/>
+          </a:prstGeom>
+          <a:solidFill>
+            <a:srgbClr val="CD0065"/>
+          </a:solidFill>
+          <a:ln>
+            <a:noFill/>
+          </a:ln>
+        </p:spPr>
+        <p:style>
+          <a:lnRef idx="2">
+            <a:schemeClr val="accent1">
+              <a:shade val="50000"/>
+            </a:schemeClr>
+          </a:lnRef>
+          <a:fillRef idx="1">
+            <a:schemeClr val="accent1"/>
+          </a:fillRef>
+          <a:effectRef idx="0">
+            <a:schemeClr val="accent1"/>
+          </a:effectRef>
+          <a:fontRef idx="minor">
+            <a:schemeClr val="lt1"/>
+          </a:fontRef>
+        </p:style>
+        <p:txBody>
+          <a:bodyPr rtlCol="0" anchor="ctr"/>
+          <a:lstStyle/>
+          <a:p>
+            <a:pPr algn="ctr"/>
+            <a:r>
+              <a:rPr lang="en-US" b="1" dirty="0">
+                <a:latin typeface="Arial" panose="020B0604020202020204" pitchFamily="34" charset="0"/>
+                <a:cs typeface="Arial" panose="020B0604020202020204" pitchFamily="34" charset="0"/>
+              </a:rPr>
+              <a:t>A</a:t>
+            </a:r>
+          </a:p>
+        </p:txBody>
+      </p:sp>
+      <p:sp>
+        <p:nvSpPr>
+          <p:cNvPr id="15" name="TextBox 14"/>
+          <p:cNvSpPr txBox="1"/>
+          <p:nvPr/>
+        </p:nvSpPr>
+        <p:spPr>
+          <a:xfrm>
+            <a:off x="6132340" y="2247506"/>
+            <a:ext cx="2524330" cy="369332"/>
+          </a:xfrm>
+          <a:prstGeom prst="rect">
+            <a:avLst/>
+          </a:prstGeom>
+          <a:noFill/>
+        </p:spPr>
+        <p:txBody>
+          <a:bodyPr wrap="square" rtlCol="0">
+            <a:spAutoFit/>
+          </a:bodyPr>
+          <a:lstStyle/>
+          <a:p>
+            <a:r>
+              <a:rPr lang="en-US" dirty="0"/>
+              <a:t>Sai</a:t>
+            </a:r>
+            <a:endParaRPr lang="en-US" dirty="0"/>
+          </a:p>
+        </p:txBody>
+      </p:sp>
+      <p:sp>
+        <p:nvSpPr>
+          <p:cNvPr id="16" name="Oval 15"/>
+          <p:cNvSpPr/>
+          <p:nvPr/>
+        </p:nvSpPr>
+        <p:spPr>
+          <a:xfrm>
+            <a:off x="5665615" y="2892363"/>
+            <a:ext cx="365760" cy="365760"/>
+          </a:xfrm>
+          <a:prstGeom prst="ellipse">
+            <a:avLst/>
+          </a:prstGeom>
+          <a:solidFill>
+            <a:srgbClr val="CD0065"/>
+          </a:solidFill>
+          <a:ln>
+            <a:noFill/>
+          </a:ln>
+        </p:spPr>
+        <p:style>
+          <a:lnRef idx="2">
+            <a:schemeClr val="accent1">
+              <a:shade val="50000"/>
+            </a:schemeClr>
+          </a:lnRef>
+          <a:fillRef idx="1">
+            <a:schemeClr val="accent1"/>
+          </a:fillRef>
+          <a:effectRef idx="0">
+            <a:schemeClr val="accent1"/>
+          </a:effectRef>
+          <a:fontRef idx="minor">
+            <a:schemeClr val="lt1"/>
+          </a:fontRef>
+        </p:style>
+        <p:txBody>
+          <a:bodyPr rtlCol="0" anchor="ctr"/>
+          <a:lstStyle/>
+          <a:p>
+            <a:pPr algn="ctr"/>
+            <a:r>
+              <a:rPr lang="en-US" b="1" dirty="0" smtClean="0">
+                <a:latin typeface="Arial" panose="020B0604020202020204" pitchFamily="34" charset="0"/>
+                <a:cs typeface="Arial" panose="020B0604020202020204" pitchFamily="34" charset="0"/>
+              </a:rPr>
+              <a:t>B</a:t>
+            </a:r>
+            <a:endParaRPr lang="en-US" b="1" dirty="0">
+              <a:latin typeface="Arial" panose="020B0604020202020204" pitchFamily="34" charset="0"/>
+              <a:cs typeface="Arial" panose="020B0604020202020204" pitchFamily="34" charset="0"/>
+            </a:endParaRPr>
+          </a:p>
+        </p:txBody>
+      </p:sp>
+      <p:sp>
+        <p:nvSpPr>
+          <p:cNvPr id="17" name="TextBox 16"/>
+          <p:cNvSpPr txBox="1"/>
+          <p:nvPr/>
+        </p:nvSpPr>
+        <p:spPr>
+          <a:xfrm>
+            <a:off x="6132340" y="2867270"/>
+            <a:ext cx="2524330" cy="369332"/>
+          </a:xfrm>
+          <a:prstGeom prst="rect">
+            <a:avLst/>
+          </a:prstGeom>
+          <a:noFill/>
+        </p:spPr>
+        <p:txBody>
+          <a:bodyPr wrap="square" rtlCol="0">
+            <a:spAutoFit/>
+          </a:bodyPr>
+          <a:lstStyle/>
+          <a:p>
+            <a:r>
+              <a:rPr lang="en-US" dirty="0"/>
+              <a:t>Đúng</a:t>
+            </a:r>
+          </a:p>
+        </p:txBody>
+      </p:sp>
+      <p:sp>
+        <p:nvSpPr>
+          <p:cNvPr id="18" name="Oval 17"/>
+          <p:cNvSpPr/>
+          <p:nvPr/>
+        </p:nvSpPr>
+        <p:spPr>
+          <a:xfrm>
+            <a:off x="5665615" y="3562923"/>
+            <a:ext cx="365760" cy="365760"/>
+          </a:xfrm>
+          <a:prstGeom prst="ellipse">
+            <a:avLst/>
+          </a:prstGeom>
+          <a:solidFill>
+            <a:srgbClr val="CD0065"/>
+          </a:solidFill>
+          <a:ln>
+            <a:noFill/>
+          </a:ln>
+        </p:spPr>
+        <p:style>
+          <a:lnRef idx="2">
+            <a:schemeClr val="accent1">
+              <a:shade val="50000"/>
+            </a:schemeClr>
+          </a:lnRef>
+          <a:fillRef idx="1">
+            <a:schemeClr val="accent1"/>
+          </a:fillRef>
+          <a:effectRef idx="0">
+            <a:schemeClr val="accent1"/>
+          </a:effectRef>
+          <a:fontRef idx="minor">
+            <a:schemeClr val="lt1"/>
+          </a:fontRef>
+        </p:style>
+        <p:txBody>
+          <a:bodyPr rtlCol="0" anchor="ctr"/>
+          <a:lstStyle/>
+          <a:p>
+            <a:pPr algn="ctr"/>
+            <a:r>
+              <a:rPr lang="en-US" b="1" dirty="0" smtClean="0">
+                <a:latin typeface="Arial" panose="020B0604020202020204" pitchFamily="34" charset="0"/>
+                <a:cs typeface="Arial" panose="020B0604020202020204" pitchFamily="34" charset="0"/>
+              </a:rPr>
+              <a:t>C</a:t>
+            </a:r>
+            <a:endParaRPr lang="en-US" b="1" dirty="0">
+              <a:latin typeface="Arial" panose="020B0604020202020204" pitchFamily="34" charset="0"/>
+              <a:cs typeface="Arial" panose="020B0604020202020204" pitchFamily="34" charset="0"/>
+            </a:endParaRPr>
+          </a:p>
+        </p:txBody>
+      </p:sp>
+      <p:sp>
+        <p:nvSpPr>
+          <p:cNvPr id="19" name="TextBox 18"/>
+          <p:cNvSpPr txBox="1"/>
+          <p:nvPr/>
+        </p:nvSpPr>
+        <p:spPr>
+          <a:xfrm>
+            <a:off x="6132340" y="3537830"/>
+            <a:ext cx="2524330" cy="369332"/>
+          </a:xfrm>
+          <a:prstGeom prst="rect">
+            <a:avLst/>
+          </a:prstGeom>
+          <a:noFill/>
+        </p:spPr>
+        <p:txBody>
+          <a:bodyPr wrap="square" rtlCol="0">
+            <a:spAutoFit/>
+          </a:bodyPr>
+          <a:lstStyle/>
+          <a:p>
+            <a:r>
+              <a:rPr lang="en-US" dirty="0"/>
+              <a:t>Đúng</a:t>
+            </a:r>
+          </a:p>
+        </p:txBody>
+      </p:sp>
+      <p:sp>
+        <p:nvSpPr>
+          <p:cNvPr id="20" name="Oval 19"/>
+          <p:cNvSpPr/>
+          <p:nvPr/>
+        </p:nvSpPr>
+        <p:spPr>
+          <a:xfrm>
+            <a:off x="5665615" y="4233483"/>
+            <a:ext cx="365760" cy="365760"/>
+          </a:xfrm>
+          <a:prstGeom prst="ellipse">
+            <a:avLst/>
+          </a:prstGeom>
+          <a:solidFill>
+            <a:srgbClr val="CD0065"/>
+          </a:solidFill>
+          <a:ln>
+            <a:noFill/>
+          </a:ln>
+        </p:spPr>
+        <p:style>
+          <a:lnRef idx="2">
+            <a:schemeClr val="accent1">
+              <a:shade val="50000"/>
+            </a:schemeClr>
+          </a:lnRef>
+          <a:fillRef idx="1">
+            <a:schemeClr val="accent1"/>
+          </a:fillRef>
+          <a:effectRef idx="0">
+            <a:schemeClr val="accent1"/>
+          </a:effectRef>
+          <a:fontRef idx="minor">
+            <a:schemeClr val="lt1"/>
+          </a:fontRef>
+        </p:style>
+        <p:txBody>
+          <a:bodyPr rtlCol="0" anchor="ctr"/>
+          <a:lstStyle/>
+          <a:p>
+            <a:pPr algn="ctr"/>
+            <a:r>
+              <a:rPr lang="en-US" b="1" dirty="0" smtClean="0">
+                <a:latin typeface="Arial" panose="020B0604020202020204" pitchFamily="34" charset="0"/>
+                <a:cs typeface="Arial" panose="020B0604020202020204" pitchFamily="34" charset="0"/>
+              </a:rPr>
+              <a:t>D</a:t>
+            </a:r>
+            <a:endParaRPr lang="en-US" b="1" dirty="0">
+              <a:latin typeface="Arial" panose="020B0604020202020204" pitchFamily="34" charset="0"/>
+              <a:cs typeface="Arial" panose="020B0604020202020204" pitchFamily="34" charset="0"/>
+            </a:endParaRPr>
+          </a:p>
+        </p:txBody>
+      </p:sp>
+      <p:sp>
+        <p:nvSpPr>
+          <p:cNvPr id="21" name="TextBox 20"/>
+          <p:cNvSpPr txBox="1"/>
+          <p:nvPr/>
+        </p:nvSpPr>
+        <p:spPr>
+          <a:xfrm>
+            <a:off x="6132340" y="4208390"/>
+            <a:ext cx="2524330" cy="369332"/>
+          </a:xfrm>
+          <a:prstGeom prst="rect">
+            <a:avLst/>
+          </a:prstGeom>
+          <a:noFill/>
+        </p:spPr>
+        <p:txBody>
+          <a:bodyPr wrap="square" rtlCol="0">
+            <a:spAutoFit/>
+          </a:bodyPr>
+          <a:lstStyle/>
+          <a:p>
+            <a:r>
+              <a:rPr lang="en-US" dirty="0"/>
+              <a:t>Sai</a:t>
+            </a:r>
+          </a:p>
+        </p:txBody>
+      </p:sp>
+    </p:spTree>
+    <p:extLst>
+      <p:ext uri="{BB962C8B-B14F-4D97-AF65-F5344CB8AC3E}">
+        <p14:creationId xmlns:p14="http://schemas.microsoft.com/office/powerpoint/2010/main" val="1245356319"/>
       </p:ext>
     </p:extLst>
   </p:cSld>
